--- a/Chorus/C126 - न त बलले न शक्तिले.pptx
+++ b/Chorus/C126 - न त बलले न शक्तिले.pptx
@@ -3,16 +3,17 @@
 <p:presentation xmlns:a="http://schemas.openxmlformats.org/drawingml/2006/main" xmlns:r="http://schemas.openxmlformats.org/officeDocument/2006/relationships" xmlns:p="http://schemas.openxmlformats.org/presentationml/2006/main" saveSubsetFonts="1">
   <p:sldMasterIdLst>
     <p:sldMasterId id="2147483687" r:id="rId1"/>
+    <p:sldMasterId id="2147483699" r:id="rId2"/>
   </p:sldMasterIdLst>
   <p:sldIdLst>
-    <p:sldId id="275" r:id="rId2"/>
-    <p:sldId id="276" r:id="rId3"/>
-    <p:sldId id="277" r:id="rId4"/>
-    <p:sldId id="285" r:id="rId5"/>
-    <p:sldId id="280" r:id="rId6"/>
-    <p:sldId id="286" r:id="rId7"/>
-    <p:sldId id="287" r:id="rId8"/>
-    <p:sldId id="288" r:id="rId9"/>
+    <p:sldId id="327" r:id="rId3"/>
+    <p:sldId id="328" r:id="rId4"/>
+    <p:sldId id="329" r:id="rId5"/>
+    <p:sldId id="285" r:id="rId6"/>
+    <p:sldId id="330" r:id="rId7"/>
+    <p:sldId id="286" r:id="rId8"/>
+    <p:sldId id="287" r:id="rId9"/>
+    <p:sldId id="288" r:id="rId10"/>
   </p:sldIdLst>
   <p:sldSz cx="12192000" cy="6858000"/>
   <p:notesSz cx="6858000" cy="9144000"/>
@@ -250,7 +251,7 @@
           <a:p>
             <a:fld id="{5256441D-FA9E-43D4-8BA7-A70091F914B6}" type="datetimeFigureOut">
               <a:rPr lang="en-US" smtClean="0"/>
-              <a:t>8/26/2018</a:t>
+              <a:t>6/8/2019</a:t>
             </a:fld>
             <a:endParaRPr lang="en-US"/>
           </a:p>
@@ -420,7 +421,7 @@
           <a:p>
             <a:fld id="{5256441D-FA9E-43D4-8BA7-A70091F914B6}" type="datetimeFigureOut">
               <a:rPr lang="en-US" smtClean="0"/>
-              <a:t>8/26/2018</a:t>
+              <a:t>6/8/2019</a:t>
             </a:fld>
             <a:endParaRPr lang="en-US"/>
           </a:p>
@@ -600,7 +601,7 @@
           <a:p>
             <a:fld id="{5256441D-FA9E-43D4-8BA7-A70091F914B6}" type="datetimeFigureOut">
               <a:rPr lang="en-US" smtClean="0"/>
-              <a:t>8/26/2018</a:t>
+              <a:t>6/8/2019</a:t>
             </a:fld>
             <a:endParaRPr lang="en-US"/>
           </a:p>
@@ -662,8 +663,8 @@
 </file>
 
 <file path=ppt/slideLayouts/slideLayout12.xml><?xml version="1.0" encoding="utf-8"?>
-<p:sldLayout xmlns:a="http://schemas.openxmlformats.org/drawingml/2006/main" xmlns:r="http://schemas.openxmlformats.org/officeDocument/2006/relationships" xmlns:p="http://schemas.openxmlformats.org/presentationml/2006/main" showMasterSp="0" type="tx">
-  <p:cSld name="Default">
+<p:sldLayout xmlns:a="http://schemas.openxmlformats.org/drawingml/2006/main" xmlns:r="http://schemas.openxmlformats.org/officeDocument/2006/relationships" xmlns:p="http://schemas.openxmlformats.org/presentationml/2006/main" type="title" preserve="1">
+  <p:cSld name="Title Slide">
     <p:spTree>
       <p:nvGrpSpPr>
         <p:cNvPr id="1" name=""/>
@@ -680,57 +681,1919 @@
       </p:grpSpPr>
       <p:sp>
         <p:nvSpPr>
-          <p:cNvPr id="152" name="Shape 152"/>
-          <p:cNvSpPr>
-            <a:spLocks noGrp="1"/>
-          </p:cNvSpPr>
-          <p:nvPr>
-            <p:ph type="sldNum" sz="quarter" idx="2"/>
+          <p:cNvPr id="2" name="Title 1">
+            <a:extLst>
+              <a:ext uri="{FF2B5EF4-FFF2-40B4-BE49-F238E27FC236}">
+                <a16:creationId xmlns:a16="http://schemas.microsoft.com/office/drawing/2014/main" id="{25942D55-D6F6-4BB2-A3A2-787D2E7D1E8D}"/>
+              </a:ext>
+            </a:extLst>
+          </p:cNvPr>
+          <p:cNvSpPr>
+            <a:spLocks noGrp="1"/>
+          </p:cNvSpPr>
+          <p:nvPr>
+            <p:ph type="ctrTitle"/>
           </p:nvPr>
         </p:nvSpPr>
         <p:spPr>
           <a:xfrm>
-            <a:off x="10929462" y="6248400"/>
-            <a:ext cx="348140" cy="272136"/>
+            <a:off x="1524000" y="1122363"/>
+            <a:ext cx="9144000" cy="2387600"/>
           </a:xfrm>
-          <a:prstGeom prst="rect">
-            <a:avLst/>
-          </a:prstGeom>
         </p:spPr>
         <p:txBody>
-          <a:bodyPr lIns="65023" tIns="65023" rIns="65023" bIns="65023"/>
+          <a:bodyPr anchor="b"/>
           <a:lstStyle>
-            <a:lvl1pPr algn="r" defTabSz="914367">
-              <a:defRPr>
-                <a:solidFill>
-                  <a:srgbClr val="000000"/>
-                </a:solidFill>
-                <a:latin typeface="Times New Roman"/>
-                <a:ea typeface="Times New Roman"/>
-                <a:cs typeface="Times New Roman"/>
-                <a:sym typeface="Times New Roman"/>
-              </a:defRPr>
+            <a:lvl1pPr algn="ctr">
+              <a:defRPr sz="6000"/>
             </a:lvl1pPr>
           </a:lstStyle>
           <a:p>
-            <a:fld id="{86CB4B4D-7CA3-9044-876B-883B54F8677D}" type="slidenum">
+            <a:r>
+              <a:rPr lang="en-US"/>
+              <a:t>Click to edit Master title style</a:t>
+            </a:r>
+          </a:p>
+        </p:txBody>
+      </p:sp>
+      <p:sp>
+        <p:nvSpPr>
+          <p:cNvPr id="3" name="Subtitle 2">
+            <a:extLst>
+              <a:ext uri="{FF2B5EF4-FFF2-40B4-BE49-F238E27FC236}">
+                <a16:creationId xmlns:a16="http://schemas.microsoft.com/office/drawing/2014/main" id="{F9A981B2-47F7-4D8A-B387-14536AAA861E}"/>
+              </a:ext>
+            </a:extLst>
+          </p:cNvPr>
+          <p:cNvSpPr>
+            <a:spLocks noGrp="1"/>
+          </p:cNvSpPr>
+          <p:nvPr>
+            <p:ph type="subTitle" idx="1"/>
+          </p:nvPr>
+        </p:nvSpPr>
+        <p:spPr>
+          <a:xfrm>
+            <a:off x="1524000" y="3602038"/>
+            <a:ext cx="9144000" cy="1655762"/>
+          </a:xfrm>
+        </p:spPr>
+        <p:txBody>
+          <a:bodyPr/>
+          <a:lstStyle>
+            <a:lvl1pPr marL="0" indent="0" algn="ctr">
+              <a:buNone/>
+              <a:defRPr sz="2400"/>
+            </a:lvl1pPr>
+            <a:lvl2pPr marL="457200" indent="0" algn="ctr">
+              <a:buNone/>
+              <a:defRPr sz="2000"/>
+            </a:lvl2pPr>
+            <a:lvl3pPr marL="914400" indent="0" algn="ctr">
+              <a:buNone/>
+              <a:defRPr sz="1800"/>
+            </a:lvl3pPr>
+            <a:lvl4pPr marL="1371600" indent="0" algn="ctr">
+              <a:buNone/>
+              <a:defRPr sz="1600"/>
+            </a:lvl4pPr>
+            <a:lvl5pPr marL="1828800" indent="0" algn="ctr">
+              <a:buNone/>
+              <a:defRPr sz="1600"/>
+            </a:lvl5pPr>
+            <a:lvl6pPr marL="2286000" indent="0" algn="ctr">
+              <a:buNone/>
+              <a:defRPr sz="1600"/>
+            </a:lvl6pPr>
+            <a:lvl7pPr marL="2743200" indent="0" algn="ctr">
+              <a:buNone/>
+              <a:defRPr sz="1600"/>
+            </a:lvl7pPr>
+            <a:lvl8pPr marL="3200400" indent="0" algn="ctr">
+              <a:buNone/>
+              <a:defRPr sz="1600"/>
+            </a:lvl8pPr>
+            <a:lvl9pPr marL="3657600" indent="0" algn="ctr">
+              <a:buNone/>
+              <a:defRPr sz="1600"/>
+            </a:lvl9pPr>
+          </a:lstStyle>
+          <a:p>
+            <a:r>
+              <a:rPr lang="en-US"/>
+              <a:t>Click to edit Master subtitle style</a:t>
+            </a:r>
+          </a:p>
+        </p:txBody>
+      </p:sp>
+      <p:sp>
+        <p:nvSpPr>
+          <p:cNvPr id="4" name="Date Placeholder 3">
+            <a:extLst>
+              <a:ext uri="{FF2B5EF4-FFF2-40B4-BE49-F238E27FC236}">
+                <a16:creationId xmlns:a16="http://schemas.microsoft.com/office/drawing/2014/main" id="{E1323D12-9920-47DC-B4F9-0CAADF6A6CF3}"/>
+              </a:ext>
+            </a:extLst>
+          </p:cNvPr>
+          <p:cNvSpPr>
+            <a:spLocks noGrp="1"/>
+          </p:cNvSpPr>
+          <p:nvPr>
+            <p:ph type="dt" sz="half" idx="10"/>
+          </p:nvPr>
+        </p:nvSpPr>
+        <p:spPr/>
+        <p:txBody>
+          <a:bodyPr/>
+          <a:lstStyle/>
+          <a:p>
+            <a:fld id="{18432387-EF95-43A0-B65E-2234BF7DB77A}" type="datetimeFigureOut">
+              <a:rPr lang="en-US" smtClean="0"/>
+              <a:t>6/8/2019</a:t>
+            </a:fld>
+            <a:endParaRPr lang="en-US"/>
+          </a:p>
+        </p:txBody>
+      </p:sp>
+      <p:sp>
+        <p:nvSpPr>
+          <p:cNvPr id="5" name="Footer Placeholder 4">
+            <a:extLst>
+              <a:ext uri="{FF2B5EF4-FFF2-40B4-BE49-F238E27FC236}">
+                <a16:creationId xmlns:a16="http://schemas.microsoft.com/office/drawing/2014/main" id="{266EB346-714D-4D41-937F-A98DCA41A826}"/>
+              </a:ext>
+            </a:extLst>
+          </p:cNvPr>
+          <p:cNvSpPr>
+            <a:spLocks noGrp="1"/>
+          </p:cNvSpPr>
+          <p:nvPr>
+            <p:ph type="ftr" sz="quarter" idx="11"/>
+          </p:nvPr>
+        </p:nvSpPr>
+        <p:spPr/>
+        <p:txBody>
+          <a:bodyPr/>
+          <a:lstStyle/>
+          <a:p>
+            <a:endParaRPr lang="en-US"/>
+          </a:p>
+        </p:txBody>
+      </p:sp>
+      <p:sp>
+        <p:nvSpPr>
+          <p:cNvPr id="6" name="Slide Number Placeholder 5">
+            <a:extLst>
+              <a:ext uri="{FF2B5EF4-FFF2-40B4-BE49-F238E27FC236}">
+                <a16:creationId xmlns:a16="http://schemas.microsoft.com/office/drawing/2014/main" id="{E71F5665-E459-4016-BD5A-2F4FDB3FC3FA}"/>
+              </a:ext>
+            </a:extLst>
+          </p:cNvPr>
+          <p:cNvSpPr>
+            <a:spLocks noGrp="1"/>
+          </p:cNvSpPr>
+          <p:nvPr>
+            <p:ph type="sldNum" sz="quarter" idx="12"/>
+          </p:nvPr>
+        </p:nvSpPr>
+        <p:spPr/>
+        <p:txBody>
+          <a:bodyPr/>
+          <a:lstStyle/>
+          <a:p>
+            <a:fld id="{0C211003-7FC4-4E34-8846-0E67745CC278}" type="slidenum">
+              <a:rPr lang="en-US" smtClean="0"/>
               <a:t>‹#›</a:t>
             </a:fld>
-            <a:endParaRPr/>
+            <a:endParaRPr lang="en-US"/>
           </a:p>
         </p:txBody>
       </p:sp>
     </p:spTree>
     <p:extLst>
       <p:ext uri="{BB962C8B-B14F-4D97-AF65-F5344CB8AC3E}">
-        <p14:creationId xmlns:p14="http://schemas.microsoft.com/office/powerpoint/2010/main" val="2967321771"/>
+        <p14:creationId xmlns:p14="http://schemas.microsoft.com/office/powerpoint/2010/main" val="2130970658"/>
       </p:ext>
     </p:extLst>
   </p:cSld>
   <p:clrMapOvr>
     <a:masterClrMapping/>
   </p:clrMapOvr>
-  <p:transition spd="med"/>
+</p:sldLayout>
+</file>
+
+<file path=ppt/slideLayouts/slideLayout13.xml><?xml version="1.0" encoding="utf-8"?>
+<p:sldLayout xmlns:a="http://schemas.openxmlformats.org/drawingml/2006/main" xmlns:r="http://schemas.openxmlformats.org/officeDocument/2006/relationships" xmlns:p="http://schemas.openxmlformats.org/presentationml/2006/main" type="obj" preserve="1">
+  <p:cSld name="Title and Content">
+    <p:spTree>
+      <p:nvGrpSpPr>
+        <p:cNvPr id="1" name=""/>
+        <p:cNvGrpSpPr/>
+        <p:nvPr/>
+      </p:nvGrpSpPr>
+      <p:grpSpPr>
+        <a:xfrm>
+          <a:off x="0" y="0"/>
+          <a:ext cx="0" cy="0"/>
+          <a:chOff x="0" y="0"/>
+          <a:chExt cx="0" cy="0"/>
+        </a:xfrm>
+      </p:grpSpPr>
+      <p:sp>
+        <p:nvSpPr>
+          <p:cNvPr id="2" name="Title 1">
+            <a:extLst>
+              <a:ext uri="{FF2B5EF4-FFF2-40B4-BE49-F238E27FC236}">
+                <a16:creationId xmlns:a16="http://schemas.microsoft.com/office/drawing/2014/main" id="{8ABC6C8A-4D56-4345-8A86-6E7AD572A697}"/>
+              </a:ext>
+            </a:extLst>
+          </p:cNvPr>
+          <p:cNvSpPr>
+            <a:spLocks noGrp="1"/>
+          </p:cNvSpPr>
+          <p:nvPr>
+            <p:ph type="title"/>
+          </p:nvPr>
+        </p:nvSpPr>
+        <p:spPr/>
+        <p:txBody>
+          <a:bodyPr/>
+          <a:lstStyle/>
+          <a:p>
+            <a:r>
+              <a:rPr lang="en-US"/>
+              <a:t>Click to edit Master title style</a:t>
+            </a:r>
+          </a:p>
+        </p:txBody>
+      </p:sp>
+      <p:sp>
+        <p:nvSpPr>
+          <p:cNvPr id="3" name="Content Placeholder 2">
+            <a:extLst>
+              <a:ext uri="{FF2B5EF4-FFF2-40B4-BE49-F238E27FC236}">
+                <a16:creationId xmlns:a16="http://schemas.microsoft.com/office/drawing/2014/main" id="{F46668EF-BEAF-432D-88CC-EB09310BFC17}"/>
+              </a:ext>
+            </a:extLst>
+          </p:cNvPr>
+          <p:cNvSpPr>
+            <a:spLocks noGrp="1"/>
+          </p:cNvSpPr>
+          <p:nvPr>
+            <p:ph idx="1"/>
+          </p:nvPr>
+        </p:nvSpPr>
+        <p:spPr/>
+        <p:txBody>
+          <a:bodyPr/>
+          <a:lstStyle/>
+          <a:p>
+            <a:pPr lvl="0"/>
+            <a:r>
+              <a:rPr lang="en-US"/>
+              <a:t>Edit Master text styles</a:t>
+            </a:r>
+          </a:p>
+          <a:p>
+            <a:pPr lvl="1"/>
+            <a:r>
+              <a:rPr lang="en-US"/>
+              <a:t>Second level</a:t>
+            </a:r>
+          </a:p>
+          <a:p>
+            <a:pPr lvl="2"/>
+            <a:r>
+              <a:rPr lang="en-US"/>
+              <a:t>Third level</a:t>
+            </a:r>
+          </a:p>
+          <a:p>
+            <a:pPr lvl="3"/>
+            <a:r>
+              <a:rPr lang="en-US"/>
+              <a:t>Fourth level</a:t>
+            </a:r>
+          </a:p>
+          <a:p>
+            <a:pPr lvl="4"/>
+            <a:r>
+              <a:rPr lang="en-US"/>
+              <a:t>Fifth level</a:t>
+            </a:r>
+          </a:p>
+        </p:txBody>
+      </p:sp>
+      <p:sp>
+        <p:nvSpPr>
+          <p:cNvPr id="4" name="Date Placeholder 3">
+            <a:extLst>
+              <a:ext uri="{FF2B5EF4-FFF2-40B4-BE49-F238E27FC236}">
+                <a16:creationId xmlns:a16="http://schemas.microsoft.com/office/drawing/2014/main" id="{D2CB59A4-7742-49B2-B1D6-1BA26552E976}"/>
+              </a:ext>
+            </a:extLst>
+          </p:cNvPr>
+          <p:cNvSpPr>
+            <a:spLocks noGrp="1"/>
+          </p:cNvSpPr>
+          <p:nvPr>
+            <p:ph type="dt" sz="half" idx="10"/>
+          </p:nvPr>
+        </p:nvSpPr>
+        <p:spPr/>
+        <p:txBody>
+          <a:bodyPr/>
+          <a:lstStyle/>
+          <a:p>
+            <a:fld id="{18432387-EF95-43A0-B65E-2234BF7DB77A}" type="datetimeFigureOut">
+              <a:rPr lang="en-US" smtClean="0"/>
+              <a:t>6/8/2019</a:t>
+            </a:fld>
+            <a:endParaRPr lang="en-US"/>
+          </a:p>
+        </p:txBody>
+      </p:sp>
+      <p:sp>
+        <p:nvSpPr>
+          <p:cNvPr id="5" name="Footer Placeholder 4">
+            <a:extLst>
+              <a:ext uri="{FF2B5EF4-FFF2-40B4-BE49-F238E27FC236}">
+                <a16:creationId xmlns:a16="http://schemas.microsoft.com/office/drawing/2014/main" id="{D2F4E95B-BDA3-42C9-A978-25FDF7FBAA44}"/>
+              </a:ext>
+            </a:extLst>
+          </p:cNvPr>
+          <p:cNvSpPr>
+            <a:spLocks noGrp="1"/>
+          </p:cNvSpPr>
+          <p:nvPr>
+            <p:ph type="ftr" sz="quarter" idx="11"/>
+          </p:nvPr>
+        </p:nvSpPr>
+        <p:spPr/>
+        <p:txBody>
+          <a:bodyPr/>
+          <a:lstStyle/>
+          <a:p>
+            <a:endParaRPr lang="en-US"/>
+          </a:p>
+        </p:txBody>
+      </p:sp>
+      <p:sp>
+        <p:nvSpPr>
+          <p:cNvPr id="6" name="Slide Number Placeholder 5">
+            <a:extLst>
+              <a:ext uri="{FF2B5EF4-FFF2-40B4-BE49-F238E27FC236}">
+                <a16:creationId xmlns:a16="http://schemas.microsoft.com/office/drawing/2014/main" id="{0F85ED24-3CAC-4D52-AF73-81C6F7861929}"/>
+              </a:ext>
+            </a:extLst>
+          </p:cNvPr>
+          <p:cNvSpPr>
+            <a:spLocks noGrp="1"/>
+          </p:cNvSpPr>
+          <p:nvPr>
+            <p:ph type="sldNum" sz="quarter" idx="12"/>
+          </p:nvPr>
+        </p:nvSpPr>
+        <p:spPr/>
+        <p:txBody>
+          <a:bodyPr/>
+          <a:lstStyle/>
+          <a:p>
+            <a:fld id="{0C211003-7FC4-4E34-8846-0E67745CC278}" type="slidenum">
+              <a:rPr lang="en-US" smtClean="0"/>
+              <a:t>‹#›</a:t>
+            </a:fld>
+            <a:endParaRPr lang="en-US"/>
+          </a:p>
+        </p:txBody>
+      </p:sp>
+    </p:spTree>
+    <p:extLst>
+      <p:ext uri="{BB962C8B-B14F-4D97-AF65-F5344CB8AC3E}">
+        <p14:creationId xmlns:p14="http://schemas.microsoft.com/office/powerpoint/2010/main" val="2863160321"/>
+      </p:ext>
+    </p:extLst>
+  </p:cSld>
+  <p:clrMapOvr>
+    <a:masterClrMapping/>
+  </p:clrMapOvr>
+</p:sldLayout>
+</file>
+
+<file path=ppt/slideLayouts/slideLayout14.xml><?xml version="1.0" encoding="utf-8"?>
+<p:sldLayout xmlns:a="http://schemas.openxmlformats.org/drawingml/2006/main" xmlns:r="http://schemas.openxmlformats.org/officeDocument/2006/relationships" xmlns:p="http://schemas.openxmlformats.org/presentationml/2006/main" type="secHead" preserve="1">
+  <p:cSld name="Section Header">
+    <p:spTree>
+      <p:nvGrpSpPr>
+        <p:cNvPr id="1" name=""/>
+        <p:cNvGrpSpPr/>
+        <p:nvPr/>
+      </p:nvGrpSpPr>
+      <p:grpSpPr>
+        <a:xfrm>
+          <a:off x="0" y="0"/>
+          <a:ext cx="0" cy="0"/>
+          <a:chOff x="0" y="0"/>
+          <a:chExt cx="0" cy="0"/>
+        </a:xfrm>
+      </p:grpSpPr>
+      <p:sp>
+        <p:nvSpPr>
+          <p:cNvPr id="2" name="Title 1">
+            <a:extLst>
+              <a:ext uri="{FF2B5EF4-FFF2-40B4-BE49-F238E27FC236}">
+                <a16:creationId xmlns:a16="http://schemas.microsoft.com/office/drawing/2014/main" id="{5483C423-EC22-4AC6-8E4B-22F36791012E}"/>
+              </a:ext>
+            </a:extLst>
+          </p:cNvPr>
+          <p:cNvSpPr>
+            <a:spLocks noGrp="1"/>
+          </p:cNvSpPr>
+          <p:nvPr>
+            <p:ph type="title"/>
+          </p:nvPr>
+        </p:nvSpPr>
+        <p:spPr>
+          <a:xfrm>
+            <a:off x="831850" y="1709738"/>
+            <a:ext cx="10515600" cy="2852737"/>
+          </a:xfrm>
+        </p:spPr>
+        <p:txBody>
+          <a:bodyPr anchor="b"/>
+          <a:lstStyle>
+            <a:lvl1pPr>
+              <a:defRPr sz="6000"/>
+            </a:lvl1pPr>
+          </a:lstStyle>
+          <a:p>
+            <a:r>
+              <a:rPr lang="en-US"/>
+              <a:t>Click to edit Master title style</a:t>
+            </a:r>
+          </a:p>
+        </p:txBody>
+      </p:sp>
+      <p:sp>
+        <p:nvSpPr>
+          <p:cNvPr id="3" name="Text Placeholder 2">
+            <a:extLst>
+              <a:ext uri="{FF2B5EF4-FFF2-40B4-BE49-F238E27FC236}">
+                <a16:creationId xmlns:a16="http://schemas.microsoft.com/office/drawing/2014/main" id="{30C08015-60B7-4674-8D62-8ECC86C9417B}"/>
+              </a:ext>
+            </a:extLst>
+          </p:cNvPr>
+          <p:cNvSpPr>
+            <a:spLocks noGrp="1"/>
+          </p:cNvSpPr>
+          <p:nvPr>
+            <p:ph type="body" idx="1"/>
+          </p:nvPr>
+        </p:nvSpPr>
+        <p:spPr>
+          <a:xfrm>
+            <a:off x="831850" y="4589463"/>
+            <a:ext cx="10515600" cy="1500187"/>
+          </a:xfrm>
+        </p:spPr>
+        <p:txBody>
+          <a:bodyPr/>
+          <a:lstStyle>
+            <a:lvl1pPr marL="0" indent="0">
+              <a:buNone/>
+              <a:defRPr sz="2400">
+                <a:solidFill>
+                  <a:schemeClr val="tx1">
+                    <a:tint val="75000"/>
+                  </a:schemeClr>
+                </a:solidFill>
+              </a:defRPr>
+            </a:lvl1pPr>
+            <a:lvl2pPr marL="457200" indent="0">
+              <a:buNone/>
+              <a:defRPr sz="2000">
+                <a:solidFill>
+                  <a:schemeClr val="tx1">
+                    <a:tint val="75000"/>
+                  </a:schemeClr>
+                </a:solidFill>
+              </a:defRPr>
+            </a:lvl2pPr>
+            <a:lvl3pPr marL="914400" indent="0">
+              <a:buNone/>
+              <a:defRPr sz="1800">
+                <a:solidFill>
+                  <a:schemeClr val="tx1">
+                    <a:tint val="75000"/>
+                  </a:schemeClr>
+                </a:solidFill>
+              </a:defRPr>
+            </a:lvl3pPr>
+            <a:lvl4pPr marL="1371600" indent="0">
+              <a:buNone/>
+              <a:defRPr sz="1600">
+                <a:solidFill>
+                  <a:schemeClr val="tx1">
+                    <a:tint val="75000"/>
+                  </a:schemeClr>
+                </a:solidFill>
+              </a:defRPr>
+            </a:lvl4pPr>
+            <a:lvl5pPr marL="1828800" indent="0">
+              <a:buNone/>
+              <a:defRPr sz="1600">
+                <a:solidFill>
+                  <a:schemeClr val="tx1">
+                    <a:tint val="75000"/>
+                  </a:schemeClr>
+                </a:solidFill>
+              </a:defRPr>
+            </a:lvl5pPr>
+            <a:lvl6pPr marL="2286000" indent="0">
+              <a:buNone/>
+              <a:defRPr sz="1600">
+                <a:solidFill>
+                  <a:schemeClr val="tx1">
+                    <a:tint val="75000"/>
+                  </a:schemeClr>
+                </a:solidFill>
+              </a:defRPr>
+            </a:lvl6pPr>
+            <a:lvl7pPr marL="2743200" indent="0">
+              <a:buNone/>
+              <a:defRPr sz="1600">
+                <a:solidFill>
+                  <a:schemeClr val="tx1">
+                    <a:tint val="75000"/>
+                  </a:schemeClr>
+                </a:solidFill>
+              </a:defRPr>
+            </a:lvl7pPr>
+            <a:lvl8pPr marL="3200400" indent="0">
+              <a:buNone/>
+              <a:defRPr sz="1600">
+                <a:solidFill>
+                  <a:schemeClr val="tx1">
+                    <a:tint val="75000"/>
+                  </a:schemeClr>
+                </a:solidFill>
+              </a:defRPr>
+            </a:lvl8pPr>
+            <a:lvl9pPr marL="3657600" indent="0">
+              <a:buNone/>
+              <a:defRPr sz="1600">
+                <a:solidFill>
+                  <a:schemeClr val="tx1">
+                    <a:tint val="75000"/>
+                  </a:schemeClr>
+                </a:solidFill>
+              </a:defRPr>
+            </a:lvl9pPr>
+          </a:lstStyle>
+          <a:p>
+            <a:pPr lvl="0"/>
+            <a:r>
+              <a:rPr lang="en-US"/>
+              <a:t>Edit Master text styles</a:t>
+            </a:r>
+          </a:p>
+        </p:txBody>
+      </p:sp>
+      <p:sp>
+        <p:nvSpPr>
+          <p:cNvPr id="4" name="Date Placeholder 3">
+            <a:extLst>
+              <a:ext uri="{FF2B5EF4-FFF2-40B4-BE49-F238E27FC236}">
+                <a16:creationId xmlns:a16="http://schemas.microsoft.com/office/drawing/2014/main" id="{EBBEE92C-42E9-4C5F-8094-E219E96D41D9}"/>
+              </a:ext>
+            </a:extLst>
+          </p:cNvPr>
+          <p:cNvSpPr>
+            <a:spLocks noGrp="1"/>
+          </p:cNvSpPr>
+          <p:nvPr>
+            <p:ph type="dt" sz="half" idx="10"/>
+          </p:nvPr>
+        </p:nvSpPr>
+        <p:spPr/>
+        <p:txBody>
+          <a:bodyPr/>
+          <a:lstStyle/>
+          <a:p>
+            <a:fld id="{18432387-EF95-43A0-B65E-2234BF7DB77A}" type="datetimeFigureOut">
+              <a:rPr lang="en-US" smtClean="0"/>
+              <a:t>6/8/2019</a:t>
+            </a:fld>
+            <a:endParaRPr lang="en-US"/>
+          </a:p>
+        </p:txBody>
+      </p:sp>
+      <p:sp>
+        <p:nvSpPr>
+          <p:cNvPr id="5" name="Footer Placeholder 4">
+            <a:extLst>
+              <a:ext uri="{FF2B5EF4-FFF2-40B4-BE49-F238E27FC236}">
+                <a16:creationId xmlns:a16="http://schemas.microsoft.com/office/drawing/2014/main" id="{72D34785-33FB-4AC4-BBAA-25EC53505257}"/>
+              </a:ext>
+            </a:extLst>
+          </p:cNvPr>
+          <p:cNvSpPr>
+            <a:spLocks noGrp="1"/>
+          </p:cNvSpPr>
+          <p:nvPr>
+            <p:ph type="ftr" sz="quarter" idx="11"/>
+          </p:nvPr>
+        </p:nvSpPr>
+        <p:spPr/>
+        <p:txBody>
+          <a:bodyPr/>
+          <a:lstStyle/>
+          <a:p>
+            <a:endParaRPr lang="en-US"/>
+          </a:p>
+        </p:txBody>
+      </p:sp>
+      <p:sp>
+        <p:nvSpPr>
+          <p:cNvPr id="6" name="Slide Number Placeholder 5">
+            <a:extLst>
+              <a:ext uri="{FF2B5EF4-FFF2-40B4-BE49-F238E27FC236}">
+                <a16:creationId xmlns:a16="http://schemas.microsoft.com/office/drawing/2014/main" id="{B4B9D115-0FBB-4E09-A16C-EF2F7EB35621}"/>
+              </a:ext>
+            </a:extLst>
+          </p:cNvPr>
+          <p:cNvSpPr>
+            <a:spLocks noGrp="1"/>
+          </p:cNvSpPr>
+          <p:nvPr>
+            <p:ph type="sldNum" sz="quarter" idx="12"/>
+          </p:nvPr>
+        </p:nvSpPr>
+        <p:spPr/>
+        <p:txBody>
+          <a:bodyPr/>
+          <a:lstStyle/>
+          <a:p>
+            <a:fld id="{0C211003-7FC4-4E34-8846-0E67745CC278}" type="slidenum">
+              <a:rPr lang="en-US" smtClean="0"/>
+              <a:t>‹#›</a:t>
+            </a:fld>
+            <a:endParaRPr lang="en-US"/>
+          </a:p>
+        </p:txBody>
+      </p:sp>
+    </p:spTree>
+    <p:extLst>
+      <p:ext uri="{BB962C8B-B14F-4D97-AF65-F5344CB8AC3E}">
+        <p14:creationId xmlns:p14="http://schemas.microsoft.com/office/powerpoint/2010/main" val="2259944968"/>
+      </p:ext>
+    </p:extLst>
+  </p:cSld>
+  <p:clrMapOvr>
+    <a:masterClrMapping/>
+  </p:clrMapOvr>
+</p:sldLayout>
+</file>
+
+<file path=ppt/slideLayouts/slideLayout15.xml><?xml version="1.0" encoding="utf-8"?>
+<p:sldLayout xmlns:a="http://schemas.openxmlformats.org/drawingml/2006/main" xmlns:r="http://schemas.openxmlformats.org/officeDocument/2006/relationships" xmlns:p="http://schemas.openxmlformats.org/presentationml/2006/main" type="twoObj" preserve="1">
+  <p:cSld name="Two Content">
+    <p:spTree>
+      <p:nvGrpSpPr>
+        <p:cNvPr id="1" name=""/>
+        <p:cNvGrpSpPr/>
+        <p:nvPr/>
+      </p:nvGrpSpPr>
+      <p:grpSpPr>
+        <a:xfrm>
+          <a:off x="0" y="0"/>
+          <a:ext cx="0" cy="0"/>
+          <a:chOff x="0" y="0"/>
+          <a:chExt cx="0" cy="0"/>
+        </a:xfrm>
+      </p:grpSpPr>
+      <p:sp>
+        <p:nvSpPr>
+          <p:cNvPr id="2" name="Title 1">
+            <a:extLst>
+              <a:ext uri="{FF2B5EF4-FFF2-40B4-BE49-F238E27FC236}">
+                <a16:creationId xmlns:a16="http://schemas.microsoft.com/office/drawing/2014/main" id="{C4F0258D-26F6-4AB1-9E0F-83E78CF1712A}"/>
+              </a:ext>
+            </a:extLst>
+          </p:cNvPr>
+          <p:cNvSpPr>
+            <a:spLocks noGrp="1"/>
+          </p:cNvSpPr>
+          <p:nvPr>
+            <p:ph type="title"/>
+          </p:nvPr>
+        </p:nvSpPr>
+        <p:spPr/>
+        <p:txBody>
+          <a:bodyPr/>
+          <a:lstStyle/>
+          <a:p>
+            <a:r>
+              <a:rPr lang="en-US"/>
+              <a:t>Click to edit Master title style</a:t>
+            </a:r>
+          </a:p>
+        </p:txBody>
+      </p:sp>
+      <p:sp>
+        <p:nvSpPr>
+          <p:cNvPr id="3" name="Content Placeholder 2">
+            <a:extLst>
+              <a:ext uri="{FF2B5EF4-FFF2-40B4-BE49-F238E27FC236}">
+                <a16:creationId xmlns:a16="http://schemas.microsoft.com/office/drawing/2014/main" id="{05004C76-F995-4168-97BE-6AD01B7CFC01}"/>
+              </a:ext>
+            </a:extLst>
+          </p:cNvPr>
+          <p:cNvSpPr>
+            <a:spLocks noGrp="1"/>
+          </p:cNvSpPr>
+          <p:nvPr>
+            <p:ph sz="half" idx="1"/>
+          </p:nvPr>
+        </p:nvSpPr>
+        <p:spPr>
+          <a:xfrm>
+            <a:off x="838200" y="1825625"/>
+            <a:ext cx="5181600" cy="4351338"/>
+          </a:xfrm>
+        </p:spPr>
+        <p:txBody>
+          <a:bodyPr/>
+          <a:lstStyle/>
+          <a:p>
+            <a:pPr lvl="0"/>
+            <a:r>
+              <a:rPr lang="en-US"/>
+              <a:t>Edit Master text styles</a:t>
+            </a:r>
+          </a:p>
+          <a:p>
+            <a:pPr lvl="1"/>
+            <a:r>
+              <a:rPr lang="en-US"/>
+              <a:t>Second level</a:t>
+            </a:r>
+          </a:p>
+          <a:p>
+            <a:pPr lvl="2"/>
+            <a:r>
+              <a:rPr lang="en-US"/>
+              <a:t>Third level</a:t>
+            </a:r>
+          </a:p>
+          <a:p>
+            <a:pPr lvl="3"/>
+            <a:r>
+              <a:rPr lang="en-US"/>
+              <a:t>Fourth level</a:t>
+            </a:r>
+          </a:p>
+          <a:p>
+            <a:pPr lvl="4"/>
+            <a:r>
+              <a:rPr lang="en-US"/>
+              <a:t>Fifth level</a:t>
+            </a:r>
+          </a:p>
+        </p:txBody>
+      </p:sp>
+      <p:sp>
+        <p:nvSpPr>
+          <p:cNvPr id="4" name="Content Placeholder 3">
+            <a:extLst>
+              <a:ext uri="{FF2B5EF4-FFF2-40B4-BE49-F238E27FC236}">
+                <a16:creationId xmlns:a16="http://schemas.microsoft.com/office/drawing/2014/main" id="{AF0651D7-7F77-4F1D-82E6-1CD0A6983952}"/>
+              </a:ext>
+            </a:extLst>
+          </p:cNvPr>
+          <p:cNvSpPr>
+            <a:spLocks noGrp="1"/>
+          </p:cNvSpPr>
+          <p:nvPr>
+            <p:ph sz="half" idx="2"/>
+          </p:nvPr>
+        </p:nvSpPr>
+        <p:spPr>
+          <a:xfrm>
+            <a:off x="6172200" y="1825625"/>
+            <a:ext cx="5181600" cy="4351338"/>
+          </a:xfrm>
+        </p:spPr>
+        <p:txBody>
+          <a:bodyPr/>
+          <a:lstStyle/>
+          <a:p>
+            <a:pPr lvl="0"/>
+            <a:r>
+              <a:rPr lang="en-US"/>
+              <a:t>Edit Master text styles</a:t>
+            </a:r>
+          </a:p>
+          <a:p>
+            <a:pPr lvl="1"/>
+            <a:r>
+              <a:rPr lang="en-US"/>
+              <a:t>Second level</a:t>
+            </a:r>
+          </a:p>
+          <a:p>
+            <a:pPr lvl="2"/>
+            <a:r>
+              <a:rPr lang="en-US"/>
+              <a:t>Third level</a:t>
+            </a:r>
+          </a:p>
+          <a:p>
+            <a:pPr lvl="3"/>
+            <a:r>
+              <a:rPr lang="en-US"/>
+              <a:t>Fourth level</a:t>
+            </a:r>
+          </a:p>
+          <a:p>
+            <a:pPr lvl="4"/>
+            <a:r>
+              <a:rPr lang="en-US"/>
+              <a:t>Fifth level</a:t>
+            </a:r>
+          </a:p>
+        </p:txBody>
+      </p:sp>
+      <p:sp>
+        <p:nvSpPr>
+          <p:cNvPr id="5" name="Date Placeholder 4">
+            <a:extLst>
+              <a:ext uri="{FF2B5EF4-FFF2-40B4-BE49-F238E27FC236}">
+                <a16:creationId xmlns:a16="http://schemas.microsoft.com/office/drawing/2014/main" id="{D6DB123A-F7B9-49FC-83EC-30C714BD2BAC}"/>
+              </a:ext>
+            </a:extLst>
+          </p:cNvPr>
+          <p:cNvSpPr>
+            <a:spLocks noGrp="1"/>
+          </p:cNvSpPr>
+          <p:nvPr>
+            <p:ph type="dt" sz="half" idx="10"/>
+          </p:nvPr>
+        </p:nvSpPr>
+        <p:spPr/>
+        <p:txBody>
+          <a:bodyPr/>
+          <a:lstStyle/>
+          <a:p>
+            <a:fld id="{18432387-EF95-43A0-B65E-2234BF7DB77A}" type="datetimeFigureOut">
+              <a:rPr lang="en-US" smtClean="0"/>
+              <a:t>6/8/2019</a:t>
+            </a:fld>
+            <a:endParaRPr lang="en-US"/>
+          </a:p>
+        </p:txBody>
+      </p:sp>
+      <p:sp>
+        <p:nvSpPr>
+          <p:cNvPr id="6" name="Footer Placeholder 5">
+            <a:extLst>
+              <a:ext uri="{FF2B5EF4-FFF2-40B4-BE49-F238E27FC236}">
+                <a16:creationId xmlns:a16="http://schemas.microsoft.com/office/drawing/2014/main" id="{F0EC81C6-C2E8-4A2A-B570-69AA8137D782}"/>
+              </a:ext>
+            </a:extLst>
+          </p:cNvPr>
+          <p:cNvSpPr>
+            <a:spLocks noGrp="1"/>
+          </p:cNvSpPr>
+          <p:nvPr>
+            <p:ph type="ftr" sz="quarter" idx="11"/>
+          </p:nvPr>
+        </p:nvSpPr>
+        <p:spPr/>
+        <p:txBody>
+          <a:bodyPr/>
+          <a:lstStyle/>
+          <a:p>
+            <a:endParaRPr lang="en-US"/>
+          </a:p>
+        </p:txBody>
+      </p:sp>
+      <p:sp>
+        <p:nvSpPr>
+          <p:cNvPr id="7" name="Slide Number Placeholder 6">
+            <a:extLst>
+              <a:ext uri="{FF2B5EF4-FFF2-40B4-BE49-F238E27FC236}">
+                <a16:creationId xmlns:a16="http://schemas.microsoft.com/office/drawing/2014/main" id="{40A41955-4606-484A-92AE-24DDD6A8C110}"/>
+              </a:ext>
+            </a:extLst>
+          </p:cNvPr>
+          <p:cNvSpPr>
+            <a:spLocks noGrp="1"/>
+          </p:cNvSpPr>
+          <p:nvPr>
+            <p:ph type="sldNum" sz="quarter" idx="12"/>
+          </p:nvPr>
+        </p:nvSpPr>
+        <p:spPr/>
+        <p:txBody>
+          <a:bodyPr/>
+          <a:lstStyle/>
+          <a:p>
+            <a:fld id="{0C211003-7FC4-4E34-8846-0E67745CC278}" type="slidenum">
+              <a:rPr lang="en-US" smtClean="0"/>
+              <a:t>‹#›</a:t>
+            </a:fld>
+            <a:endParaRPr lang="en-US"/>
+          </a:p>
+        </p:txBody>
+      </p:sp>
+    </p:spTree>
+    <p:extLst>
+      <p:ext uri="{BB962C8B-B14F-4D97-AF65-F5344CB8AC3E}">
+        <p14:creationId xmlns:p14="http://schemas.microsoft.com/office/powerpoint/2010/main" val="1858778522"/>
+      </p:ext>
+    </p:extLst>
+  </p:cSld>
+  <p:clrMapOvr>
+    <a:masterClrMapping/>
+  </p:clrMapOvr>
+</p:sldLayout>
+</file>
+
+<file path=ppt/slideLayouts/slideLayout16.xml><?xml version="1.0" encoding="utf-8"?>
+<p:sldLayout xmlns:a="http://schemas.openxmlformats.org/drawingml/2006/main" xmlns:r="http://schemas.openxmlformats.org/officeDocument/2006/relationships" xmlns:p="http://schemas.openxmlformats.org/presentationml/2006/main" type="twoTxTwoObj" preserve="1">
+  <p:cSld name="Comparison">
+    <p:spTree>
+      <p:nvGrpSpPr>
+        <p:cNvPr id="1" name=""/>
+        <p:cNvGrpSpPr/>
+        <p:nvPr/>
+      </p:nvGrpSpPr>
+      <p:grpSpPr>
+        <a:xfrm>
+          <a:off x="0" y="0"/>
+          <a:ext cx="0" cy="0"/>
+          <a:chOff x="0" y="0"/>
+          <a:chExt cx="0" cy="0"/>
+        </a:xfrm>
+      </p:grpSpPr>
+      <p:sp>
+        <p:nvSpPr>
+          <p:cNvPr id="2" name="Title 1">
+            <a:extLst>
+              <a:ext uri="{FF2B5EF4-FFF2-40B4-BE49-F238E27FC236}">
+                <a16:creationId xmlns:a16="http://schemas.microsoft.com/office/drawing/2014/main" id="{34D0A164-6AA3-4D33-AFCB-EF0F1D0C4C76}"/>
+              </a:ext>
+            </a:extLst>
+          </p:cNvPr>
+          <p:cNvSpPr>
+            <a:spLocks noGrp="1"/>
+          </p:cNvSpPr>
+          <p:nvPr>
+            <p:ph type="title"/>
+          </p:nvPr>
+        </p:nvSpPr>
+        <p:spPr>
+          <a:xfrm>
+            <a:off x="839788" y="365125"/>
+            <a:ext cx="10515600" cy="1325563"/>
+          </a:xfrm>
+        </p:spPr>
+        <p:txBody>
+          <a:bodyPr/>
+          <a:lstStyle/>
+          <a:p>
+            <a:r>
+              <a:rPr lang="en-US"/>
+              <a:t>Click to edit Master title style</a:t>
+            </a:r>
+          </a:p>
+        </p:txBody>
+      </p:sp>
+      <p:sp>
+        <p:nvSpPr>
+          <p:cNvPr id="3" name="Text Placeholder 2">
+            <a:extLst>
+              <a:ext uri="{FF2B5EF4-FFF2-40B4-BE49-F238E27FC236}">
+                <a16:creationId xmlns:a16="http://schemas.microsoft.com/office/drawing/2014/main" id="{F766CEC7-2E1A-45BB-B881-93BD73BE8F59}"/>
+              </a:ext>
+            </a:extLst>
+          </p:cNvPr>
+          <p:cNvSpPr>
+            <a:spLocks noGrp="1"/>
+          </p:cNvSpPr>
+          <p:nvPr>
+            <p:ph type="body" idx="1"/>
+          </p:nvPr>
+        </p:nvSpPr>
+        <p:spPr>
+          <a:xfrm>
+            <a:off x="839788" y="1681163"/>
+            <a:ext cx="5157787" cy="823912"/>
+          </a:xfrm>
+        </p:spPr>
+        <p:txBody>
+          <a:bodyPr anchor="b"/>
+          <a:lstStyle>
+            <a:lvl1pPr marL="0" indent="0">
+              <a:buNone/>
+              <a:defRPr sz="2400" b="1"/>
+            </a:lvl1pPr>
+            <a:lvl2pPr marL="457200" indent="0">
+              <a:buNone/>
+              <a:defRPr sz="2000" b="1"/>
+            </a:lvl2pPr>
+            <a:lvl3pPr marL="914400" indent="0">
+              <a:buNone/>
+              <a:defRPr sz="1800" b="1"/>
+            </a:lvl3pPr>
+            <a:lvl4pPr marL="1371600" indent="0">
+              <a:buNone/>
+              <a:defRPr sz="1600" b="1"/>
+            </a:lvl4pPr>
+            <a:lvl5pPr marL="1828800" indent="0">
+              <a:buNone/>
+              <a:defRPr sz="1600" b="1"/>
+            </a:lvl5pPr>
+            <a:lvl6pPr marL="2286000" indent="0">
+              <a:buNone/>
+              <a:defRPr sz="1600" b="1"/>
+            </a:lvl6pPr>
+            <a:lvl7pPr marL="2743200" indent="0">
+              <a:buNone/>
+              <a:defRPr sz="1600" b="1"/>
+            </a:lvl7pPr>
+            <a:lvl8pPr marL="3200400" indent="0">
+              <a:buNone/>
+              <a:defRPr sz="1600" b="1"/>
+            </a:lvl8pPr>
+            <a:lvl9pPr marL="3657600" indent="0">
+              <a:buNone/>
+              <a:defRPr sz="1600" b="1"/>
+            </a:lvl9pPr>
+          </a:lstStyle>
+          <a:p>
+            <a:pPr lvl="0"/>
+            <a:r>
+              <a:rPr lang="en-US"/>
+              <a:t>Edit Master text styles</a:t>
+            </a:r>
+          </a:p>
+        </p:txBody>
+      </p:sp>
+      <p:sp>
+        <p:nvSpPr>
+          <p:cNvPr id="4" name="Content Placeholder 3">
+            <a:extLst>
+              <a:ext uri="{FF2B5EF4-FFF2-40B4-BE49-F238E27FC236}">
+                <a16:creationId xmlns:a16="http://schemas.microsoft.com/office/drawing/2014/main" id="{D2421D8C-E35C-43E2-B675-F58162DCC42C}"/>
+              </a:ext>
+            </a:extLst>
+          </p:cNvPr>
+          <p:cNvSpPr>
+            <a:spLocks noGrp="1"/>
+          </p:cNvSpPr>
+          <p:nvPr>
+            <p:ph sz="half" idx="2"/>
+          </p:nvPr>
+        </p:nvSpPr>
+        <p:spPr>
+          <a:xfrm>
+            <a:off x="839788" y="2505075"/>
+            <a:ext cx="5157787" cy="3684588"/>
+          </a:xfrm>
+        </p:spPr>
+        <p:txBody>
+          <a:bodyPr/>
+          <a:lstStyle/>
+          <a:p>
+            <a:pPr lvl="0"/>
+            <a:r>
+              <a:rPr lang="en-US"/>
+              <a:t>Edit Master text styles</a:t>
+            </a:r>
+          </a:p>
+          <a:p>
+            <a:pPr lvl="1"/>
+            <a:r>
+              <a:rPr lang="en-US"/>
+              <a:t>Second level</a:t>
+            </a:r>
+          </a:p>
+          <a:p>
+            <a:pPr lvl="2"/>
+            <a:r>
+              <a:rPr lang="en-US"/>
+              <a:t>Third level</a:t>
+            </a:r>
+          </a:p>
+          <a:p>
+            <a:pPr lvl="3"/>
+            <a:r>
+              <a:rPr lang="en-US"/>
+              <a:t>Fourth level</a:t>
+            </a:r>
+          </a:p>
+          <a:p>
+            <a:pPr lvl="4"/>
+            <a:r>
+              <a:rPr lang="en-US"/>
+              <a:t>Fifth level</a:t>
+            </a:r>
+          </a:p>
+        </p:txBody>
+      </p:sp>
+      <p:sp>
+        <p:nvSpPr>
+          <p:cNvPr id="5" name="Text Placeholder 4">
+            <a:extLst>
+              <a:ext uri="{FF2B5EF4-FFF2-40B4-BE49-F238E27FC236}">
+                <a16:creationId xmlns:a16="http://schemas.microsoft.com/office/drawing/2014/main" id="{4DB19D4F-4198-494A-BF73-B519960AF1E4}"/>
+              </a:ext>
+            </a:extLst>
+          </p:cNvPr>
+          <p:cNvSpPr>
+            <a:spLocks noGrp="1"/>
+          </p:cNvSpPr>
+          <p:nvPr>
+            <p:ph type="body" sz="quarter" idx="3"/>
+          </p:nvPr>
+        </p:nvSpPr>
+        <p:spPr>
+          <a:xfrm>
+            <a:off x="6172200" y="1681163"/>
+            <a:ext cx="5183188" cy="823912"/>
+          </a:xfrm>
+        </p:spPr>
+        <p:txBody>
+          <a:bodyPr anchor="b"/>
+          <a:lstStyle>
+            <a:lvl1pPr marL="0" indent="0">
+              <a:buNone/>
+              <a:defRPr sz="2400" b="1"/>
+            </a:lvl1pPr>
+            <a:lvl2pPr marL="457200" indent="0">
+              <a:buNone/>
+              <a:defRPr sz="2000" b="1"/>
+            </a:lvl2pPr>
+            <a:lvl3pPr marL="914400" indent="0">
+              <a:buNone/>
+              <a:defRPr sz="1800" b="1"/>
+            </a:lvl3pPr>
+            <a:lvl4pPr marL="1371600" indent="0">
+              <a:buNone/>
+              <a:defRPr sz="1600" b="1"/>
+            </a:lvl4pPr>
+            <a:lvl5pPr marL="1828800" indent="0">
+              <a:buNone/>
+              <a:defRPr sz="1600" b="1"/>
+            </a:lvl5pPr>
+            <a:lvl6pPr marL="2286000" indent="0">
+              <a:buNone/>
+              <a:defRPr sz="1600" b="1"/>
+            </a:lvl6pPr>
+            <a:lvl7pPr marL="2743200" indent="0">
+              <a:buNone/>
+              <a:defRPr sz="1600" b="1"/>
+            </a:lvl7pPr>
+            <a:lvl8pPr marL="3200400" indent="0">
+              <a:buNone/>
+              <a:defRPr sz="1600" b="1"/>
+            </a:lvl8pPr>
+            <a:lvl9pPr marL="3657600" indent="0">
+              <a:buNone/>
+              <a:defRPr sz="1600" b="1"/>
+            </a:lvl9pPr>
+          </a:lstStyle>
+          <a:p>
+            <a:pPr lvl="0"/>
+            <a:r>
+              <a:rPr lang="en-US"/>
+              <a:t>Edit Master text styles</a:t>
+            </a:r>
+          </a:p>
+        </p:txBody>
+      </p:sp>
+      <p:sp>
+        <p:nvSpPr>
+          <p:cNvPr id="6" name="Content Placeholder 5">
+            <a:extLst>
+              <a:ext uri="{FF2B5EF4-FFF2-40B4-BE49-F238E27FC236}">
+                <a16:creationId xmlns:a16="http://schemas.microsoft.com/office/drawing/2014/main" id="{1F3B9459-81A6-4D58-BED4-88C5E9E8664E}"/>
+              </a:ext>
+            </a:extLst>
+          </p:cNvPr>
+          <p:cNvSpPr>
+            <a:spLocks noGrp="1"/>
+          </p:cNvSpPr>
+          <p:nvPr>
+            <p:ph sz="quarter" idx="4"/>
+          </p:nvPr>
+        </p:nvSpPr>
+        <p:spPr>
+          <a:xfrm>
+            <a:off x="6172200" y="2505075"/>
+            <a:ext cx="5183188" cy="3684588"/>
+          </a:xfrm>
+        </p:spPr>
+        <p:txBody>
+          <a:bodyPr/>
+          <a:lstStyle/>
+          <a:p>
+            <a:pPr lvl="0"/>
+            <a:r>
+              <a:rPr lang="en-US"/>
+              <a:t>Edit Master text styles</a:t>
+            </a:r>
+          </a:p>
+          <a:p>
+            <a:pPr lvl="1"/>
+            <a:r>
+              <a:rPr lang="en-US"/>
+              <a:t>Second level</a:t>
+            </a:r>
+          </a:p>
+          <a:p>
+            <a:pPr lvl="2"/>
+            <a:r>
+              <a:rPr lang="en-US"/>
+              <a:t>Third level</a:t>
+            </a:r>
+          </a:p>
+          <a:p>
+            <a:pPr lvl="3"/>
+            <a:r>
+              <a:rPr lang="en-US"/>
+              <a:t>Fourth level</a:t>
+            </a:r>
+          </a:p>
+          <a:p>
+            <a:pPr lvl="4"/>
+            <a:r>
+              <a:rPr lang="en-US"/>
+              <a:t>Fifth level</a:t>
+            </a:r>
+          </a:p>
+        </p:txBody>
+      </p:sp>
+      <p:sp>
+        <p:nvSpPr>
+          <p:cNvPr id="7" name="Date Placeholder 6">
+            <a:extLst>
+              <a:ext uri="{FF2B5EF4-FFF2-40B4-BE49-F238E27FC236}">
+                <a16:creationId xmlns:a16="http://schemas.microsoft.com/office/drawing/2014/main" id="{3285B11F-5A2F-480E-BF9D-27AD0440997C}"/>
+              </a:ext>
+            </a:extLst>
+          </p:cNvPr>
+          <p:cNvSpPr>
+            <a:spLocks noGrp="1"/>
+          </p:cNvSpPr>
+          <p:nvPr>
+            <p:ph type="dt" sz="half" idx="10"/>
+          </p:nvPr>
+        </p:nvSpPr>
+        <p:spPr/>
+        <p:txBody>
+          <a:bodyPr/>
+          <a:lstStyle/>
+          <a:p>
+            <a:fld id="{18432387-EF95-43A0-B65E-2234BF7DB77A}" type="datetimeFigureOut">
+              <a:rPr lang="en-US" smtClean="0"/>
+              <a:t>6/8/2019</a:t>
+            </a:fld>
+            <a:endParaRPr lang="en-US"/>
+          </a:p>
+        </p:txBody>
+      </p:sp>
+      <p:sp>
+        <p:nvSpPr>
+          <p:cNvPr id="8" name="Footer Placeholder 7">
+            <a:extLst>
+              <a:ext uri="{FF2B5EF4-FFF2-40B4-BE49-F238E27FC236}">
+                <a16:creationId xmlns:a16="http://schemas.microsoft.com/office/drawing/2014/main" id="{A8EF8AFF-241C-498A-B727-50BDA0C94649}"/>
+              </a:ext>
+            </a:extLst>
+          </p:cNvPr>
+          <p:cNvSpPr>
+            <a:spLocks noGrp="1"/>
+          </p:cNvSpPr>
+          <p:nvPr>
+            <p:ph type="ftr" sz="quarter" idx="11"/>
+          </p:nvPr>
+        </p:nvSpPr>
+        <p:spPr/>
+        <p:txBody>
+          <a:bodyPr/>
+          <a:lstStyle/>
+          <a:p>
+            <a:endParaRPr lang="en-US"/>
+          </a:p>
+        </p:txBody>
+      </p:sp>
+      <p:sp>
+        <p:nvSpPr>
+          <p:cNvPr id="9" name="Slide Number Placeholder 8">
+            <a:extLst>
+              <a:ext uri="{FF2B5EF4-FFF2-40B4-BE49-F238E27FC236}">
+                <a16:creationId xmlns:a16="http://schemas.microsoft.com/office/drawing/2014/main" id="{3B2BAF94-2654-470A-B9BB-D4DDC3EDE047}"/>
+              </a:ext>
+            </a:extLst>
+          </p:cNvPr>
+          <p:cNvSpPr>
+            <a:spLocks noGrp="1"/>
+          </p:cNvSpPr>
+          <p:nvPr>
+            <p:ph type="sldNum" sz="quarter" idx="12"/>
+          </p:nvPr>
+        </p:nvSpPr>
+        <p:spPr/>
+        <p:txBody>
+          <a:bodyPr/>
+          <a:lstStyle/>
+          <a:p>
+            <a:fld id="{0C211003-7FC4-4E34-8846-0E67745CC278}" type="slidenum">
+              <a:rPr lang="en-US" smtClean="0"/>
+              <a:t>‹#›</a:t>
+            </a:fld>
+            <a:endParaRPr lang="en-US"/>
+          </a:p>
+        </p:txBody>
+      </p:sp>
+    </p:spTree>
+    <p:extLst>
+      <p:ext uri="{BB962C8B-B14F-4D97-AF65-F5344CB8AC3E}">
+        <p14:creationId xmlns:p14="http://schemas.microsoft.com/office/powerpoint/2010/main" val="4049333389"/>
+      </p:ext>
+    </p:extLst>
+  </p:cSld>
+  <p:clrMapOvr>
+    <a:masterClrMapping/>
+  </p:clrMapOvr>
+</p:sldLayout>
+</file>
+
+<file path=ppt/slideLayouts/slideLayout17.xml><?xml version="1.0" encoding="utf-8"?>
+<p:sldLayout xmlns:a="http://schemas.openxmlformats.org/drawingml/2006/main" xmlns:r="http://schemas.openxmlformats.org/officeDocument/2006/relationships" xmlns:p="http://schemas.openxmlformats.org/presentationml/2006/main" type="titleOnly" preserve="1">
+  <p:cSld name="Title Only">
+    <p:spTree>
+      <p:nvGrpSpPr>
+        <p:cNvPr id="1" name=""/>
+        <p:cNvGrpSpPr/>
+        <p:nvPr/>
+      </p:nvGrpSpPr>
+      <p:grpSpPr>
+        <a:xfrm>
+          <a:off x="0" y="0"/>
+          <a:ext cx="0" cy="0"/>
+          <a:chOff x="0" y="0"/>
+          <a:chExt cx="0" cy="0"/>
+        </a:xfrm>
+      </p:grpSpPr>
+      <p:sp>
+        <p:nvSpPr>
+          <p:cNvPr id="2" name="Title 1">
+            <a:extLst>
+              <a:ext uri="{FF2B5EF4-FFF2-40B4-BE49-F238E27FC236}">
+                <a16:creationId xmlns:a16="http://schemas.microsoft.com/office/drawing/2014/main" id="{F8D840C0-A7E1-4F5E-BC0C-DB63BC9CE941}"/>
+              </a:ext>
+            </a:extLst>
+          </p:cNvPr>
+          <p:cNvSpPr>
+            <a:spLocks noGrp="1"/>
+          </p:cNvSpPr>
+          <p:nvPr>
+            <p:ph type="title"/>
+          </p:nvPr>
+        </p:nvSpPr>
+        <p:spPr/>
+        <p:txBody>
+          <a:bodyPr/>
+          <a:lstStyle/>
+          <a:p>
+            <a:r>
+              <a:rPr lang="en-US"/>
+              <a:t>Click to edit Master title style</a:t>
+            </a:r>
+          </a:p>
+        </p:txBody>
+      </p:sp>
+      <p:sp>
+        <p:nvSpPr>
+          <p:cNvPr id="3" name="Date Placeholder 2">
+            <a:extLst>
+              <a:ext uri="{FF2B5EF4-FFF2-40B4-BE49-F238E27FC236}">
+                <a16:creationId xmlns:a16="http://schemas.microsoft.com/office/drawing/2014/main" id="{A856C2BD-A6E2-4413-86D8-3B4775603D56}"/>
+              </a:ext>
+            </a:extLst>
+          </p:cNvPr>
+          <p:cNvSpPr>
+            <a:spLocks noGrp="1"/>
+          </p:cNvSpPr>
+          <p:nvPr>
+            <p:ph type="dt" sz="half" idx="10"/>
+          </p:nvPr>
+        </p:nvSpPr>
+        <p:spPr/>
+        <p:txBody>
+          <a:bodyPr/>
+          <a:lstStyle/>
+          <a:p>
+            <a:fld id="{18432387-EF95-43A0-B65E-2234BF7DB77A}" type="datetimeFigureOut">
+              <a:rPr lang="en-US" smtClean="0"/>
+              <a:t>6/8/2019</a:t>
+            </a:fld>
+            <a:endParaRPr lang="en-US"/>
+          </a:p>
+        </p:txBody>
+      </p:sp>
+      <p:sp>
+        <p:nvSpPr>
+          <p:cNvPr id="4" name="Footer Placeholder 3">
+            <a:extLst>
+              <a:ext uri="{FF2B5EF4-FFF2-40B4-BE49-F238E27FC236}">
+                <a16:creationId xmlns:a16="http://schemas.microsoft.com/office/drawing/2014/main" id="{AB07D61C-D272-41D2-9E17-6BBE87D543BB}"/>
+              </a:ext>
+            </a:extLst>
+          </p:cNvPr>
+          <p:cNvSpPr>
+            <a:spLocks noGrp="1"/>
+          </p:cNvSpPr>
+          <p:nvPr>
+            <p:ph type="ftr" sz="quarter" idx="11"/>
+          </p:nvPr>
+        </p:nvSpPr>
+        <p:spPr/>
+        <p:txBody>
+          <a:bodyPr/>
+          <a:lstStyle/>
+          <a:p>
+            <a:endParaRPr lang="en-US"/>
+          </a:p>
+        </p:txBody>
+      </p:sp>
+      <p:sp>
+        <p:nvSpPr>
+          <p:cNvPr id="5" name="Slide Number Placeholder 4">
+            <a:extLst>
+              <a:ext uri="{FF2B5EF4-FFF2-40B4-BE49-F238E27FC236}">
+                <a16:creationId xmlns:a16="http://schemas.microsoft.com/office/drawing/2014/main" id="{9B8901A9-2323-4F78-8C28-6BB61111C2B2}"/>
+              </a:ext>
+            </a:extLst>
+          </p:cNvPr>
+          <p:cNvSpPr>
+            <a:spLocks noGrp="1"/>
+          </p:cNvSpPr>
+          <p:nvPr>
+            <p:ph type="sldNum" sz="quarter" idx="12"/>
+          </p:nvPr>
+        </p:nvSpPr>
+        <p:spPr/>
+        <p:txBody>
+          <a:bodyPr/>
+          <a:lstStyle/>
+          <a:p>
+            <a:fld id="{0C211003-7FC4-4E34-8846-0E67745CC278}" type="slidenum">
+              <a:rPr lang="en-US" smtClean="0"/>
+              <a:t>‹#›</a:t>
+            </a:fld>
+            <a:endParaRPr lang="en-US"/>
+          </a:p>
+        </p:txBody>
+      </p:sp>
+    </p:spTree>
+    <p:extLst>
+      <p:ext uri="{BB962C8B-B14F-4D97-AF65-F5344CB8AC3E}">
+        <p14:creationId xmlns:p14="http://schemas.microsoft.com/office/powerpoint/2010/main" val="750860617"/>
+      </p:ext>
+    </p:extLst>
+  </p:cSld>
+  <p:clrMapOvr>
+    <a:masterClrMapping/>
+  </p:clrMapOvr>
+</p:sldLayout>
+</file>
+
+<file path=ppt/slideLayouts/slideLayout18.xml><?xml version="1.0" encoding="utf-8"?>
+<p:sldLayout xmlns:a="http://schemas.openxmlformats.org/drawingml/2006/main" xmlns:r="http://schemas.openxmlformats.org/officeDocument/2006/relationships" xmlns:p="http://schemas.openxmlformats.org/presentationml/2006/main" type="blank" preserve="1">
+  <p:cSld name="Blank">
+    <p:spTree>
+      <p:nvGrpSpPr>
+        <p:cNvPr id="1" name=""/>
+        <p:cNvGrpSpPr/>
+        <p:nvPr/>
+      </p:nvGrpSpPr>
+      <p:grpSpPr>
+        <a:xfrm>
+          <a:off x="0" y="0"/>
+          <a:ext cx="0" cy="0"/>
+          <a:chOff x="0" y="0"/>
+          <a:chExt cx="0" cy="0"/>
+        </a:xfrm>
+      </p:grpSpPr>
+      <p:sp>
+        <p:nvSpPr>
+          <p:cNvPr id="2" name="Date Placeholder 1">
+            <a:extLst>
+              <a:ext uri="{FF2B5EF4-FFF2-40B4-BE49-F238E27FC236}">
+                <a16:creationId xmlns:a16="http://schemas.microsoft.com/office/drawing/2014/main" id="{FBB73E85-AD98-49B3-A3BA-532F7F58EE53}"/>
+              </a:ext>
+            </a:extLst>
+          </p:cNvPr>
+          <p:cNvSpPr>
+            <a:spLocks noGrp="1"/>
+          </p:cNvSpPr>
+          <p:nvPr>
+            <p:ph type="dt" sz="half" idx="10"/>
+          </p:nvPr>
+        </p:nvSpPr>
+        <p:spPr/>
+        <p:txBody>
+          <a:bodyPr/>
+          <a:lstStyle/>
+          <a:p>
+            <a:fld id="{18432387-EF95-43A0-B65E-2234BF7DB77A}" type="datetimeFigureOut">
+              <a:rPr lang="en-US" smtClean="0"/>
+              <a:t>6/8/2019</a:t>
+            </a:fld>
+            <a:endParaRPr lang="en-US"/>
+          </a:p>
+        </p:txBody>
+      </p:sp>
+      <p:sp>
+        <p:nvSpPr>
+          <p:cNvPr id="3" name="Footer Placeholder 2">
+            <a:extLst>
+              <a:ext uri="{FF2B5EF4-FFF2-40B4-BE49-F238E27FC236}">
+                <a16:creationId xmlns:a16="http://schemas.microsoft.com/office/drawing/2014/main" id="{D7ECF7D7-C7AF-4691-975B-23D6B7BC6966}"/>
+              </a:ext>
+            </a:extLst>
+          </p:cNvPr>
+          <p:cNvSpPr>
+            <a:spLocks noGrp="1"/>
+          </p:cNvSpPr>
+          <p:nvPr>
+            <p:ph type="ftr" sz="quarter" idx="11"/>
+          </p:nvPr>
+        </p:nvSpPr>
+        <p:spPr/>
+        <p:txBody>
+          <a:bodyPr/>
+          <a:lstStyle/>
+          <a:p>
+            <a:endParaRPr lang="en-US"/>
+          </a:p>
+        </p:txBody>
+      </p:sp>
+      <p:sp>
+        <p:nvSpPr>
+          <p:cNvPr id="4" name="Slide Number Placeholder 3">
+            <a:extLst>
+              <a:ext uri="{FF2B5EF4-FFF2-40B4-BE49-F238E27FC236}">
+                <a16:creationId xmlns:a16="http://schemas.microsoft.com/office/drawing/2014/main" id="{B605DB99-B670-48FE-986D-AC3477C31F57}"/>
+              </a:ext>
+            </a:extLst>
+          </p:cNvPr>
+          <p:cNvSpPr>
+            <a:spLocks noGrp="1"/>
+          </p:cNvSpPr>
+          <p:nvPr>
+            <p:ph type="sldNum" sz="quarter" idx="12"/>
+          </p:nvPr>
+        </p:nvSpPr>
+        <p:spPr/>
+        <p:txBody>
+          <a:bodyPr/>
+          <a:lstStyle/>
+          <a:p>
+            <a:fld id="{0C211003-7FC4-4E34-8846-0E67745CC278}" type="slidenum">
+              <a:rPr lang="en-US" smtClean="0"/>
+              <a:t>‹#›</a:t>
+            </a:fld>
+            <a:endParaRPr lang="en-US"/>
+          </a:p>
+        </p:txBody>
+      </p:sp>
+    </p:spTree>
+    <p:extLst>
+      <p:ext uri="{BB962C8B-B14F-4D97-AF65-F5344CB8AC3E}">
+        <p14:creationId xmlns:p14="http://schemas.microsoft.com/office/powerpoint/2010/main" val="2499360392"/>
+      </p:ext>
+    </p:extLst>
+  </p:cSld>
+  <p:clrMapOvr>
+    <a:masterClrMapping/>
+  </p:clrMapOvr>
+</p:sldLayout>
+</file>
+
+<file path=ppt/slideLayouts/slideLayout19.xml><?xml version="1.0" encoding="utf-8"?>
+<p:sldLayout xmlns:a="http://schemas.openxmlformats.org/drawingml/2006/main" xmlns:r="http://schemas.openxmlformats.org/officeDocument/2006/relationships" xmlns:p="http://schemas.openxmlformats.org/presentationml/2006/main" type="objTx" preserve="1">
+  <p:cSld name="Content with Caption">
+    <p:spTree>
+      <p:nvGrpSpPr>
+        <p:cNvPr id="1" name=""/>
+        <p:cNvGrpSpPr/>
+        <p:nvPr/>
+      </p:nvGrpSpPr>
+      <p:grpSpPr>
+        <a:xfrm>
+          <a:off x="0" y="0"/>
+          <a:ext cx="0" cy="0"/>
+          <a:chOff x="0" y="0"/>
+          <a:chExt cx="0" cy="0"/>
+        </a:xfrm>
+      </p:grpSpPr>
+      <p:sp>
+        <p:nvSpPr>
+          <p:cNvPr id="2" name="Title 1">
+            <a:extLst>
+              <a:ext uri="{FF2B5EF4-FFF2-40B4-BE49-F238E27FC236}">
+                <a16:creationId xmlns:a16="http://schemas.microsoft.com/office/drawing/2014/main" id="{A352EC40-CDBC-4B3D-A38B-43EFAE209A29}"/>
+              </a:ext>
+            </a:extLst>
+          </p:cNvPr>
+          <p:cNvSpPr>
+            <a:spLocks noGrp="1"/>
+          </p:cNvSpPr>
+          <p:nvPr>
+            <p:ph type="title"/>
+          </p:nvPr>
+        </p:nvSpPr>
+        <p:spPr>
+          <a:xfrm>
+            <a:off x="839788" y="457200"/>
+            <a:ext cx="3932237" cy="1600200"/>
+          </a:xfrm>
+        </p:spPr>
+        <p:txBody>
+          <a:bodyPr anchor="b"/>
+          <a:lstStyle>
+            <a:lvl1pPr>
+              <a:defRPr sz="3200"/>
+            </a:lvl1pPr>
+          </a:lstStyle>
+          <a:p>
+            <a:r>
+              <a:rPr lang="en-US"/>
+              <a:t>Click to edit Master title style</a:t>
+            </a:r>
+          </a:p>
+        </p:txBody>
+      </p:sp>
+      <p:sp>
+        <p:nvSpPr>
+          <p:cNvPr id="3" name="Content Placeholder 2">
+            <a:extLst>
+              <a:ext uri="{FF2B5EF4-FFF2-40B4-BE49-F238E27FC236}">
+                <a16:creationId xmlns:a16="http://schemas.microsoft.com/office/drawing/2014/main" id="{D883A987-8E25-43CE-A412-15516869DCC5}"/>
+              </a:ext>
+            </a:extLst>
+          </p:cNvPr>
+          <p:cNvSpPr>
+            <a:spLocks noGrp="1"/>
+          </p:cNvSpPr>
+          <p:nvPr>
+            <p:ph idx="1"/>
+          </p:nvPr>
+        </p:nvSpPr>
+        <p:spPr>
+          <a:xfrm>
+            <a:off x="5183188" y="987425"/>
+            <a:ext cx="6172200" cy="4873625"/>
+          </a:xfrm>
+        </p:spPr>
+        <p:txBody>
+          <a:bodyPr/>
+          <a:lstStyle>
+            <a:lvl1pPr>
+              <a:defRPr sz="3200"/>
+            </a:lvl1pPr>
+            <a:lvl2pPr>
+              <a:defRPr sz="2800"/>
+            </a:lvl2pPr>
+            <a:lvl3pPr>
+              <a:defRPr sz="2400"/>
+            </a:lvl3pPr>
+            <a:lvl4pPr>
+              <a:defRPr sz="2000"/>
+            </a:lvl4pPr>
+            <a:lvl5pPr>
+              <a:defRPr sz="2000"/>
+            </a:lvl5pPr>
+            <a:lvl6pPr>
+              <a:defRPr sz="2000"/>
+            </a:lvl6pPr>
+            <a:lvl7pPr>
+              <a:defRPr sz="2000"/>
+            </a:lvl7pPr>
+            <a:lvl8pPr>
+              <a:defRPr sz="2000"/>
+            </a:lvl8pPr>
+            <a:lvl9pPr>
+              <a:defRPr sz="2000"/>
+            </a:lvl9pPr>
+          </a:lstStyle>
+          <a:p>
+            <a:pPr lvl="0"/>
+            <a:r>
+              <a:rPr lang="en-US"/>
+              <a:t>Edit Master text styles</a:t>
+            </a:r>
+          </a:p>
+          <a:p>
+            <a:pPr lvl="1"/>
+            <a:r>
+              <a:rPr lang="en-US"/>
+              <a:t>Second level</a:t>
+            </a:r>
+          </a:p>
+          <a:p>
+            <a:pPr lvl="2"/>
+            <a:r>
+              <a:rPr lang="en-US"/>
+              <a:t>Third level</a:t>
+            </a:r>
+          </a:p>
+          <a:p>
+            <a:pPr lvl="3"/>
+            <a:r>
+              <a:rPr lang="en-US"/>
+              <a:t>Fourth level</a:t>
+            </a:r>
+          </a:p>
+          <a:p>
+            <a:pPr lvl="4"/>
+            <a:r>
+              <a:rPr lang="en-US"/>
+              <a:t>Fifth level</a:t>
+            </a:r>
+          </a:p>
+        </p:txBody>
+      </p:sp>
+      <p:sp>
+        <p:nvSpPr>
+          <p:cNvPr id="4" name="Text Placeholder 3">
+            <a:extLst>
+              <a:ext uri="{FF2B5EF4-FFF2-40B4-BE49-F238E27FC236}">
+                <a16:creationId xmlns:a16="http://schemas.microsoft.com/office/drawing/2014/main" id="{0506D3E5-6F88-4BBC-94A5-6B47D0BD09D4}"/>
+              </a:ext>
+            </a:extLst>
+          </p:cNvPr>
+          <p:cNvSpPr>
+            <a:spLocks noGrp="1"/>
+          </p:cNvSpPr>
+          <p:nvPr>
+            <p:ph type="body" sz="half" idx="2"/>
+          </p:nvPr>
+        </p:nvSpPr>
+        <p:spPr>
+          <a:xfrm>
+            <a:off x="839788" y="2057400"/>
+            <a:ext cx="3932237" cy="3811588"/>
+          </a:xfrm>
+        </p:spPr>
+        <p:txBody>
+          <a:bodyPr/>
+          <a:lstStyle>
+            <a:lvl1pPr marL="0" indent="0">
+              <a:buNone/>
+              <a:defRPr sz="1600"/>
+            </a:lvl1pPr>
+            <a:lvl2pPr marL="457200" indent="0">
+              <a:buNone/>
+              <a:defRPr sz="1400"/>
+            </a:lvl2pPr>
+            <a:lvl3pPr marL="914400" indent="0">
+              <a:buNone/>
+              <a:defRPr sz="1200"/>
+            </a:lvl3pPr>
+            <a:lvl4pPr marL="1371600" indent="0">
+              <a:buNone/>
+              <a:defRPr sz="1000"/>
+            </a:lvl4pPr>
+            <a:lvl5pPr marL="1828800" indent="0">
+              <a:buNone/>
+              <a:defRPr sz="1000"/>
+            </a:lvl5pPr>
+            <a:lvl6pPr marL="2286000" indent="0">
+              <a:buNone/>
+              <a:defRPr sz="1000"/>
+            </a:lvl6pPr>
+            <a:lvl7pPr marL="2743200" indent="0">
+              <a:buNone/>
+              <a:defRPr sz="1000"/>
+            </a:lvl7pPr>
+            <a:lvl8pPr marL="3200400" indent="0">
+              <a:buNone/>
+              <a:defRPr sz="1000"/>
+            </a:lvl8pPr>
+            <a:lvl9pPr marL="3657600" indent="0">
+              <a:buNone/>
+              <a:defRPr sz="1000"/>
+            </a:lvl9pPr>
+          </a:lstStyle>
+          <a:p>
+            <a:pPr lvl="0"/>
+            <a:r>
+              <a:rPr lang="en-US"/>
+              <a:t>Edit Master text styles</a:t>
+            </a:r>
+          </a:p>
+        </p:txBody>
+      </p:sp>
+      <p:sp>
+        <p:nvSpPr>
+          <p:cNvPr id="5" name="Date Placeholder 4">
+            <a:extLst>
+              <a:ext uri="{FF2B5EF4-FFF2-40B4-BE49-F238E27FC236}">
+                <a16:creationId xmlns:a16="http://schemas.microsoft.com/office/drawing/2014/main" id="{7DFE0DF7-A5E8-4357-99CC-D080FAE27E8E}"/>
+              </a:ext>
+            </a:extLst>
+          </p:cNvPr>
+          <p:cNvSpPr>
+            <a:spLocks noGrp="1"/>
+          </p:cNvSpPr>
+          <p:nvPr>
+            <p:ph type="dt" sz="half" idx="10"/>
+          </p:nvPr>
+        </p:nvSpPr>
+        <p:spPr/>
+        <p:txBody>
+          <a:bodyPr/>
+          <a:lstStyle/>
+          <a:p>
+            <a:fld id="{18432387-EF95-43A0-B65E-2234BF7DB77A}" type="datetimeFigureOut">
+              <a:rPr lang="en-US" smtClean="0"/>
+              <a:t>6/8/2019</a:t>
+            </a:fld>
+            <a:endParaRPr lang="en-US"/>
+          </a:p>
+        </p:txBody>
+      </p:sp>
+      <p:sp>
+        <p:nvSpPr>
+          <p:cNvPr id="6" name="Footer Placeholder 5">
+            <a:extLst>
+              <a:ext uri="{FF2B5EF4-FFF2-40B4-BE49-F238E27FC236}">
+                <a16:creationId xmlns:a16="http://schemas.microsoft.com/office/drawing/2014/main" id="{03D3B9FC-E9F9-4CC8-8D4A-B2D344AB01B5}"/>
+              </a:ext>
+            </a:extLst>
+          </p:cNvPr>
+          <p:cNvSpPr>
+            <a:spLocks noGrp="1"/>
+          </p:cNvSpPr>
+          <p:nvPr>
+            <p:ph type="ftr" sz="quarter" idx="11"/>
+          </p:nvPr>
+        </p:nvSpPr>
+        <p:spPr/>
+        <p:txBody>
+          <a:bodyPr/>
+          <a:lstStyle/>
+          <a:p>
+            <a:endParaRPr lang="en-US"/>
+          </a:p>
+        </p:txBody>
+      </p:sp>
+      <p:sp>
+        <p:nvSpPr>
+          <p:cNvPr id="7" name="Slide Number Placeholder 6">
+            <a:extLst>
+              <a:ext uri="{FF2B5EF4-FFF2-40B4-BE49-F238E27FC236}">
+                <a16:creationId xmlns:a16="http://schemas.microsoft.com/office/drawing/2014/main" id="{D379F76C-4683-40AB-9A6D-914515AD4D01}"/>
+              </a:ext>
+            </a:extLst>
+          </p:cNvPr>
+          <p:cNvSpPr>
+            <a:spLocks noGrp="1"/>
+          </p:cNvSpPr>
+          <p:nvPr>
+            <p:ph type="sldNum" sz="quarter" idx="12"/>
+          </p:nvPr>
+        </p:nvSpPr>
+        <p:spPr/>
+        <p:txBody>
+          <a:bodyPr/>
+          <a:lstStyle/>
+          <a:p>
+            <a:fld id="{0C211003-7FC4-4E34-8846-0E67745CC278}" type="slidenum">
+              <a:rPr lang="en-US" smtClean="0"/>
+              <a:t>‹#›</a:t>
+            </a:fld>
+            <a:endParaRPr lang="en-US"/>
+          </a:p>
+        </p:txBody>
+      </p:sp>
+    </p:spTree>
+    <p:extLst>
+      <p:ext uri="{BB962C8B-B14F-4D97-AF65-F5344CB8AC3E}">
+        <p14:creationId xmlns:p14="http://schemas.microsoft.com/office/powerpoint/2010/main" val="3739053657"/>
+      </p:ext>
+    </p:extLst>
+  </p:cSld>
+  <p:clrMapOvr>
+    <a:masterClrMapping/>
+  </p:clrMapOvr>
 </p:sldLayout>
 </file>
 
@@ -843,7 +2706,7 @@
           <a:p>
             <a:fld id="{5256441D-FA9E-43D4-8BA7-A70091F914B6}" type="datetimeFigureOut">
               <a:rPr lang="en-US" smtClean="0"/>
-              <a:t>8/26/2018</a:t>
+              <a:t>6/8/2019</a:t>
             </a:fld>
             <a:endParaRPr lang="en-US"/>
           </a:p>
@@ -901,6 +2764,1163 @@
   <p:clrMapOvr>
     <a:masterClrMapping/>
   </p:clrMapOvr>
+</p:sldLayout>
+</file>
+
+<file path=ppt/slideLayouts/slideLayout20.xml><?xml version="1.0" encoding="utf-8"?>
+<p:sldLayout xmlns:a="http://schemas.openxmlformats.org/drawingml/2006/main" xmlns:r="http://schemas.openxmlformats.org/officeDocument/2006/relationships" xmlns:p="http://schemas.openxmlformats.org/presentationml/2006/main" type="picTx" preserve="1">
+  <p:cSld name="Picture with Caption">
+    <p:spTree>
+      <p:nvGrpSpPr>
+        <p:cNvPr id="1" name=""/>
+        <p:cNvGrpSpPr/>
+        <p:nvPr/>
+      </p:nvGrpSpPr>
+      <p:grpSpPr>
+        <a:xfrm>
+          <a:off x="0" y="0"/>
+          <a:ext cx="0" cy="0"/>
+          <a:chOff x="0" y="0"/>
+          <a:chExt cx="0" cy="0"/>
+        </a:xfrm>
+      </p:grpSpPr>
+      <p:sp>
+        <p:nvSpPr>
+          <p:cNvPr id="2" name="Title 1">
+            <a:extLst>
+              <a:ext uri="{FF2B5EF4-FFF2-40B4-BE49-F238E27FC236}">
+                <a16:creationId xmlns:a16="http://schemas.microsoft.com/office/drawing/2014/main" id="{F5386E73-6901-4BDE-81D4-77C1A98CE155}"/>
+              </a:ext>
+            </a:extLst>
+          </p:cNvPr>
+          <p:cNvSpPr>
+            <a:spLocks noGrp="1"/>
+          </p:cNvSpPr>
+          <p:nvPr>
+            <p:ph type="title"/>
+          </p:nvPr>
+        </p:nvSpPr>
+        <p:spPr>
+          <a:xfrm>
+            <a:off x="839788" y="457200"/>
+            <a:ext cx="3932237" cy="1600200"/>
+          </a:xfrm>
+        </p:spPr>
+        <p:txBody>
+          <a:bodyPr anchor="b"/>
+          <a:lstStyle>
+            <a:lvl1pPr>
+              <a:defRPr sz="3200"/>
+            </a:lvl1pPr>
+          </a:lstStyle>
+          <a:p>
+            <a:r>
+              <a:rPr lang="en-US"/>
+              <a:t>Click to edit Master title style</a:t>
+            </a:r>
+          </a:p>
+        </p:txBody>
+      </p:sp>
+      <p:sp>
+        <p:nvSpPr>
+          <p:cNvPr id="3" name="Picture Placeholder 2">
+            <a:extLst>
+              <a:ext uri="{FF2B5EF4-FFF2-40B4-BE49-F238E27FC236}">
+                <a16:creationId xmlns:a16="http://schemas.microsoft.com/office/drawing/2014/main" id="{EAF1C77B-B153-4A2D-A80A-2AF18F801DB9}"/>
+              </a:ext>
+            </a:extLst>
+          </p:cNvPr>
+          <p:cNvSpPr>
+            <a:spLocks noGrp="1"/>
+          </p:cNvSpPr>
+          <p:nvPr>
+            <p:ph type="pic" idx="1"/>
+          </p:nvPr>
+        </p:nvSpPr>
+        <p:spPr>
+          <a:xfrm>
+            <a:off x="5183188" y="987425"/>
+            <a:ext cx="6172200" cy="4873625"/>
+          </a:xfrm>
+        </p:spPr>
+        <p:txBody>
+          <a:bodyPr/>
+          <a:lstStyle>
+            <a:lvl1pPr marL="0" indent="0">
+              <a:buNone/>
+              <a:defRPr sz="3200"/>
+            </a:lvl1pPr>
+            <a:lvl2pPr marL="457200" indent="0">
+              <a:buNone/>
+              <a:defRPr sz="2800"/>
+            </a:lvl2pPr>
+            <a:lvl3pPr marL="914400" indent="0">
+              <a:buNone/>
+              <a:defRPr sz="2400"/>
+            </a:lvl3pPr>
+            <a:lvl4pPr marL="1371600" indent="0">
+              <a:buNone/>
+              <a:defRPr sz="2000"/>
+            </a:lvl4pPr>
+            <a:lvl5pPr marL="1828800" indent="0">
+              <a:buNone/>
+              <a:defRPr sz="2000"/>
+            </a:lvl5pPr>
+            <a:lvl6pPr marL="2286000" indent="0">
+              <a:buNone/>
+              <a:defRPr sz="2000"/>
+            </a:lvl6pPr>
+            <a:lvl7pPr marL="2743200" indent="0">
+              <a:buNone/>
+              <a:defRPr sz="2000"/>
+            </a:lvl7pPr>
+            <a:lvl8pPr marL="3200400" indent="0">
+              <a:buNone/>
+              <a:defRPr sz="2000"/>
+            </a:lvl8pPr>
+            <a:lvl9pPr marL="3657600" indent="0">
+              <a:buNone/>
+              <a:defRPr sz="2000"/>
+            </a:lvl9pPr>
+          </a:lstStyle>
+          <a:p>
+            <a:endParaRPr lang="en-US"/>
+          </a:p>
+        </p:txBody>
+      </p:sp>
+      <p:sp>
+        <p:nvSpPr>
+          <p:cNvPr id="4" name="Text Placeholder 3">
+            <a:extLst>
+              <a:ext uri="{FF2B5EF4-FFF2-40B4-BE49-F238E27FC236}">
+                <a16:creationId xmlns:a16="http://schemas.microsoft.com/office/drawing/2014/main" id="{135DC2B1-C195-4155-AB9B-9C33DEAA1007}"/>
+              </a:ext>
+            </a:extLst>
+          </p:cNvPr>
+          <p:cNvSpPr>
+            <a:spLocks noGrp="1"/>
+          </p:cNvSpPr>
+          <p:nvPr>
+            <p:ph type="body" sz="half" idx="2"/>
+          </p:nvPr>
+        </p:nvSpPr>
+        <p:spPr>
+          <a:xfrm>
+            <a:off x="839788" y="2057400"/>
+            <a:ext cx="3932237" cy="3811588"/>
+          </a:xfrm>
+        </p:spPr>
+        <p:txBody>
+          <a:bodyPr/>
+          <a:lstStyle>
+            <a:lvl1pPr marL="0" indent="0">
+              <a:buNone/>
+              <a:defRPr sz="1600"/>
+            </a:lvl1pPr>
+            <a:lvl2pPr marL="457200" indent="0">
+              <a:buNone/>
+              <a:defRPr sz="1400"/>
+            </a:lvl2pPr>
+            <a:lvl3pPr marL="914400" indent="0">
+              <a:buNone/>
+              <a:defRPr sz="1200"/>
+            </a:lvl3pPr>
+            <a:lvl4pPr marL="1371600" indent="0">
+              <a:buNone/>
+              <a:defRPr sz="1000"/>
+            </a:lvl4pPr>
+            <a:lvl5pPr marL="1828800" indent="0">
+              <a:buNone/>
+              <a:defRPr sz="1000"/>
+            </a:lvl5pPr>
+            <a:lvl6pPr marL="2286000" indent="0">
+              <a:buNone/>
+              <a:defRPr sz="1000"/>
+            </a:lvl6pPr>
+            <a:lvl7pPr marL="2743200" indent="0">
+              <a:buNone/>
+              <a:defRPr sz="1000"/>
+            </a:lvl7pPr>
+            <a:lvl8pPr marL="3200400" indent="0">
+              <a:buNone/>
+              <a:defRPr sz="1000"/>
+            </a:lvl8pPr>
+            <a:lvl9pPr marL="3657600" indent="0">
+              <a:buNone/>
+              <a:defRPr sz="1000"/>
+            </a:lvl9pPr>
+          </a:lstStyle>
+          <a:p>
+            <a:pPr lvl="0"/>
+            <a:r>
+              <a:rPr lang="en-US"/>
+              <a:t>Edit Master text styles</a:t>
+            </a:r>
+          </a:p>
+        </p:txBody>
+      </p:sp>
+      <p:sp>
+        <p:nvSpPr>
+          <p:cNvPr id="5" name="Date Placeholder 4">
+            <a:extLst>
+              <a:ext uri="{FF2B5EF4-FFF2-40B4-BE49-F238E27FC236}">
+                <a16:creationId xmlns:a16="http://schemas.microsoft.com/office/drawing/2014/main" id="{F52D4121-D906-4EE6-AE5C-F0F7FC24E45C}"/>
+              </a:ext>
+            </a:extLst>
+          </p:cNvPr>
+          <p:cNvSpPr>
+            <a:spLocks noGrp="1"/>
+          </p:cNvSpPr>
+          <p:nvPr>
+            <p:ph type="dt" sz="half" idx="10"/>
+          </p:nvPr>
+        </p:nvSpPr>
+        <p:spPr/>
+        <p:txBody>
+          <a:bodyPr/>
+          <a:lstStyle/>
+          <a:p>
+            <a:fld id="{18432387-EF95-43A0-B65E-2234BF7DB77A}" type="datetimeFigureOut">
+              <a:rPr lang="en-US" smtClean="0"/>
+              <a:t>6/8/2019</a:t>
+            </a:fld>
+            <a:endParaRPr lang="en-US"/>
+          </a:p>
+        </p:txBody>
+      </p:sp>
+      <p:sp>
+        <p:nvSpPr>
+          <p:cNvPr id="6" name="Footer Placeholder 5">
+            <a:extLst>
+              <a:ext uri="{FF2B5EF4-FFF2-40B4-BE49-F238E27FC236}">
+                <a16:creationId xmlns:a16="http://schemas.microsoft.com/office/drawing/2014/main" id="{A972986A-6D7D-4283-9C4C-B3F917D13C32}"/>
+              </a:ext>
+            </a:extLst>
+          </p:cNvPr>
+          <p:cNvSpPr>
+            <a:spLocks noGrp="1"/>
+          </p:cNvSpPr>
+          <p:nvPr>
+            <p:ph type="ftr" sz="quarter" idx="11"/>
+          </p:nvPr>
+        </p:nvSpPr>
+        <p:spPr/>
+        <p:txBody>
+          <a:bodyPr/>
+          <a:lstStyle/>
+          <a:p>
+            <a:endParaRPr lang="en-US"/>
+          </a:p>
+        </p:txBody>
+      </p:sp>
+      <p:sp>
+        <p:nvSpPr>
+          <p:cNvPr id="7" name="Slide Number Placeholder 6">
+            <a:extLst>
+              <a:ext uri="{FF2B5EF4-FFF2-40B4-BE49-F238E27FC236}">
+                <a16:creationId xmlns:a16="http://schemas.microsoft.com/office/drawing/2014/main" id="{3728A740-97E4-41D1-A8F8-B1E2EF5203E8}"/>
+              </a:ext>
+            </a:extLst>
+          </p:cNvPr>
+          <p:cNvSpPr>
+            <a:spLocks noGrp="1"/>
+          </p:cNvSpPr>
+          <p:nvPr>
+            <p:ph type="sldNum" sz="quarter" idx="12"/>
+          </p:nvPr>
+        </p:nvSpPr>
+        <p:spPr/>
+        <p:txBody>
+          <a:bodyPr/>
+          <a:lstStyle/>
+          <a:p>
+            <a:fld id="{0C211003-7FC4-4E34-8846-0E67745CC278}" type="slidenum">
+              <a:rPr lang="en-US" smtClean="0"/>
+              <a:t>‹#›</a:t>
+            </a:fld>
+            <a:endParaRPr lang="en-US"/>
+          </a:p>
+        </p:txBody>
+      </p:sp>
+    </p:spTree>
+    <p:extLst>
+      <p:ext uri="{BB962C8B-B14F-4D97-AF65-F5344CB8AC3E}">
+        <p14:creationId xmlns:p14="http://schemas.microsoft.com/office/powerpoint/2010/main" val="659421733"/>
+      </p:ext>
+    </p:extLst>
+  </p:cSld>
+  <p:clrMapOvr>
+    <a:masterClrMapping/>
+  </p:clrMapOvr>
+</p:sldLayout>
+</file>
+
+<file path=ppt/slideLayouts/slideLayout21.xml><?xml version="1.0" encoding="utf-8"?>
+<p:sldLayout xmlns:a="http://schemas.openxmlformats.org/drawingml/2006/main" xmlns:r="http://schemas.openxmlformats.org/officeDocument/2006/relationships" xmlns:p="http://schemas.openxmlformats.org/presentationml/2006/main" type="vertTx" preserve="1">
+  <p:cSld name="Title and Vertical Text">
+    <p:spTree>
+      <p:nvGrpSpPr>
+        <p:cNvPr id="1" name=""/>
+        <p:cNvGrpSpPr/>
+        <p:nvPr/>
+      </p:nvGrpSpPr>
+      <p:grpSpPr>
+        <a:xfrm>
+          <a:off x="0" y="0"/>
+          <a:ext cx="0" cy="0"/>
+          <a:chOff x="0" y="0"/>
+          <a:chExt cx="0" cy="0"/>
+        </a:xfrm>
+      </p:grpSpPr>
+      <p:sp>
+        <p:nvSpPr>
+          <p:cNvPr id="2" name="Title 1">
+            <a:extLst>
+              <a:ext uri="{FF2B5EF4-FFF2-40B4-BE49-F238E27FC236}">
+                <a16:creationId xmlns:a16="http://schemas.microsoft.com/office/drawing/2014/main" id="{EAC43912-6526-4074-8EEC-188F969512BD}"/>
+              </a:ext>
+            </a:extLst>
+          </p:cNvPr>
+          <p:cNvSpPr>
+            <a:spLocks noGrp="1"/>
+          </p:cNvSpPr>
+          <p:nvPr>
+            <p:ph type="title"/>
+          </p:nvPr>
+        </p:nvSpPr>
+        <p:spPr/>
+        <p:txBody>
+          <a:bodyPr/>
+          <a:lstStyle/>
+          <a:p>
+            <a:r>
+              <a:rPr lang="en-US"/>
+              <a:t>Click to edit Master title style</a:t>
+            </a:r>
+          </a:p>
+        </p:txBody>
+      </p:sp>
+      <p:sp>
+        <p:nvSpPr>
+          <p:cNvPr id="3" name="Vertical Text Placeholder 2">
+            <a:extLst>
+              <a:ext uri="{FF2B5EF4-FFF2-40B4-BE49-F238E27FC236}">
+                <a16:creationId xmlns:a16="http://schemas.microsoft.com/office/drawing/2014/main" id="{C5670775-20AD-466D-BDA2-1917744C726A}"/>
+              </a:ext>
+            </a:extLst>
+          </p:cNvPr>
+          <p:cNvSpPr>
+            <a:spLocks noGrp="1"/>
+          </p:cNvSpPr>
+          <p:nvPr>
+            <p:ph type="body" orient="vert" idx="1"/>
+          </p:nvPr>
+        </p:nvSpPr>
+        <p:spPr/>
+        <p:txBody>
+          <a:bodyPr vert="eaVert"/>
+          <a:lstStyle/>
+          <a:p>
+            <a:pPr lvl="0"/>
+            <a:r>
+              <a:rPr lang="en-US"/>
+              <a:t>Edit Master text styles</a:t>
+            </a:r>
+          </a:p>
+          <a:p>
+            <a:pPr lvl="1"/>
+            <a:r>
+              <a:rPr lang="en-US"/>
+              <a:t>Second level</a:t>
+            </a:r>
+          </a:p>
+          <a:p>
+            <a:pPr lvl="2"/>
+            <a:r>
+              <a:rPr lang="en-US"/>
+              <a:t>Third level</a:t>
+            </a:r>
+          </a:p>
+          <a:p>
+            <a:pPr lvl="3"/>
+            <a:r>
+              <a:rPr lang="en-US"/>
+              <a:t>Fourth level</a:t>
+            </a:r>
+          </a:p>
+          <a:p>
+            <a:pPr lvl="4"/>
+            <a:r>
+              <a:rPr lang="en-US"/>
+              <a:t>Fifth level</a:t>
+            </a:r>
+          </a:p>
+        </p:txBody>
+      </p:sp>
+      <p:sp>
+        <p:nvSpPr>
+          <p:cNvPr id="4" name="Date Placeholder 3">
+            <a:extLst>
+              <a:ext uri="{FF2B5EF4-FFF2-40B4-BE49-F238E27FC236}">
+                <a16:creationId xmlns:a16="http://schemas.microsoft.com/office/drawing/2014/main" id="{8CDE0E42-56BD-49D0-9503-EF599B0AEBB2}"/>
+              </a:ext>
+            </a:extLst>
+          </p:cNvPr>
+          <p:cNvSpPr>
+            <a:spLocks noGrp="1"/>
+          </p:cNvSpPr>
+          <p:nvPr>
+            <p:ph type="dt" sz="half" idx="10"/>
+          </p:nvPr>
+        </p:nvSpPr>
+        <p:spPr/>
+        <p:txBody>
+          <a:bodyPr/>
+          <a:lstStyle/>
+          <a:p>
+            <a:fld id="{18432387-EF95-43A0-B65E-2234BF7DB77A}" type="datetimeFigureOut">
+              <a:rPr lang="en-US" smtClean="0"/>
+              <a:t>6/8/2019</a:t>
+            </a:fld>
+            <a:endParaRPr lang="en-US"/>
+          </a:p>
+        </p:txBody>
+      </p:sp>
+      <p:sp>
+        <p:nvSpPr>
+          <p:cNvPr id="5" name="Footer Placeholder 4">
+            <a:extLst>
+              <a:ext uri="{FF2B5EF4-FFF2-40B4-BE49-F238E27FC236}">
+                <a16:creationId xmlns:a16="http://schemas.microsoft.com/office/drawing/2014/main" id="{9A888E55-70D2-45DA-8D87-3941519FFC60}"/>
+              </a:ext>
+            </a:extLst>
+          </p:cNvPr>
+          <p:cNvSpPr>
+            <a:spLocks noGrp="1"/>
+          </p:cNvSpPr>
+          <p:nvPr>
+            <p:ph type="ftr" sz="quarter" idx="11"/>
+          </p:nvPr>
+        </p:nvSpPr>
+        <p:spPr/>
+        <p:txBody>
+          <a:bodyPr/>
+          <a:lstStyle/>
+          <a:p>
+            <a:endParaRPr lang="en-US"/>
+          </a:p>
+        </p:txBody>
+      </p:sp>
+      <p:sp>
+        <p:nvSpPr>
+          <p:cNvPr id="6" name="Slide Number Placeholder 5">
+            <a:extLst>
+              <a:ext uri="{FF2B5EF4-FFF2-40B4-BE49-F238E27FC236}">
+                <a16:creationId xmlns:a16="http://schemas.microsoft.com/office/drawing/2014/main" id="{4E58D636-1307-4179-AE5D-70B10948F4DD}"/>
+              </a:ext>
+            </a:extLst>
+          </p:cNvPr>
+          <p:cNvSpPr>
+            <a:spLocks noGrp="1"/>
+          </p:cNvSpPr>
+          <p:nvPr>
+            <p:ph type="sldNum" sz="quarter" idx="12"/>
+          </p:nvPr>
+        </p:nvSpPr>
+        <p:spPr/>
+        <p:txBody>
+          <a:bodyPr/>
+          <a:lstStyle/>
+          <a:p>
+            <a:fld id="{0C211003-7FC4-4E34-8846-0E67745CC278}" type="slidenum">
+              <a:rPr lang="en-US" smtClean="0"/>
+              <a:t>‹#›</a:t>
+            </a:fld>
+            <a:endParaRPr lang="en-US"/>
+          </a:p>
+        </p:txBody>
+      </p:sp>
+    </p:spTree>
+    <p:extLst>
+      <p:ext uri="{BB962C8B-B14F-4D97-AF65-F5344CB8AC3E}">
+        <p14:creationId xmlns:p14="http://schemas.microsoft.com/office/powerpoint/2010/main" val="282633626"/>
+      </p:ext>
+    </p:extLst>
+  </p:cSld>
+  <p:clrMapOvr>
+    <a:masterClrMapping/>
+  </p:clrMapOvr>
+</p:sldLayout>
+</file>
+
+<file path=ppt/slideLayouts/slideLayout22.xml><?xml version="1.0" encoding="utf-8"?>
+<p:sldLayout xmlns:a="http://schemas.openxmlformats.org/drawingml/2006/main" xmlns:r="http://schemas.openxmlformats.org/officeDocument/2006/relationships" xmlns:p="http://schemas.openxmlformats.org/presentationml/2006/main" type="vertTitleAndTx" preserve="1">
+  <p:cSld name="Vertical Title and Text">
+    <p:spTree>
+      <p:nvGrpSpPr>
+        <p:cNvPr id="1" name=""/>
+        <p:cNvGrpSpPr/>
+        <p:nvPr/>
+      </p:nvGrpSpPr>
+      <p:grpSpPr>
+        <a:xfrm>
+          <a:off x="0" y="0"/>
+          <a:ext cx="0" cy="0"/>
+          <a:chOff x="0" y="0"/>
+          <a:chExt cx="0" cy="0"/>
+        </a:xfrm>
+      </p:grpSpPr>
+      <p:sp>
+        <p:nvSpPr>
+          <p:cNvPr id="2" name="Vertical Title 1">
+            <a:extLst>
+              <a:ext uri="{FF2B5EF4-FFF2-40B4-BE49-F238E27FC236}">
+                <a16:creationId xmlns:a16="http://schemas.microsoft.com/office/drawing/2014/main" id="{7D3AEA62-F5D0-44D4-808B-E4E59062A475}"/>
+              </a:ext>
+            </a:extLst>
+          </p:cNvPr>
+          <p:cNvSpPr>
+            <a:spLocks noGrp="1"/>
+          </p:cNvSpPr>
+          <p:nvPr>
+            <p:ph type="title" orient="vert"/>
+          </p:nvPr>
+        </p:nvSpPr>
+        <p:spPr>
+          <a:xfrm>
+            <a:off x="8724900" y="365125"/>
+            <a:ext cx="2628900" cy="5811838"/>
+          </a:xfrm>
+        </p:spPr>
+        <p:txBody>
+          <a:bodyPr vert="eaVert"/>
+          <a:lstStyle/>
+          <a:p>
+            <a:r>
+              <a:rPr lang="en-US"/>
+              <a:t>Click to edit Master title style</a:t>
+            </a:r>
+          </a:p>
+        </p:txBody>
+      </p:sp>
+      <p:sp>
+        <p:nvSpPr>
+          <p:cNvPr id="3" name="Vertical Text Placeholder 2">
+            <a:extLst>
+              <a:ext uri="{FF2B5EF4-FFF2-40B4-BE49-F238E27FC236}">
+                <a16:creationId xmlns:a16="http://schemas.microsoft.com/office/drawing/2014/main" id="{F8312B57-F67E-4968-9C06-DFDF855DEC9A}"/>
+              </a:ext>
+            </a:extLst>
+          </p:cNvPr>
+          <p:cNvSpPr>
+            <a:spLocks noGrp="1"/>
+          </p:cNvSpPr>
+          <p:nvPr>
+            <p:ph type="body" orient="vert" idx="1"/>
+          </p:nvPr>
+        </p:nvSpPr>
+        <p:spPr>
+          <a:xfrm>
+            <a:off x="838200" y="365125"/>
+            <a:ext cx="7734300" cy="5811838"/>
+          </a:xfrm>
+        </p:spPr>
+        <p:txBody>
+          <a:bodyPr vert="eaVert"/>
+          <a:lstStyle/>
+          <a:p>
+            <a:pPr lvl="0"/>
+            <a:r>
+              <a:rPr lang="en-US"/>
+              <a:t>Edit Master text styles</a:t>
+            </a:r>
+          </a:p>
+          <a:p>
+            <a:pPr lvl="1"/>
+            <a:r>
+              <a:rPr lang="en-US"/>
+              <a:t>Second level</a:t>
+            </a:r>
+          </a:p>
+          <a:p>
+            <a:pPr lvl="2"/>
+            <a:r>
+              <a:rPr lang="en-US"/>
+              <a:t>Third level</a:t>
+            </a:r>
+          </a:p>
+          <a:p>
+            <a:pPr lvl="3"/>
+            <a:r>
+              <a:rPr lang="en-US"/>
+              <a:t>Fourth level</a:t>
+            </a:r>
+          </a:p>
+          <a:p>
+            <a:pPr lvl="4"/>
+            <a:r>
+              <a:rPr lang="en-US"/>
+              <a:t>Fifth level</a:t>
+            </a:r>
+          </a:p>
+        </p:txBody>
+      </p:sp>
+      <p:sp>
+        <p:nvSpPr>
+          <p:cNvPr id="4" name="Date Placeholder 3">
+            <a:extLst>
+              <a:ext uri="{FF2B5EF4-FFF2-40B4-BE49-F238E27FC236}">
+                <a16:creationId xmlns:a16="http://schemas.microsoft.com/office/drawing/2014/main" id="{BBD25B8C-7764-4B3E-94F2-F6C66C867A8F}"/>
+              </a:ext>
+            </a:extLst>
+          </p:cNvPr>
+          <p:cNvSpPr>
+            <a:spLocks noGrp="1"/>
+          </p:cNvSpPr>
+          <p:nvPr>
+            <p:ph type="dt" sz="half" idx="10"/>
+          </p:nvPr>
+        </p:nvSpPr>
+        <p:spPr/>
+        <p:txBody>
+          <a:bodyPr/>
+          <a:lstStyle/>
+          <a:p>
+            <a:fld id="{18432387-EF95-43A0-B65E-2234BF7DB77A}" type="datetimeFigureOut">
+              <a:rPr lang="en-US" smtClean="0"/>
+              <a:t>6/8/2019</a:t>
+            </a:fld>
+            <a:endParaRPr lang="en-US"/>
+          </a:p>
+        </p:txBody>
+      </p:sp>
+      <p:sp>
+        <p:nvSpPr>
+          <p:cNvPr id="5" name="Footer Placeholder 4">
+            <a:extLst>
+              <a:ext uri="{FF2B5EF4-FFF2-40B4-BE49-F238E27FC236}">
+                <a16:creationId xmlns:a16="http://schemas.microsoft.com/office/drawing/2014/main" id="{22526F5A-FAAB-4DEA-B9A8-A7F8B9602C27}"/>
+              </a:ext>
+            </a:extLst>
+          </p:cNvPr>
+          <p:cNvSpPr>
+            <a:spLocks noGrp="1"/>
+          </p:cNvSpPr>
+          <p:nvPr>
+            <p:ph type="ftr" sz="quarter" idx="11"/>
+          </p:nvPr>
+        </p:nvSpPr>
+        <p:spPr/>
+        <p:txBody>
+          <a:bodyPr/>
+          <a:lstStyle/>
+          <a:p>
+            <a:endParaRPr lang="en-US"/>
+          </a:p>
+        </p:txBody>
+      </p:sp>
+      <p:sp>
+        <p:nvSpPr>
+          <p:cNvPr id="6" name="Slide Number Placeholder 5">
+            <a:extLst>
+              <a:ext uri="{FF2B5EF4-FFF2-40B4-BE49-F238E27FC236}">
+                <a16:creationId xmlns:a16="http://schemas.microsoft.com/office/drawing/2014/main" id="{7F888871-B0F1-4A60-AC23-9D5032A469F6}"/>
+              </a:ext>
+            </a:extLst>
+          </p:cNvPr>
+          <p:cNvSpPr>
+            <a:spLocks noGrp="1"/>
+          </p:cNvSpPr>
+          <p:nvPr>
+            <p:ph type="sldNum" sz="quarter" idx="12"/>
+          </p:nvPr>
+        </p:nvSpPr>
+        <p:spPr/>
+        <p:txBody>
+          <a:bodyPr/>
+          <a:lstStyle/>
+          <a:p>
+            <a:fld id="{0C211003-7FC4-4E34-8846-0E67745CC278}" type="slidenum">
+              <a:rPr lang="en-US" smtClean="0"/>
+              <a:t>‹#›</a:t>
+            </a:fld>
+            <a:endParaRPr lang="en-US"/>
+          </a:p>
+        </p:txBody>
+      </p:sp>
+    </p:spTree>
+    <p:extLst>
+      <p:ext uri="{BB962C8B-B14F-4D97-AF65-F5344CB8AC3E}">
+        <p14:creationId xmlns:p14="http://schemas.microsoft.com/office/powerpoint/2010/main" val="2807925818"/>
+      </p:ext>
+    </p:extLst>
+  </p:cSld>
+  <p:clrMapOvr>
+    <a:masterClrMapping/>
+  </p:clrMapOvr>
+</p:sldLayout>
+</file>
+
+<file path=ppt/slideLayouts/slideLayout23.xml><?xml version="1.0" encoding="utf-8"?>
+<p:sldLayout xmlns:a="http://schemas.openxmlformats.org/drawingml/2006/main" xmlns:r="http://schemas.openxmlformats.org/officeDocument/2006/relationships" xmlns:p="http://schemas.openxmlformats.org/presentationml/2006/main" showMasterSp="0" type="tx">
+  <p:cSld name="Photo - Horizontal Alt">
+    <p:spTree>
+      <p:nvGrpSpPr>
+        <p:cNvPr id="1" name=""/>
+        <p:cNvGrpSpPr/>
+        <p:nvPr/>
+      </p:nvGrpSpPr>
+      <p:grpSpPr>
+        <a:xfrm>
+          <a:off x="0" y="0"/>
+          <a:ext cx="0" cy="0"/>
+          <a:chOff x="0" y="0"/>
+          <a:chExt cx="0" cy="0"/>
+        </a:xfrm>
+      </p:grpSpPr>
+      <p:sp>
+        <p:nvSpPr>
+          <p:cNvPr id="30" name="Shape 30"/>
+          <p:cNvSpPr>
+            <a:spLocks noGrp="1"/>
+          </p:cNvSpPr>
+          <p:nvPr>
+            <p:ph type="pic" idx="13"/>
+          </p:nvPr>
+        </p:nvSpPr>
+        <p:spPr>
+          <a:xfrm>
+            <a:off x="0" y="1910953"/>
+            <a:ext cx="12192000" cy="4947047"/>
+          </a:xfrm>
+          <a:prstGeom prst="rect">
+            <a:avLst/>
+          </a:prstGeom>
+        </p:spPr>
+        <p:txBody>
+          <a:bodyPr lIns="91439" tIns="45719" rIns="91439" bIns="45719" anchor="t">
+            <a:noAutofit/>
+          </a:bodyPr>
+          <a:lstStyle/>
+          <a:p>
+            <a:endParaRPr/>
+          </a:p>
+        </p:txBody>
+      </p:sp>
+      <p:sp>
+        <p:nvSpPr>
+          <p:cNvPr id="31" name="Shape 31"/>
+          <p:cNvSpPr>
+            <a:spLocks noGrp="1"/>
+          </p:cNvSpPr>
+          <p:nvPr>
+            <p:ph type="title"/>
+          </p:nvPr>
+        </p:nvSpPr>
+        <p:spPr>
+          <a:xfrm>
+            <a:off x="619125" y="705445"/>
+            <a:ext cx="10953750" cy="1026914"/>
+          </a:xfrm>
+          <a:prstGeom prst="rect">
+            <a:avLst/>
+          </a:prstGeom>
+        </p:spPr>
+        <p:txBody>
+          <a:bodyPr/>
+          <a:lstStyle>
+            <a:lvl1pPr>
+              <a:defRPr sz="4359" spc="697"/>
+            </a:lvl1pPr>
+          </a:lstStyle>
+          <a:p>
+            <a:r>
+              <a:t>Title Text</a:t>
+            </a:r>
+          </a:p>
+        </p:txBody>
+      </p:sp>
+      <p:sp>
+        <p:nvSpPr>
+          <p:cNvPr id="32" name="Shape 32"/>
+          <p:cNvSpPr>
+            <a:spLocks noGrp="1"/>
+          </p:cNvSpPr>
+          <p:nvPr>
+            <p:ph type="body" sz="quarter" idx="1"/>
+          </p:nvPr>
+        </p:nvSpPr>
+        <p:spPr>
+          <a:xfrm>
+            <a:off x="619125" y="357187"/>
+            <a:ext cx="10953750" cy="357188"/>
+          </a:xfrm>
+          <a:prstGeom prst="rect">
+            <a:avLst/>
+          </a:prstGeom>
+        </p:spPr>
+        <p:txBody>
+          <a:bodyPr/>
+          <a:lstStyle>
+            <a:lvl1pPr marL="0" indent="0">
+              <a:spcBef>
+                <a:spcPts val="0"/>
+              </a:spcBef>
+              <a:buClrTx/>
+              <a:buSzTx/>
+              <a:buNone/>
+              <a:defRPr sz="1687" cap="all" spc="270">
+                <a:latin typeface="Avenir Book"/>
+                <a:ea typeface="Avenir Book"/>
+                <a:cs typeface="Avenir Book"/>
+                <a:sym typeface="Avenir Book"/>
+              </a:defRPr>
+            </a:lvl1pPr>
+            <a:lvl2pPr marL="0" indent="160729">
+              <a:spcBef>
+                <a:spcPts val="0"/>
+              </a:spcBef>
+              <a:buClrTx/>
+              <a:buSzTx/>
+              <a:buNone/>
+              <a:defRPr sz="1687" cap="all" spc="270">
+                <a:latin typeface="Avenir Book"/>
+                <a:ea typeface="Avenir Book"/>
+                <a:cs typeface="Avenir Book"/>
+                <a:sym typeface="Avenir Book"/>
+              </a:defRPr>
+            </a:lvl2pPr>
+            <a:lvl3pPr marL="0" indent="321457">
+              <a:spcBef>
+                <a:spcPts val="0"/>
+              </a:spcBef>
+              <a:buClrTx/>
+              <a:buSzTx/>
+              <a:buNone/>
+              <a:defRPr sz="1687" cap="all" spc="270">
+                <a:latin typeface="Avenir Book"/>
+                <a:ea typeface="Avenir Book"/>
+                <a:cs typeface="Avenir Book"/>
+                <a:sym typeface="Avenir Book"/>
+              </a:defRPr>
+            </a:lvl3pPr>
+            <a:lvl4pPr marL="0" indent="482186">
+              <a:spcBef>
+                <a:spcPts val="0"/>
+              </a:spcBef>
+              <a:buClrTx/>
+              <a:buSzTx/>
+              <a:buNone/>
+              <a:defRPr sz="1687" cap="all" spc="270">
+                <a:latin typeface="Avenir Book"/>
+                <a:ea typeface="Avenir Book"/>
+                <a:cs typeface="Avenir Book"/>
+                <a:sym typeface="Avenir Book"/>
+              </a:defRPr>
+            </a:lvl4pPr>
+            <a:lvl5pPr marL="0" indent="642915">
+              <a:spcBef>
+                <a:spcPts val="0"/>
+              </a:spcBef>
+              <a:buClrTx/>
+              <a:buSzTx/>
+              <a:buNone/>
+              <a:defRPr sz="1687" cap="all" spc="270">
+                <a:latin typeface="Avenir Book"/>
+                <a:ea typeface="Avenir Book"/>
+                <a:cs typeface="Avenir Book"/>
+                <a:sym typeface="Avenir Book"/>
+              </a:defRPr>
+            </a:lvl5pPr>
+          </a:lstStyle>
+          <a:p>
+            <a:r>
+              <a:t>Body Level One</a:t>
+            </a:r>
+          </a:p>
+          <a:p>
+            <a:pPr lvl="1"/>
+            <a:r>
+              <a:t>Body Level Two</a:t>
+            </a:r>
+          </a:p>
+          <a:p>
+            <a:pPr lvl="2"/>
+            <a:r>
+              <a:t>Body Level Three</a:t>
+            </a:r>
+          </a:p>
+          <a:p>
+            <a:pPr lvl="3"/>
+            <a:r>
+              <a:t>Body Level Four</a:t>
+            </a:r>
+          </a:p>
+          <a:p>
+            <a:pPr lvl="4"/>
+            <a:r>
+              <a:t>Body Level Five</a:t>
+            </a:r>
+          </a:p>
+        </p:txBody>
+      </p:sp>
+      <p:sp>
+        <p:nvSpPr>
+          <p:cNvPr id="33" name="Shape 33"/>
+          <p:cNvSpPr>
+            <a:spLocks noGrp="1"/>
+          </p:cNvSpPr>
+          <p:nvPr>
+            <p:ph type="sldNum" sz="quarter" idx="2"/>
+          </p:nvPr>
+        </p:nvSpPr>
+        <p:spPr>
+          <a:prstGeom prst="rect">
+            <a:avLst/>
+          </a:prstGeom>
+        </p:spPr>
+        <p:txBody>
+          <a:bodyPr/>
+          <a:lstStyle/>
+          <a:p>
+            <a:fld id="{86CB4B4D-7CA3-9044-876B-883B54F8677D}" type="slidenum">
+              <a:t>‹#›</a:t>
+            </a:fld>
+            <a:endParaRPr/>
+          </a:p>
+        </p:txBody>
+      </p:sp>
+    </p:spTree>
+    <p:extLst>
+      <p:ext uri="{BB962C8B-B14F-4D97-AF65-F5344CB8AC3E}">
+        <p14:creationId xmlns:p14="http://schemas.microsoft.com/office/powerpoint/2010/main" val="1501626276"/>
+      </p:ext>
+    </p:extLst>
+  </p:cSld>
+  <p:clrMapOvr>
+    <a:masterClrMapping/>
+  </p:clrMapOvr>
+  <p:transition spd="med"/>
+</p:sldLayout>
+</file>
+
+<file path=ppt/slideLayouts/slideLayout24.xml><?xml version="1.0" encoding="utf-8"?>
+<p:sldLayout xmlns:a="http://schemas.openxmlformats.org/drawingml/2006/main" xmlns:r="http://schemas.openxmlformats.org/officeDocument/2006/relationships" xmlns:p="http://schemas.openxmlformats.org/presentationml/2006/main" showMasterSp="0" type="tx">
+  <p:cSld name="Default">
+    <p:spTree>
+      <p:nvGrpSpPr>
+        <p:cNvPr id="1" name=""/>
+        <p:cNvGrpSpPr/>
+        <p:nvPr/>
+      </p:nvGrpSpPr>
+      <p:grpSpPr>
+        <a:xfrm>
+          <a:off x="0" y="0"/>
+          <a:ext cx="0" cy="0"/>
+          <a:chOff x="0" y="0"/>
+          <a:chExt cx="0" cy="0"/>
+        </a:xfrm>
+      </p:grpSpPr>
+      <p:sp>
+        <p:nvSpPr>
+          <p:cNvPr id="145" name="Shape 145"/>
+          <p:cNvSpPr>
+            <a:spLocks noGrp="1"/>
+          </p:cNvSpPr>
+          <p:nvPr>
+            <p:ph type="sldNum" sz="quarter" idx="2"/>
+          </p:nvPr>
+        </p:nvSpPr>
+        <p:spPr>
+          <a:xfrm>
+            <a:off x="11210193" y="6447770"/>
+            <a:ext cx="372207" cy="273706"/>
+          </a:xfrm>
+          <a:prstGeom prst="rect">
+            <a:avLst/>
+          </a:prstGeom>
+        </p:spPr>
+        <p:txBody>
+          <a:bodyPr lIns="65023" tIns="65023" rIns="65023" bIns="65023" anchor="b"/>
+          <a:lstStyle>
+            <a:lvl1pPr algn="r" defTabSz="914367">
+              <a:defRPr>
+                <a:effectLst>
+                  <a:outerShdw blurRad="12700" dist="25400" dir="2700000" rotWithShape="0">
+                    <a:srgbClr val="000000"/>
+                  </a:outerShdw>
+                </a:effectLst>
+                <a:latin typeface="Arial"/>
+                <a:ea typeface="Arial"/>
+                <a:cs typeface="Arial"/>
+                <a:sym typeface="Arial"/>
+              </a:defRPr>
+            </a:lvl1pPr>
+          </a:lstStyle>
+          <a:p>
+            <a:fld id="{86CB4B4D-7CA3-9044-876B-883B54F8677D}" type="slidenum">
+              <a:t>‹#›</a:t>
+            </a:fld>
+            <a:endParaRPr/>
+          </a:p>
+        </p:txBody>
+      </p:sp>
+    </p:spTree>
+    <p:extLst>
+      <p:ext uri="{BB962C8B-B14F-4D97-AF65-F5344CB8AC3E}">
+        <p14:creationId xmlns:p14="http://schemas.microsoft.com/office/powerpoint/2010/main" val="3429573584"/>
+      </p:ext>
+    </p:extLst>
+  </p:cSld>
+  <p:clrMapOvr>
+    <a:masterClrMapping/>
+  </p:clrMapOvr>
+  <p:transition spd="med"/>
+</p:sldLayout>
+</file>
+
+<file path=ppt/slideLayouts/slideLayout25.xml><?xml version="1.0" encoding="utf-8"?>
+<p:sldLayout xmlns:a="http://schemas.openxmlformats.org/drawingml/2006/main" xmlns:r="http://schemas.openxmlformats.org/officeDocument/2006/relationships" xmlns:p="http://schemas.openxmlformats.org/presentationml/2006/main" showMasterSp="0" type="tx">
+  <p:cSld name="Quote">
+    <p:spTree>
+      <p:nvGrpSpPr>
+        <p:cNvPr id="1" name=""/>
+        <p:cNvGrpSpPr/>
+        <p:nvPr/>
+      </p:nvGrpSpPr>
+      <p:grpSpPr>
+        <a:xfrm>
+          <a:off x="0" y="0"/>
+          <a:ext cx="0" cy="0"/>
+          <a:chOff x="0" y="0"/>
+          <a:chExt cx="0" cy="0"/>
+        </a:xfrm>
+      </p:grpSpPr>
+      <p:sp>
+        <p:nvSpPr>
+          <p:cNvPr id="103" name="Shape 103"/>
+          <p:cNvSpPr>
+            <a:spLocks noGrp="1"/>
+          </p:cNvSpPr>
+          <p:nvPr>
+            <p:ph type="body" sz="quarter" idx="13"/>
+          </p:nvPr>
+        </p:nvSpPr>
+        <p:spPr>
+          <a:xfrm>
+            <a:off x="1190625" y="4473774"/>
+            <a:ext cx="9810750" cy="325987"/>
+          </a:xfrm>
+          <a:prstGeom prst="rect">
+            <a:avLst/>
+          </a:prstGeom>
+        </p:spPr>
+        <p:txBody>
+          <a:bodyPr>
+            <a:spAutoFit/>
+          </a:bodyPr>
+          <a:lstStyle>
+            <a:lvl1pPr marL="0" indent="0" algn="ctr">
+              <a:spcBef>
+                <a:spcPts val="0"/>
+              </a:spcBef>
+              <a:buClrTx/>
+              <a:buSzTx/>
+              <a:buNone/>
+              <a:defRPr sz="1687" cap="all" spc="270">
+                <a:solidFill>
+                  <a:schemeClr val="accent2">
+                    <a:satOff val="44164"/>
+                    <a:lumOff val="14231"/>
+                  </a:schemeClr>
+                </a:solidFill>
+              </a:defRPr>
+            </a:lvl1pPr>
+          </a:lstStyle>
+          <a:p>
+            <a:r>
+              <a:t>–Johnny Appleseed</a:t>
+            </a:r>
+          </a:p>
+        </p:txBody>
+      </p:sp>
+      <p:sp>
+        <p:nvSpPr>
+          <p:cNvPr id="104" name="Shape 104"/>
+          <p:cNvSpPr>
+            <a:spLocks noGrp="1"/>
+          </p:cNvSpPr>
+          <p:nvPr>
+            <p:ph type="body" sz="quarter" idx="14"/>
+          </p:nvPr>
+        </p:nvSpPr>
+        <p:spPr>
+          <a:xfrm>
+            <a:off x="1190625" y="2986981"/>
+            <a:ext cx="9810750" cy="480131"/>
+          </a:xfrm>
+          <a:prstGeom prst="rect">
+            <a:avLst/>
+          </a:prstGeom>
+        </p:spPr>
+        <p:txBody>
+          <a:bodyPr>
+            <a:spAutoFit/>
+          </a:bodyPr>
+          <a:lstStyle>
+            <a:lvl1pPr marL="0" indent="0" algn="ctr">
+              <a:spcBef>
+                <a:spcPts val="0"/>
+              </a:spcBef>
+              <a:buClrTx/>
+              <a:buSzTx/>
+              <a:buNone/>
+            </a:lvl1pPr>
+          </a:lstStyle>
+          <a:p>
+            <a:r>
+              <a:t>“Type a quote here.” </a:t>
+            </a:r>
+          </a:p>
+        </p:txBody>
+      </p:sp>
+      <p:sp>
+        <p:nvSpPr>
+          <p:cNvPr id="105" name="Shape 105"/>
+          <p:cNvSpPr>
+            <a:spLocks noGrp="1"/>
+          </p:cNvSpPr>
+          <p:nvPr>
+            <p:ph type="sldNum" sz="quarter" idx="2"/>
+          </p:nvPr>
+        </p:nvSpPr>
+        <p:spPr>
+          <a:prstGeom prst="rect">
+            <a:avLst/>
+          </a:prstGeom>
+        </p:spPr>
+        <p:txBody>
+          <a:bodyPr/>
+          <a:lstStyle/>
+          <a:p>
+            <a:fld id="{86CB4B4D-7CA3-9044-876B-883B54F8677D}" type="slidenum">
+              <a:t>‹#›</a:t>
+            </a:fld>
+            <a:endParaRPr/>
+          </a:p>
+        </p:txBody>
+      </p:sp>
+    </p:spTree>
+    <p:extLst>
+      <p:ext uri="{BB962C8B-B14F-4D97-AF65-F5344CB8AC3E}">
+        <p14:creationId xmlns:p14="http://schemas.microsoft.com/office/powerpoint/2010/main" val="4271480240"/>
+      </p:ext>
+    </p:extLst>
+  </p:cSld>
+  <p:clrMapOvr>
+    <a:masterClrMapping/>
+  </p:clrMapOvr>
+  <p:transition spd="med"/>
 </p:sldLayout>
 </file>
 
@@ -1089,7 +4109,7 @@
           <a:p>
             <a:fld id="{5256441D-FA9E-43D4-8BA7-A70091F914B6}" type="datetimeFigureOut">
               <a:rPr lang="en-US" smtClean="0"/>
-              <a:t>8/26/2018</a:t>
+              <a:t>6/8/2019</a:t>
             </a:fld>
             <a:endParaRPr lang="en-US"/>
           </a:p>
@@ -1321,7 +4341,7 @@
           <a:p>
             <a:fld id="{5256441D-FA9E-43D4-8BA7-A70091F914B6}" type="datetimeFigureOut">
               <a:rPr lang="en-US" smtClean="0"/>
-              <a:t>8/26/2018</a:t>
+              <a:t>6/8/2019</a:t>
             </a:fld>
             <a:endParaRPr lang="en-US"/>
           </a:p>
@@ -1688,7 +4708,7 @@
           <a:p>
             <a:fld id="{5256441D-FA9E-43D4-8BA7-A70091F914B6}" type="datetimeFigureOut">
               <a:rPr lang="en-US" smtClean="0"/>
-              <a:t>8/26/2018</a:t>
+              <a:t>6/8/2019</a:t>
             </a:fld>
             <a:endParaRPr lang="en-US"/>
           </a:p>
@@ -1806,7 +4826,7 @@
           <a:p>
             <a:fld id="{5256441D-FA9E-43D4-8BA7-A70091F914B6}" type="datetimeFigureOut">
               <a:rPr lang="en-US" smtClean="0"/>
-              <a:t>8/26/2018</a:t>
+              <a:t>6/8/2019</a:t>
             </a:fld>
             <a:endParaRPr lang="en-US"/>
           </a:p>
@@ -1901,7 +4921,7 @@
           <a:p>
             <a:fld id="{5256441D-FA9E-43D4-8BA7-A70091F914B6}" type="datetimeFigureOut">
               <a:rPr lang="en-US" smtClean="0"/>
-              <a:t>8/26/2018</a:t>
+              <a:t>6/8/2019</a:t>
             </a:fld>
             <a:endParaRPr lang="en-US"/>
           </a:p>
@@ -2178,7 +5198,7 @@
           <a:p>
             <a:fld id="{5256441D-FA9E-43D4-8BA7-A70091F914B6}" type="datetimeFigureOut">
               <a:rPr lang="en-US" smtClean="0"/>
-              <a:t>8/26/2018</a:t>
+              <a:t>6/8/2019</a:t>
             </a:fld>
             <a:endParaRPr lang="en-US"/>
           </a:p>
@@ -2435,7 +5455,7 @@
           <a:p>
             <a:fld id="{5256441D-FA9E-43D4-8BA7-A70091F914B6}" type="datetimeFigureOut">
               <a:rPr lang="en-US" smtClean="0"/>
-              <a:t>8/26/2018</a:t>
+              <a:t>6/8/2019</a:t>
             </a:fld>
             <a:endParaRPr lang="en-US"/>
           </a:p>
@@ -2648,7 +5668,7 @@
           <a:p>
             <a:fld id="{5256441D-FA9E-43D4-8BA7-A70091F914B6}" type="datetimeFigureOut">
               <a:rPr lang="en-US" smtClean="0"/>
-              <a:t>8/26/2018</a:t>
+              <a:t>6/8/2019</a:t>
             </a:fld>
             <a:endParaRPr lang="en-US"/>
           </a:p>
@@ -2752,7 +5772,577 @@
     <p:sldLayoutId id="2147483696" r:id="rId9"/>
     <p:sldLayoutId id="2147483697" r:id="rId10"/>
     <p:sldLayoutId id="2147483698" r:id="rId11"/>
-    <p:sldLayoutId id="2147483699" r:id="rId12"/>
+  </p:sldLayoutIdLst>
+  <p:txStyles>
+    <p:titleStyle>
+      <a:lvl1pPr algn="l" defTabSz="914400" rtl="0" eaLnBrk="1" latinLnBrk="0" hangingPunct="1">
+        <a:lnSpc>
+          <a:spcPct val="90000"/>
+        </a:lnSpc>
+        <a:spcBef>
+          <a:spcPct val="0"/>
+        </a:spcBef>
+        <a:buNone/>
+        <a:defRPr sz="4400" kern="1200">
+          <a:solidFill>
+            <a:schemeClr val="tx1"/>
+          </a:solidFill>
+          <a:latin typeface="+mj-lt"/>
+          <a:ea typeface="+mj-ea"/>
+          <a:cs typeface="+mj-cs"/>
+        </a:defRPr>
+      </a:lvl1pPr>
+    </p:titleStyle>
+    <p:bodyStyle>
+      <a:lvl1pPr marL="228600" indent="-228600" algn="l" defTabSz="914400" rtl="0" eaLnBrk="1" latinLnBrk="0" hangingPunct="1">
+        <a:lnSpc>
+          <a:spcPct val="90000"/>
+        </a:lnSpc>
+        <a:spcBef>
+          <a:spcPts val="1000"/>
+        </a:spcBef>
+        <a:buFont typeface="Arial" panose="020B0604020202020204" pitchFamily="34" charset="0"/>
+        <a:buChar char="•"/>
+        <a:defRPr sz="2800" kern="1200">
+          <a:solidFill>
+            <a:schemeClr val="tx1"/>
+          </a:solidFill>
+          <a:latin typeface="+mn-lt"/>
+          <a:ea typeface="+mn-ea"/>
+          <a:cs typeface="+mn-cs"/>
+        </a:defRPr>
+      </a:lvl1pPr>
+      <a:lvl2pPr marL="685800" indent="-228600" algn="l" defTabSz="914400" rtl="0" eaLnBrk="1" latinLnBrk="0" hangingPunct="1">
+        <a:lnSpc>
+          <a:spcPct val="90000"/>
+        </a:lnSpc>
+        <a:spcBef>
+          <a:spcPts val="500"/>
+        </a:spcBef>
+        <a:buFont typeface="Arial" panose="020B0604020202020204" pitchFamily="34" charset="0"/>
+        <a:buChar char="•"/>
+        <a:defRPr sz="2400" kern="1200">
+          <a:solidFill>
+            <a:schemeClr val="tx1"/>
+          </a:solidFill>
+          <a:latin typeface="+mn-lt"/>
+          <a:ea typeface="+mn-ea"/>
+          <a:cs typeface="+mn-cs"/>
+        </a:defRPr>
+      </a:lvl2pPr>
+      <a:lvl3pPr marL="1143000" indent="-228600" algn="l" defTabSz="914400" rtl="0" eaLnBrk="1" latinLnBrk="0" hangingPunct="1">
+        <a:lnSpc>
+          <a:spcPct val="90000"/>
+        </a:lnSpc>
+        <a:spcBef>
+          <a:spcPts val="500"/>
+        </a:spcBef>
+        <a:buFont typeface="Arial" panose="020B0604020202020204" pitchFamily="34" charset="0"/>
+        <a:buChar char="•"/>
+        <a:defRPr sz="2000" kern="1200">
+          <a:solidFill>
+            <a:schemeClr val="tx1"/>
+          </a:solidFill>
+          <a:latin typeface="+mn-lt"/>
+          <a:ea typeface="+mn-ea"/>
+          <a:cs typeface="+mn-cs"/>
+        </a:defRPr>
+      </a:lvl3pPr>
+      <a:lvl4pPr marL="1600200" indent="-228600" algn="l" defTabSz="914400" rtl="0" eaLnBrk="1" latinLnBrk="0" hangingPunct="1">
+        <a:lnSpc>
+          <a:spcPct val="90000"/>
+        </a:lnSpc>
+        <a:spcBef>
+          <a:spcPts val="500"/>
+        </a:spcBef>
+        <a:buFont typeface="Arial" panose="020B0604020202020204" pitchFamily="34" charset="0"/>
+        <a:buChar char="•"/>
+        <a:defRPr sz="1800" kern="1200">
+          <a:solidFill>
+            <a:schemeClr val="tx1"/>
+          </a:solidFill>
+          <a:latin typeface="+mn-lt"/>
+          <a:ea typeface="+mn-ea"/>
+          <a:cs typeface="+mn-cs"/>
+        </a:defRPr>
+      </a:lvl4pPr>
+      <a:lvl5pPr marL="2057400" indent="-228600" algn="l" defTabSz="914400" rtl="0" eaLnBrk="1" latinLnBrk="0" hangingPunct="1">
+        <a:lnSpc>
+          <a:spcPct val="90000"/>
+        </a:lnSpc>
+        <a:spcBef>
+          <a:spcPts val="500"/>
+        </a:spcBef>
+        <a:buFont typeface="Arial" panose="020B0604020202020204" pitchFamily="34" charset="0"/>
+        <a:buChar char="•"/>
+        <a:defRPr sz="1800" kern="1200">
+          <a:solidFill>
+            <a:schemeClr val="tx1"/>
+          </a:solidFill>
+          <a:latin typeface="+mn-lt"/>
+          <a:ea typeface="+mn-ea"/>
+          <a:cs typeface="+mn-cs"/>
+        </a:defRPr>
+      </a:lvl5pPr>
+      <a:lvl6pPr marL="2514600" indent="-228600" algn="l" defTabSz="914400" rtl="0" eaLnBrk="1" latinLnBrk="0" hangingPunct="1">
+        <a:lnSpc>
+          <a:spcPct val="90000"/>
+        </a:lnSpc>
+        <a:spcBef>
+          <a:spcPts val="500"/>
+        </a:spcBef>
+        <a:buFont typeface="Arial" panose="020B0604020202020204" pitchFamily="34" charset="0"/>
+        <a:buChar char="•"/>
+        <a:defRPr sz="1800" kern="1200">
+          <a:solidFill>
+            <a:schemeClr val="tx1"/>
+          </a:solidFill>
+          <a:latin typeface="+mn-lt"/>
+          <a:ea typeface="+mn-ea"/>
+          <a:cs typeface="+mn-cs"/>
+        </a:defRPr>
+      </a:lvl6pPr>
+      <a:lvl7pPr marL="2971800" indent="-228600" algn="l" defTabSz="914400" rtl="0" eaLnBrk="1" latinLnBrk="0" hangingPunct="1">
+        <a:lnSpc>
+          <a:spcPct val="90000"/>
+        </a:lnSpc>
+        <a:spcBef>
+          <a:spcPts val="500"/>
+        </a:spcBef>
+        <a:buFont typeface="Arial" panose="020B0604020202020204" pitchFamily="34" charset="0"/>
+        <a:buChar char="•"/>
+        <a:defRPr sz="1800" kern="1200">
+          <a:solidFill>
+            <a:schemeClr val="tx1"/>
+          </a:solidFill>
+          <a:latin typeface="+mn-lt"/>
+          <a:ea typeface="+mn-ea"/>
+          <a:cs typeface="+mn-cs"/>
+        </a:defRPr>
+      </a:lvl7pPr>
+      <a:lvl8pPr marL="3429000" indent="-228600" algn="l" defTabSz="914400" rtl="0" eaLnBrk="1" latinLnBrk="0" hangingPunct="1">
+        <a:lnSpc>
+          <a:spcPct val="90000"/>
+        </a:lnSpc>
+        <a:spcBef>
+          <a:spcPts val="500"/>
+        </a:spcBef>
+        <a:buFont typeface="Arial" panose="020B0604020202020204" pitchFamily="34" charset="0"/>
+        <a:buChar char="•"/>
+        <a:defRPr sz="1800" kern="1200">
+          <a:solidFill>
+            <a:schemeClr val="tx1"/>
+          </a:solidFill>
+          <a:latin typeface="+mn-lt"/>
+          <a:ea typeface="+mn-ea"/>
+          <a:cs typeface="+mn-cs"/>
+        </a:defRPr>
+      </a:lvl8pPr>
+      <a:lvl9pPr marL="3886200" indent="-228600" algn="l" defTabSz="914400" rtl="0" eaLnBrk="1" latinLnBrk="0" hangingPunct="1">
+        <a:lnSpc>
+          <a:spcPct val="90000"/>
+        </a:lnSpc>
+        <a:spcBef>
+          <a:spcPts val="500"/>
+        </a:spcBef>
+        <a:buFont typeface="Arial" panose="020B0604020202020204" pitchFamily="34" charset="0"/>
+        <a:buChar char="•"/>
+        <a:defRPr sz="1800" kern="1200">
+          <a:solidFill>
+            <a:schemeClr val="tx1"/>
+          </a:solidFill>
+          <a:latin typeface="+mn-lt"/>
+          <a:ea typeface="+mn-ea"/>
+          <a:cs typeface="+mn-cs"/>
+        </a:defRPr>
+      </a:lvl9pPr>
+    </p:bodyStyle>
+    <p:otherStyle>
+      <a:defPPr>
+        <a:defRPr lang="en-US"/>
+      </a:defPPr>
+      <a:lvl1pPr marL="0" algn="l" defTabSz="914400" rtl="0" eaLnBrk="1" latinLnBrk="0" hangingPunct="1">
+        <a:defRPr sz="1800" kern="1200">
+          <a:solidFill>
+            <a:schemeClr val="tx1"/>
+          </a:solidFill>
+          <a:latin typeface="+mn-lt"/>
+          <a:ea typeface="+mn-ea"/>
+          <a:cs typeface="+mn-cs"/>
+        </a:defRPr>
+      </a:lvl1pPr>
+      <a:lvl2pPr marL="457200" algn="l" defTabSz="914400" rtl="0" eaLnBrk="1" latinLnBrk="0" hangingPunct="1">
+        <a:defRPr sz="1800" kern="1200">
+          <a:solidFill>
+            <a:schemeClr val="tx1"/>
+          </a:solidFill>
+          <a:latin typeface="+mn-lt"/>
+          <a:ea typeface="+mn-ea"/>
+          <a:cs typeface="+mn-cs"/>
+        </a:defRPr>
+      </a:lvl2pPr>
+      <a:lvl3pPr marL="914400" algn="l" defTabSz="914400" rtl="0" eaLnBrk="1" latinLnBrk="0" hangingPunct="1">
+        <a:defRPr sz="1800" kern="1200">
+          <a:solidFill>
+            <a:schemeClr val="tx1"/>
+          </a:solidFill>
+          <a:latin typeface="+mn-lt"/>
+          <a:ea typeface="+mn-ea"/>
+          <a:cs typeface="+mn-cs"/>
+        </a:defRPr>
+      </a:lvl3pPr>
+      <a:lvl4pPr marL="1371600" algn="l" defTabSz="914400" rtl="0" eaLnBrk="1" latinLnBrk="0" hangingPunct="1">
+        <a:defRPr sz="1800" kern="1200">
+          <a:solidFill>
+            <a:schemeClr val="tx1"/>
+          </a:solidFill>
+          <a:latin typeface="+mn-lt"/>
+          <a:ea typeface="+mn-ea"/>
+          <a:cs typeface="+mn-cs"/>
+        </a:defRPr>
+      </a:lvl4pPr>
+      <a:lvl5pPr marL="1828800" algn="l" defTabSz="914400" rtl="0" eaLnBrk="1" latinLnBrk="0" hangingPunct="1">
+        <a:defRPr sz="1800" kern="1200">
+          <a:solidFill>
+            <a:schemeClr val="tx1"/>
+          </a:solidFill>
+          <a:latin typeface="+mn-lt"/>
+          <a:ea typeface="+mn-ea"/>
+          <a:cs typeface="+mn-cs"/>
+        </a:defRPr>
+      </a:lvl5pPr>
+      <a:lvl6pPr marL="2286000" algn="l" defTabSz="914400" rtl="0" eaLnBrk="1" latinLnBrk="0" hangingPunct="1">
+        <a:defRPr sz="1800" kern="1200">
+          <a:solidFill>
+            <a:schemeClr val="tx1"/>
+          </a:solidFill>
+          <a:latin typeface="+mn-lt"/>
+          <a:ea typeface="+mn-ea"/>
+          <a:cs typeface="+mn-cs"/>
+        </a:defRPr>
+      </a:lvl6pPr>
+      <a:lvl7pPr marL="2743200" algn="l" defTabSz="914400" rtl="0" eaLnBrk="1" latinLnBrk="0" hangingPunct="1">
+        <a:defRPr sz="1800" kern="1200">
+          <a:solidFill>
+            <a:schemeClr val="tx1"/>
+          </a:solidFill>
+          <a:latin typeface="+mn-lt"/>
+          <a:ea typeface="+mn-ea"/>
+          <a:cs typeface="+mn-cs"/>
+        </a:defRPr>
+      </a:lvl7pPr>
+      <a:lvl8pPr marL="3200400" algn="l" defTabSz="914400" rtl="0" eaLnBrk="1" latinLnBrk="0" hangingPunct="1">
+        <a:defRPr sz="1800" kern="1200">
+          <a:solidFill>
+            <a:schemeClr val="tx1"/>
+          </a:solidFill>
+          <a:latin typeface="+mn-lt"/>
+          <a:ea typeface="+mn-ea"/>
+          <a:cs typeface="+mn-cs"/>
+        </a:defRPr>
+      </a:lvl8pPr>
+      <a:lvl9pPr marL="3657600" algn="l" defTabSz="914400" rtl="0" eaLnBrk="1" latinLnBrk="0" hangingPunct="1">
+        <a:defRPr sz="1800" kern="1200">
+          <a:solidFill>
+            <a:schemeClr val="tx1"/>
+          </a:solidFill>
+          <a:latin typeface="+mn-lt"/>
+          <a:ea typeface="+mn-ea"/>
+          <a:cs typeface="+mn-cs"/>
+        </a:defRPr>
+      </a:lvl9pPr>
+    </p:otherStyle>
+  </p:txStyles>
+</p:sldMaster>
+</file>
+
+<file path=ppt/slideMasters/slideMaster2.xml><?xml version="1.0" encoding="utf-8"?>
+<p:sldMaster xmlns:a="http://schemas.openxmlformats.org/drawingml/2006/main" xmlns:r="http://schemas.openxmlformats.org/officeDocument/2006/relationships" xmlns:p="http://schemas.openxmlformats.org/presentationml/2006/main">
+  <p:cSld>
+    <p:bg>
+      <p:bgRef idx="1001">
+        <a:schemeClr val="bg1"/>
+      </p:bgRef>
+    </p:bg>
+    <p:spTree>
+      <p:nvGrpSpPr>
+        <p:cNvPr id="1" name=""/>
+        <p:cNvGrpSpPr/>
+        <p:nvPr/>
+      </p:nvGrpSpPr>
+      <p:grpSpPr>
+        <a:xfrm>
+          <a:off x="0" y="0"/>
+          <a:ext cx="0" cy="0"/>
+          <a:chOff x="0" y="0"/>
+          <a:chExt cx="0" cy="0"/>
+        </a:xfrm>
+      </p:grpSpPr>
+      <p:sp>
+        <p:nvSpPr>
+          <p:cNvPr id="2" name="Title Placeholder 1">
+            <a:extLst>
+              <a:ext uri="{FF2B5EF4-FFF2-40B4-BE49-F238E27FC236}">
+                <a16:creationId xmlns:a16="http://schemas.microsoft.com/office/drawing/2014/main" id="{9BFA4835-0D33-43C7-96B6-F4DD4F7835C2}"/>
+              </a:ext>
+            </a:extLst>
+          </p:cNvPr>
+          <p:cNvSpPr>
+            <a:spLocks noGrp="1"/>
+          </p:cNvSpPr>
+          <p:nvPr>
+            <p:ph type="title"/>
+          </p:nvPr>
+        </p:nvSpPr>
+        <p:spPr>
+          <a:xfrm>
+            <a:off x="838200" y="365125"/>
+            <a:ext cx="10515600" cy="1325563"/>
+          </a:xfrm>
+          <a:prstGeom prst="rect">
+            <a:avLst/>
+          </a:prstGeom>
+        </p:spPr>
+        <p:txBody>
+          <a:bodyPr vert="horz" lIns="91440" tIns="45720" rIns="91440" bIns="45720" rtlCol="0" anchor="ctr">
+            <a:normAutofit/>
+          </a:bodyPr>
+          <a:lstStyle/>
+          <a:p>
+            <a:r>
+              <a:rPr lang="en-US"/>
+              <a:t>Click to edit Master title style</a:t>
+            </a:r>
+          </a:p>
+        </p:txBody>
+      </p:sp>
+      <p:sp>
+        <p:nvSpPr>
+          <p:cNvPr id="3" name="Text Placeholder 2">
+            <a:extLst>
+              <a:ext uri="{FF2B5EF4-FFF2-40B4-BE49-F238E27FC236}">
+                <a16:creationId xmlns:a16="http://schemas.microsoft.com/office/drawing/2014/main" id="{DD3FA9F3-8DD4-4BB5-8CB3-F28109F1B0B9}"/>
+              </a:ext>
+            </a:extLst>
+          </p:cNvPr>
+          <p:cNvSpPr>
+            <a:spLocks noGrp="1"/>
+          </p:cNvSpPr>
+          <p:nvPr>
+            <p:ph type="body" idx="1"/>
+          </p:nvPr>
+        </p:nvSpPr>
+        <p:spPr>
+          <a:xfrm>
+            <a:off x="838200" y="1825625"/>
+            <a:ext cx="10515600" cy="4351338"/>
+          </a:xfrm>
+          <a:prstGeom prst="rect">
+            <a:avLst/>
+          </a:prstGeom>
+        </p:spPr>
+        <p:txBody>
+          <a:bodyPr vert="horz" lIns="91440" tIns="45720" rIns="91440" bIns="45720" rtlCol="0">
+            <a:normAutofit/>
+          </a:bodyPr>
+          <a:lstStyle/>
+          <a:p>
+            <a:pPr lvl="0"/>
+            <a:r>
+              <a:rPr lang="en-US"/>
+              <a:t>Edit Master text styles</a:t>
+            </a:r>
+          </a:p>
+          <a:p>
+            <a:pPr lvl="1"/>
+            <a:r>
+              <a:rPr lang="en-US"/>
+              <a:t>Second level</a:t>
+            </a:r>
+          </a:p>
+          <a:p>
+            <a:pPr lvl="2"/>
+            <a:r>
+              <a:rPr lang="en-US"/>
+              <a:t>Third level</a:t>
+            </a:r>
+          </a:p>
+          <a:p>
+            <a:pPr lvl="3"/>
+            <a:r>
+              <a:rPr lang="en-US"/>
+              <a:t>Fourth level</a:t>
+            </a:r>
+          </a:p>
+          <a:p>
+            <a:pPr lvl="4"/>
+            <a:r>
+              <a:rPr lang="en-US"/>
+              <a:t>Fifth level</a:t>
+            </a:r>
+          </a:p>
+        </p:txBody>
+      </p:sp>
+      <p:sp>
+        <p:nvSpPr>
+          <p:cNvPr id="4" name="Date Placeholder 3">
+            <a:extLst>
+              <a:ext uri="{FF2B5EF4-FFF2-40B4-BE49-F238E27FC236}">
+                <a16:creationId xmlns:a16="http://schemas.microsoft.com/office/drawing/2014/main" id="{9CD11B56-D2A9-4DFE-80C3-ED3EA848EDD2}"/>
+              </a:ext>
+            </a:extLst>
+          </p:cNvPr>
+          <p:cNvSpPr>
+            <a:spLocks noGrp="1"/>
+          </p:cNvSpPr>
+          <p:nvPr>
+            <p:ph type="dt" sz="half" idx="2"/>
+          </p:nvPr>
+        </p:nvSpPr>
+        <p:spPr>
+          <a:xfrm>
+            <a:off x="838200" y="6356350"/>
+            <a:ext cx="2743200" cy="365125"/>
+          </a:xfrm>
+          <a:prstGeom prst="rect">
+            <a:avLst/>
+          </a:prstGeom>
+        </p:spPr>
+        <p:txBody>
+          <a:bodyPr vert="horz" lIns="91440" tIns="45720" rIns="91440" bIns="45720" rtlCol="0" anchor="ctr"/>
+          <a:lstStyle>
+            <a:lvl1pPr algn="l">
+              <a:defRPr sz="1200">
+                <a:solidFill>
+                  <a:schemeClr val="tx1">
+                    <a:tint val="75000"/>
+                  </a:schemeClr>
+                </a:solidFill>
+              </a:defRPr>
+            </a:lvl1pPr>
+          </a:lstStyle>
+          <a:p>
+            <a:fld id="{18432387-EF95-43A0-B65E-2234BF7DB77A}" type="datetimeFigureOut">
+              <a:rPr lang="en-US" smtClean="0"/>
+              <a:t>6/8/2019</a:t>
+            </a:fld>
+            <a:endParaRPr lang="en-US"/>
+          </a:p>
+        </p:txBody>
+      </p:sp>
+      <p:sp>
+        <p:nvSpPr>
+          <p:cNvPr id="5" name="Footer Placeholder 4">
+            <a:extLst>
+              <a:ext uri="{FF2B5EF4-FFF2-40B4-BE49-F238E27FC236}">
+                <a16:creationId xmlns:a16="http://schemas.microsoft.com/office/drawing/2014/main" id="{313C1142-3C77-4AE9-8356-EE04651AAB25}"/>
+              </a:ext>
+            </a:extLst>
+          </p:cNvPr>
+          <p:cNvSpPr>
+            <a:spLocks noGrp="1"/>
+          </p:cNvSpPr>
+          <p:nvPr>
+            <p:ph type="ftr" sz="quarter" idx="3"/>
+          </p:nvPr>
+        </p:nvSpPr>
+        <p:spPr>
+          <a:xfrm>
+            <a:off x="4038600" y="6356350"/>
+            <a:ext cx="4114800" cy="365125"/>
+          </a:xfrm>
+          <a:prstGeom prst="rect">
+            <a:avLst/>
+          </a:prstGeom>
+        </p:spPr>
+        <p:txBody>
+          <a:bodyPr vert="horz" lIns="91440" tIns="45720" rIns="91440" bIns="45720" rtlCol="0" anchor="ctr"/>
+          <a:lstStyle>
+            <a:lvl1pPr algn="ctr">
+              <a:defRPr sz="1200">
+                <a:solidFill>
+                  <a:schemeClr val="tx1">
+                    <a:tint val="75000"/>
+                  </a:schemeClr>
+                </a:solidFill>
+              </a:defRPr>
+            </a:lvl1pPr>
+          </a:lstStyle>
+          <a:p>
+            <a:endParaRPr lang="en-US"/>
+          </a:p>
+        </p:txBody>
+      </p:sp>
+      <p:sp>
+        <p:nvSpPr>
+          <p:cNvPr id="6" name="Slide Number Placeholder 5">
+            <a:extLst>
+              <a:ext uri="{FF2B5EF4-FFF2-40B4-BE49-F238E27FC236}">
+                <a16:creationId xmlns:a16="http://schemas.microsoft.com/office/drawing/2014/main" id="{9C8B744F-B655-4BBF-853A-015A6BD0939B}"/>
+              </a:ext>
+            </a:extLst>
+          </p:cNvPr>
+          <p:cNvSpPr>
+            <a:spLocks noGrp="1"/>
+          </p:cNvSpPr>
+          <p:nvPr>
+            <p:ph type="sldNum" sz="quarter" idx="4"/>
+          </p:nvPr>
+        </p:nvSpPr>
+        <p:spPr>
+          <a:xfrm>
+            <a:off x="8610600" y="6356350"/>
+            <a:ext cx="2743200" cy="365125"/>
+          </a:xfrm>
+          <a:prstGeom prst="rect">
+            <a:avLst/>
+          </a:prstGeom>
+        </p:spPr>
+        <p:txBody>
+          <a:bodyPr vert="horz" lIns="91440" tIns="45720" rIns="91440" bIns="45720" rtlCol="0" anchor="ctr"/>
+          <a:lstStyle>
+            <a:lvl1pPr algn="r">
+              <a:defRPr sz="1200">
+                <a:solidFill>
+                  <a:schemeClr val="tx1">
+                    <a:tint val="75000"/>
+                  </a:schemeClr>
+                </a:solidFill>
+              </a:defRPr>
+            </a:lvl1pPr>
+          </a:lstStyle>
+          <a:p>
+            <a:fld id="{0C211003-7FC4-4E34-8846-0E67745CC278}" type="slidenum">
+              <a:rPr lang="en-US" smtClean="0"/>
+              <a:t>‹#›</a:t>
+            </a:fld>
+            <a:endParaRPr lang="en-US"/>
+          </a:p>
+        </p:txBody>
+      </p:sp>
+    </p:spTree>
+    <p:extLst>
+      <p:ext uri="{BB962C8B-B14F-4D97-AF65-F5344CB8AC3E}">
+        <p14:creationId xmlns:p14="http://schemas.microsoft.com/office/powerpoint/2010/main" val="3832408"/>
+      </p:ext>
+    </p:extLst>
+  </p:cSld>
+  <p:clrMap bg1="lt1" tx1="dk1" bg2="lt2" tx2="dk2" accent1="accent1" accent2="accent2" accent3="accent3" accent4="accent4" accent5="accent5" accent6="accent6" hlink="hlink" folHlink="folHlink"/>
+  <p:sldLayoutIdLst>
+    <p:sldLayoutId id="2147483700" r:id="rId1"/>
+    <p:sldLayoutId id="2147483701" r:id="rId2"/>
+    <p:sldLayoutId id="2147483702" r:id="rId3"/>
+    <p:sldLayoutId id="2147483703" r:id="rId4"/>
+    <p:sldLayoutId id="2147483704" r:id="rId5"/>
+    <p:sldLayoutId id="2147483705" r:id="rId6"/>
+    <p:sldLayoutId id="2147483706" r:id="rId7"/>
+    <p:sldLayoutId id="2147483707" r:id="rId8"/>
+    <p:sldLayoutId id="2147483708" r:id="rId9"/>
+    <p:sldLayoutId id="2147483709" r:id="rId10"/>
+    <p:sldLayoutId id="2147483710" r:id="rId11"/>
+    <p:sldLayoutId id="2147483711" r:id="rId12"/>
+    <p:sldLayoutId id="2147483712" r:id="rId13"/>
+    <p:sldLayoutId id="2147483713" r:id="rId14"/>
   </p:sldLayoutIdLst>
   <p:txStyles>
     <p:titleStyle>
@@ -3038,8 +6628,16 @@
 </file>
 
 <file path=ppt/slides/slide1.xml><?xml version="1.0" encoding="utf-8"?>
-<p:sld xmlns:a="http://schemas.openxmlformats.org/drawingml/2006/main" xmlns:r="http://schemas.openxmlformats.org/officeDocument/2006/relationships" xmlns:p="http://schemas.openxmlformats.org/presentationml/2006/main" showMasterSp="0">
+<p:sld xmlns:a="http://schemas.openxmlformats.org/drawingml/2006/main" xmlns:r="http://schemas.openxmlformats.org/officeDocument/2006/relationships" xmlns:p="http://schemas.openxmlformats.org/presentationml/2006/main">
   <p:cSld>
+    <p:bg>
+      <p:bgPr>
+        <a:solidFill>
+          <a:schemeClr val="tx1"/>
+        </a:solidFill>
+        <a:effectLst/>
+      </p:bgPr>
+    </p:bg>
     <p:spTree>
       <p:nvGrpSpPr>
         <p:cNvPr id="1" name=""/>
@@ -3062,8 +6660,8 @@
         </p:nvSpPr>
         <p:spPr>
           <a:xfrm>
-            <a:off x="3651034" y="2718966"/>
-            <a:ext cx="5379679" cy="1420069"/>
+            <a:off x="2811647" y="2570952"/>
+            <a:ext cx="6568705" cy="1716095"/>
           </a:xfrm>
           <a:prstGeom prst="rect">
             <a:avLst/>
@@ -3078,12 +6676,26 @@
           </a:extLst>
         </p:spPr>
         <p:txBody>
-          <a:bodyPr wrap="none" lIns="35719" tIns="35719" rIns="35719" bIns="35719" anchor="ctr">
+          <a:bodyPr wrap="none" lIns="26789" tIns="26789" rIns="26789" bIns="26789" anchor="ctr">
             <a:spAutoFit/>
           </a:bodyPr>
           <a:lstStyle/>
           <a:p>
-            <a:pPr defTabSz="321457">
+            <a:pPr marL="0" marR="0" lvl="0" indent="0" algn="l" defTabSz="241092" rtl="0" eaLnBrk="1" fontAlgn="auto" latinLnBrk="0" hangingPunct="1">
+              <a:lnSpc>
+                <a:spcPct val="100000"/>
+              </a:lnSpc>
+              <a:spcBef>
+                <a:spcPts val="0"/>
+              </a:spcBef>
+              <a:spcAft>
+                <a:spcPts val="0"/>
+              </a:spcAft>
+              <a:buClrTx/>
+              <a:buSzTx/>
+              <a:buFontTx/>
+              <a:buNone/>
+              <a:tabLst/>
               <a:defRPr sz="6200" b="1" i="1">
                 <a:solidFill>
                   <a:srgbClr val="FFFB00"/>
@@ -3095,24 +6707,73 @@
               </a:defRPr>
             </a:pPr>
             <a:r>
-              <a:rPr lang="en-US" sz="4359" dirty="0"/>
-              <a:t>C</a:t>
-            </a:r>
-            <a:r>
-              <a:rPr lang="en-US" sz="4359"/>
-              <a:t>126</a:t>
-            </a:r>
-            <a:r>
-              <a:rPr sz="4359" dirty="0"/>
+              <a:rPr kumimoji="0" lang="en-US" sz="5400" b="1" i="1" u="none" strike="noStrike" kern="1200" cap="none" spc="0" normalizeH="0" baseline="0" noProof="0" dirty="0">
+                <a:ln>
+                  <a:noFill/>
+                </a:ln>
+                <a:solidFill>
+                  <a:srgbClr val="FFFB00"/>
+                </a:solidFill>
+                <a:effectLst/>
+                <a:uLnTx/>
+                <a:uFillTx/>
+                <a:latin typeface="Times"/>
+                <a:cs typeface="Times"/>
+                <a:sym typeface="Times"/>
+              </a:rPr>
+              <a:t>C126</a:t>
+            </a:r>
+            <a:r>
+              <a:rPr kumimoji="0" sz="5400" b="1" i="1" u="none" strike="noStrike" kern="1200" cap="none" spc="0" normalizeH="0" baseline="0" noProof="0" dirty="0">
+                <a:ln>
+                  <a:noFill/>
+                </a:ln>
+                <a:solidFill>
+                  <a:srgbClr val="FFFB00"/>
+                </a:solidFill>
+                <a:effectLst/>
+                <a:uLnTx/>
+                <a:uFillTx/>
+                <a:latin typeface="Times"/>
+                <a:cs typeface="Times"/>
+                <a:sym typeface="Times"/>
+              </a:rPr>
               <a:t>:</a:t>
             </a:r>
             <a:r>
-              <a:rPr lang="en-US" sz="4359" dirty="0"/>
+              <a:rPr kumimoji="0" lang="en-US" sz="5400" b="1" i="1" u="none" strike="noStrike" kern="1200" cap="none" spc="0" normalizeH="0" baseline="0" noProof="0" dirty="0">
+                <a:ln>
+                  <a:noFill/>
+                </a:ln>
+                <a:solidFill>
+                  <a:srgbClr val="FFFB00"/>
+                </a:solidFill>
+                <a:effectLst/>
+                <a:uLnTx/>
+                <a:uFillTx/>
+                <a:latin typeface="Times"/>
+                <a:cs typeface="Times"/>
+                <a:sym typeface="Times"/>
+              </a:rPr>
               <a:t> </a:t>
             </a:r>
           </a:p>
           <a:p>
-            <a:pPr defTabSz="321457">
+            <a:pPr marL="0" marR="0" lvl="0" indent="0" algn="l" defTabSz="241092" rtl="0" eaLnBrk="1" fontAlgn="auto" latinLnBrk="0" hangingPunct="1">
+              <a:lnSpc>
+                <a:spcPct val="100000"/>
+              </a:lnSpc>
+              <a:spcBef>
+                <a:spcPts val="0"/>
+              </a:spcBef>
+              <a:spcAft>
+                <a:spcPts val="0"/>
+              </a:spcAft>
+              <a:buClrTx/>
+              <a:buSzTx/>
+              <a:buFontTx/>
+              <a:buNone/>
+              <a:tabLst/>
               <a:defRPr sz="6200" b="1" i="1">
                 <a:solidFill>
                   <a:srgbClr val="FFFB00"/>
@@ -3124,27 +6785,70 @@
               </a:defRPr>
             </a:pPr>
             <a:r>
-              <a:rPr lang="hi-IN" altLang="en-US" sz="4400" dirty="0">
+              <a:rPr kumimoji="0" lang="hi-IN" altLang="en-US" sz="5400" b="1" i="1" u="none" strike="noStrike" kern="1200" cap="none" spc="0" normalizeH="0" baseline="0" noProof="0" dirty="0">
+                <a:ln>
+                  <a:noFill/>
+                </a:ln>
+                <a:solidFill>
+                  <a:srgbClr val="FFFB00"/>
+                </a:solidFill>
+                <a:effectLst/>
+                <a:uLnTx/>
+                <a:uFillTx/>
                 <a:latin typeface="Arial Unicode MS"/>
                 <a:cs typeface="Mangal" panose="02040503050203030202" pitchFamily="18" charset="0"/>
+                <a:sym typeface="Times"/>
               </a:rPr>
               <a:t>न </a:t>
             </a:r>
             <a:r>
-              <a:rPr lang="ne-NP" altLang="en-US" sz="4400" dirty="0">
+              <a:rPr kumimoji="0" lang="ne-NP" altLang="en-US" sz="5400" b="1" i="1" u="none" strike="noStrike" kern="1200" cap="none" spc="0" normalizeH="0" baseline="0" noProof="0" dirty="0">
+                <a:ln>
+                  <a:noFill/>
+                </a:ln>
+                <a:solidFill>
+                  <a:srgbClr val="FFFB00"/>
+                </a:solidFill>
+                <a:effectLst/>
+                <a:uLnTx/>
+                <a:uFillTx/>
                 <a:latin typeface="Arial Unicode MS"/>
                 <a:cs typeface="Mangal" panose="02040503050203030202" pitchFamily="18" charset="0"/>
+                <a:sym typeface="Times"/>
               </a:rPr>
               <a:t>ता</a:t>
             </a:r>
             <a:r>
-              <a:rPr lang="hi-IN" altLang="en-US" sz="4400" dirty="0">
+              <a:rPr kumimoji="0" lang="hi-IN" altLang="en-US" sz="5400" b="1" i="1" u="none" strike="noStrike" kern="1200" cap="none" spc="0" normalizeH="0" baseline="0" noProof="0" dirty="0">
+                <a:ln>
+                  <a:noFill/>
+                </a:ln>
+                <a:solidFill>
+                  <a:srgbClr val="FFFB00"/>
+                </a:solidFill>
+                <a:effectLst/>
+                <a:uLnTx/>
+                <a:uFillTx/>
                 <a:latin typeface="Arial Unicode MS"/>
                 <a:cs typeface="Mangal" panose="02040503050203030202" pitchFamily="18" charset="0"/>
+                <a:sym typeface="Times"/>
               </a:rPr>
               <a:t> बलले न शक्तिले</a:t>
             </a:r>
-            <a:endParaRPr sz="4359" dirty="0"/>
+            <a:endParaRPr kumimoji="0" sz="5400" b="1" i="1" u="none" strike="noStrike" kern="1200" cap="none" spc="0" normalizeH="0" baseline="0" noProof="0" dirty="0">
+              <a:ln>
+                <a:noFill/>
+              </a:ln>
+              <a:solidFill>
+                <a:srgbClr val="FFFB00"/>
+              </a:solidFill>
+              <a:effectLst/>
+              <a:uLnTx/>
+              <a:uFillTx/>
+              <a:latin typeface="Times"/>
+              <a:cs typeface="Times"/>
+              <a:sym typeface="Times"/>
+            </a:endParaRPr>
           </a:p>
         </p:txBody>
       </p:sp>
@@ -3169,8 +6873,16 @@
 </file>
 
 <file path=ppt/slides/slide2.xml><?xml version="1.0" encoding="utf-8"?>
-<p:sld xmlns:a="http://schemas.openxmlformats.org/drawingml/2006/main" xmlns:r="http://schemas.openxmlformats.org/officeDocument/2006/relationships" xmlns:p="http://schemas.openxmlformats.org/presentationml/2006/main" showMasterSp="0">
+<p:sld xmlns:a="http://schemas.openxmlformats.org/drawingml/2006/main" xmlns:r="http://schemas.openxmlformats.org/officeDocument/2006/relationships" xmlns:p="http://schemas.openxmlformats.org/presentationml/2006/main">
   <p:cSld>
+    <p:bg>
+      <p:bgPr>
+        <a:solidFill>
+          <a:schemeClr val="tx1"/>
+        </a:solidFill>
+        <a:effectLst/>
+      </p:bgPr>
+    </p:bg>
     <p:spTree>
       <p:nvGrpSpPr>
         <p:cNvPr id="1" name=""/>
@@ -3193,8 +6905,8 @@
         </p:nvSpPr>
         <p:spPr>
           <a:xfrm>
-            <a:off x="5363591" y="248668"/>
-            <a:ext cx="637996" cy="288477"/>
+            <a:off x="5546694" y="1043703"/>
+            <a:ext cx="477294" cy="216453"/>
           </a:xfrm>
           <a:prstGeom prst="rect">
             <a:avLst/>
@@ -3209,7 +6921,7 @@
           </a:extLst>
         </p:spPr>
         <p:txBody>
-          <a:bodyPr wrap="none" lIns="35719" tIns="35719" rIns="35719" bIns="35719" anchor="ctr">
+          <a:bodyPr wrap="none" lIns="26789" tIns="26789" rIns="26789" bIns="26789" anchor="ctr">
             <a:spAutoFit/>
           </a:bodyPr>
           <a:lstStyle>
@@ -3223,8 +6935,37 @@
             </a:lvl1pPr>
           </a:lstStyle>
           <a:p>
-            <a:r>
-              <a:rPr sz="1406"/>
+            <a:pPr marL="0" marR="0" lvl="0" indent="0" algn="l" defTabSz="457200" rtl="0" eaLnBrk="1" fontAlgn="auto" latinLnBrk="0" hangingPunct="1">
+              <a:lnSpc>
+                <a:spcPct val="100000"/>
+              </a:lnSpc>
+              <a:spcBef>
+                <a:spcPts val="0"/>
+              </a:spcBef>
+              <a:spcAft>
+                <a:spcPts val="0"/>
+              </a:spcAft>
+              <a:buClrTx/>
+              <a:buSzTx/>
+              <a:buFontTx/>
+              <a:buNone/>
+              <a:tabLst/>
+              <a:defRPr/>
+            </a:pPr>
+            <a:r>
+              <a:rPr kumimoji="0" sz="1055" b="1" i="1" u="none" strike="noStrike" kern="1200" cap="none" spc="0" normalizeH="0" baseline="0" noProof="0">
+                <a:ln>
+                  <a:noFill/>
+                </a:ln>
+                <a:solidFill>
+                  <a:prstClr val="black"/>
+                </a:solidFill>
+                <a:effectLst/>
+                <a:uLnTx/>
+                <a:uFillTx/>
+                <a:latin typeface="Arial Narrow"/>
+                <a:sym typeface="Arial Narrow"/>
+              </a:rPr>
               <a:t>Chorus:</a:t>
             </a:r>
           </a:p>
@@ -3238,8 +6979,8 @@
         </p:nvSpPr>
         <p:spPr>
           <a:xfrm>
-            <a:off x="1093218" y="1967955"/>
-            <a:ext cx="10592644" cy="3386441"/>
+            <a:off x="362259" y="1401401"/>
+            <a:ext cx="11467482" cy="4055197"/>
           </a:xfrm>
           <a:prstGeom prst="rect">
             <a:avLst/>
@@ -3254,98 +6995,248 @@
           </a:extLst>
         </p:spPr>
         <p:txBody>
-          <a:bodyPr wrap="none" lIns="35719" tIns="35719" rIns="35719" bIns="35719" anchor="ctr">
+          <a:bodyPr wrap="none" lIns="26789" tIns="26789" rIns="26789" bIns="26789" anchor="ctr">
             <a:spAutoFit/>
           </a:bodyPr>
           <a:lstStyle/>
           <a:p>
-            <a:pPr lvl="0" algn="ctr" defTabSz="914400" eaLnBrk="0" fontAlgn="base" hangingPunct="0">
+            <a:pPr marL="0" marR="0" lvl="0" indent="0" algn="ctr" defTabSz="685797" rtl="0" eaLnBrk="0" fontAlgn="base" latinLnBrk="0" hangingPunct="1">
+              <a:lnSpc>
+                <a:spcPct val="100000"/>
+              </a:lnSpc>
               <a:spcBef>
                 <a:spcPct val="0"/>
               </a:spcBef>
               <a:spcAft>
                 <a:spcPct val="0"/>
               </a:spcAft>
+              <a:buClrTx/>
+              <a:buSzTx/>
+              <a:buFontTx/>
+              <a:buNone/>
+              <a:tabLst/>
+              <a:defRPr/>
             </a:pPr>
             <a:r>
-              <a:rPr lang="hi-IN" altLang="en-US" sz="4000" b="1" dirty="0">
+              <a:rPr kumimoji="0" lang="hi-IN" altLang="en-US" sz="5400" b="1" i="0" u="none" strike="noStrike" kern="1200" cap="none" spc="0" normalizeH="0" baseline="0" noProof="0" dirty="0">
+                <a:ln>
+                  <a:noFill/>
+                </a:ln>
+                <a:solidFill>
+                  <a:prstClr val="white"/>
+                </a:solidFill>
+                <a:effectLst/>
+                <a:uLnTx/>
+                <a:uFillTx/>
                 <a:latin typeface="Arial Unicode MS"/>
+                <a:ea typeface="+mn-ea"/>
+                <a:cs typeface="Mangal" panose="02040503050203030202" pitchFamily="18" charset="0"/>
               </a:rPr>
               <a:t>न ता बलले न शक्तिले</a:t>
             </a:r>
             <a:r>
-              <a:rPr lang="en-US" altLang="en-US" sz="4000" b="1" dirty="0">
+              <a:rPr kumimoji="0" lang="en-US" altLang="en-US" sz="5400" b="1" i="0" u="none" strike="noStrike" kern="1200" cap="none" spc="0" normalizeH="0" baseline="0" noProof="0" dirty="0">
+                <a:ln>
+                  <a:noFill/>
+                </a:ln>
+                <a:solidFill>
+                  <a:prstClr val="white"/>
+                </a:solidFill>
+                <a:effectLst/>
+                <a:uLnTx/>
+                <a:uFillTx/>
                 <a:latin typeface="Arial Unicode MS"/>
+                <a:ea typeface="+mn-ea"/>
                 <a:cs typeface="Mangal" panose="02040503050203030202" pitchFamily="18" charset="0"/>
               </a:rPr>
               <a:t>,</a:t>
             </a:r>
           </a:p>
           <a:p>
-            <a:pPr lvl="0" algn="ctr" defTabSz="914400" eaLnBrk="0" fontAlgn="base" hangingPunct="0">
+            <a:pPr marL="0" marR="0" lvl="0" indent="0" algn="ctr" defTabSz="685797" rtl="0" eaLnBrk="0" fontAlgn="base" latinLnBrk="0" hangingPunct="1">
+              <a:lnSpc>
+                <a:spcPct val="100000"/>
+              </a:lnSpc>
               <a:spcBef>
                 <a:spcPct val="0"/>
               </a:spcBef>
               <a:spcAft>
                 <a:spcPct val="0"/>
               </a:spcAft>
+              <a:buClrTx/>
+              <a:buSzTx/>
+              <a:buFontTx/>
+              <a:buNone/>
+              <a:tabLst/>
+              <a:defRPr/>
             </a:pPr>
             <a:r>
-              <a:rPr lang="en-US" altLang="en-US" sz="4000" b="1" dirty="0">
+              <a:rPr kumimoji="0" lang="en-US" altLang="en-US" sz="5400" b="1" i="0" u="none" strike="noStrike" kern="1200" cap="none" spc="0" normalizeH="0" baseline="0" noProof="0" dirty="0">
+                <a:ln>
+                  <a:noFill/>
+                </a:ln>
+                <a:solidFill>
+                  <a:prstClr val="white"/>
+                </a:solidFill>
+                <a:effectLst/>
+                <a:uLnTx/>
+                <a:uFillTx/>
                 <a:latin typeface="Arial Unicode MS"/>
+                <a:ea typeface="+mn-ea"/>
                 <a:cs typeface="Mangal" panose="02040503050203030202" pitchFamily="18" charset="0"/>
               </a:rPr>
               <a:t> </a:t>
             </a:r>
             <a:r>
-              <a:rPr lang="hi-IN" altLang="en-US" sz="4000" b="1" dirty="0">
+              <a:rPr kumimoji="0" lang="hi-IN" altLang="en-US" sz="5400" b="1" i="0" u="none" strike="noStrike" kern="1200" cap="none" spc="0" normalizeH="0" baseline="0" noProof="0" dirty="0">
+                <a:ln>
+                  <a:noFill/>
+                </a:ln>
+                <a:solidFill>
+                  <a:prstClr val="white"/>
+                </a:solidFill>
+                <a:effectLst/>
+                <a:uLnTx/>
+                <a:uFillTx/>
                 <a:latin typeface="Arial Unicode MS"/>
+                <a:ea typeface="+mn-ea"/>
+                <a:cs typeface="Mangal" panose="02040503050203030202" pitchFamily="18" charset="0"/>
               </a:rPr>
               <a:t>प्रभु भन्छन्‌</a:t>
             </a:r>
             <a:r>
-              <a:rPr lang="en-US" altLang="en-US" sz="4000" b="1" dirty="0">
+              <a:rPr kumimoji="0" lang="en-US" altLang="en-US" sz="5400" b="1" i="0" u="none" strike="noStrike" kern="1200" cap="none" spc="0" normalizeH="0" baseline="0" noProof="0" dirty="0">
+                <a:ln>
+                  <a:noFill/>
+                </a:ln>
+                <a:solidFill>
+                  <a:prstClr val="white"/>
+                </a:solidFill>
+                <a:effectLst/>
+                <a:uLnTx/>
+                <a:uFillTx/>
                 <a:latin typeface="Arial Unicode MS"/>
+                <a:ea typeface="+mn-ea"/>
                 <a:cs typeface="Mangal" panose="02040503050203030202" pitchFamily="18" charset="0"/>
               </a:rPr>
               <a:t>, </a:t>
             </a:r>
             <a:r>
-              <a:rPr lang="hi-IN" altLang="en-US" sz="4000" b="1" dirty="0">
+              <a:rPr kumimoji="0" lang="hi-IN" altLang="en-US" sz="5400" b="1" i="0" u="none" strike="noStrike" kern="1200" cap="none" spc="0" normalizeH="0" baseline="0" noProof="0" dirty="0">
+                <a:ln>
+                  <a:noFill/>
+                </a:ln>
+                <a:solidFill>
+                  <a:prstClr val="white"/>
+                </a:solidFill>
+                <a:effectLst/>
+                <a:uLnTx/>
+                <a:uFillTx/>
                 <a:latin typeface="Arial Unicode MS"/>
+                <a:ea typeface="+mn-ea"/>
+                <a:cs typeface="Mangal" panose="02040503050203030202" pitchFamily="18" charset="0"/>
               </a:rPr>
               <a:t>मेरो आत्माले </a:t>
             </a:r>
             <a:r>
-              <a:rPr lang="en-US" altLang="en-US" sz="4000" b="1" dirty="0">
+              <a:rPr kumimoji="0" lang="en-US" altLang="en-US" sz="5400" b="1" i="0" u="none" strike="noStrike" kern="1200" cap="none" spc="0" normalizeH="0" baseline="0" noProof="0" dirty="0">
+                <a:ln>
+                  <a:noFill/>
+                </a:ln>
+                <a:solidFill>
+                  <a:prstClr val="white"/>
+                </a:solidFill>
+                <a:effectLst/>
+                <a:uLnTx/>
+                <a:uFillTx/>
                 <a:latin typeface="Arial Unicode MS"/>
+                <a:ea typeface="+mn-ea"/>
                 <a:cs typeface="Mangal" panose="02040503050203030202" pitchFamily="18" charset="0"/>
               </a:rPr>
               <a:t>(</a:t>
             </a:r>
             <a:r>
-              <a:rPr lang="hi-IN" altLang="en-US" sz="4000" b="1" dirty="0">
+              <a:rPr kumimoji="0" lang="hi-IN" altLang="en-US" sz="5400" b="1" i="0" u="none" strike="noStrike" kern="1200" cap="none" spc="0" normalizeH="0" baseline="0" noProof="0" dirty="0">
+                <a:ln>
+                  <a:noFill/>
+                </a:ln>
+                <a:solidFill>
+                  <a:prstClr val="white"/>
+                </a:solidFill>
+                <a:effectLst/>
+                <a:uLnTx/>
+                <a:uFillTx/>
                 <a:latin typeface="Arial Unicode MS"/>
+                <a:ea typeface="+mn-ea"/>
+                <a:cs typeface="Mangal" panose="02040503050203030202" pitchFamily="18" charset="0"/>
               </a:rPr>
               <a:t>२</a:t>
             </a:r>
             <a:r>
-              <a:rPr lang="en-US" altLang="en-US" sz="4000" b="1" dirty="0">
+              <a:rPr kumimoji="0" lang="en-US" altLang="en-US" sz="5400" b="1" i="0" u="none" strike="noStrike" kern="1200" cap="none" spc="0" normalizeH="0" baseline="0" noProof="0" dirty="0">
+                <a:ln>
+                  <a:noFill/>
+                </a:ln>
+                <a:solidFill>
+                  <a:prstClr val="white"/>
+                </a:solidFill>
+                <a:effectLst/>
+                <a:uLnTx/>
+                <a:uFillTx/>
                 <a:latin typeface="Arial Unicode MS"/>
+                <a:ea typeface="+mn-ea"/>
                 <a:cs typeface="Mangal" panose="02040503050203030202" pitchFamily="18" charset="0"/>
               </a:rPr>
               <a:t>)</a:t>
             </a:r>
             <a:r>
-              <a:rPr lang="en-US" altLang="en-US" sz="4800" b="1" dirty="0"/>
+              <a:rPr kumimoji="0" lang="en-US" altLang="en-US" sz="6600" b="1" i="0" u="none" strike="noStrike" kern="1200" cap="none" spc="0" normalizeH="0" baseline="0" noProof="0" dirty="0">
+                <a:ln>
+                  <a:noFill/>
+                </a:ln>
+                <a:solidFill>
+                  <a:prstClr val="white"/>
+                </a:solidFill>
+                <a:effectLst/>
+                <a:uLnTx/>
+                <a:uFillTx/>
+                <a:latin typeface="Calibri" panose="020F0502020204030204"/>
+                <a:ea typeface="+mn-ea"/>
+                <a:cs typeface="+mn-cs"/>
+              </a:rPr>
               <a:t> </a:t>
             </a:r>
-            <a:endParaRPr lang="en-US" altLang="en-US" sz="7200" b="1" dirty="0">
+            <a:endParaRPr kumimoji="0" lang="en-US" altLang="en-US" sz="9600" b="1" i="0" u="none" strike="noStrike" kern="1200" cap="none" spc="0" normalizeH="0" baseline="0" noProof="0" dirty="0">
+              <a:ln>
+                <a:noFill/>
+              </a:ln>
+              <a:solidFill>
+                <a:prstClr val="white"/>
+              </a:solidFill>
+              <a:effectLst/>
+              <a:uLnTx/>
+              <a:uFillTx/>
               <a:latin typeface="Arial" panose="020B0604020202020204" pitchFamily="34" charset="0"/>
+              <a:ea typeface="+mn-ea"/>
+              <a:cs typeface="+mn-cs"/>
             </a:endParaRPr>
           </a:p>
           <a:p>
-            <a:pPr defTabSz="321457">
+            <a:pPr marL="0" marR="0" lvl="0" indent="0" algn="ctr" defTabSz="241092" rtl="0" eaLnBrk="1" fontAlgn="auto" latinLnBrk="0" hangingPunct="1">
+              <a:lnSpc>
+                <a:spcPct val="100000"/>
+              </a:lnSpc>
+              <a:spcBef>
+                <a:spcPts val="0"/>
+              </a:spcBef>
+              <a:spcAft>
+                <a:spcPts val="0"/>
+              </a:spcAft>
+              <a:buClrTx/>
+              <a:buSzTx/>
+              <a:buFontTx/>
+              <a:buNone/>
+              <a:tabLst/>
               <a:defRPr sz="5600" b="1">
                 <a:latin typeface="Arial"/>
                 <a:ea typeface="Arial"/>
@@ -3353,7 +7244,16 @@
                 <a:sym typeface="Arial"/>
               </a:defRPr>
             </a:pPr>
-            <a:endParaRPr sz="3937" dirty="0">
+            <a:endParaRPr kumimoji="0" sz="4400" b="1" i="0" u="none" strike="noStrike" kern="1200" cap="none" spc="0" normalizeH="0" baseline="0" noProof="0" dirty="0">
+              <a:ln>
+                <a:noFill/>
+              </a:ln>
+              <a:solidFill>
+                <a:prstClr val="black"/>
+              </a:solidFill>
+              <a:effectLst/>
+              <a:uLnTx/>
+              <a:uFillTx/>
               <a:latin typeface="Arial"/>
               <a:ea typeface="Arial"/>
               <a:cs typeface="Arial"/>
@@ -3361,96 +7261,191 @@
             </a:endParaRPr>
           </a:p>
           <a:p>
-            <a:pPr algn="ctr"/>
-            <a:r>
-              <a:rPr lang="en-US" sz="4400" b="1" dirty="0">
-                <a:solidFill>
-                  <a:srgbClr val="66FFFF"/>
-                </a:solidFill>
+            <a:pPr marL="0" marR="0" lvl="0" indent="0" algn="ctr" defTabSz="914400" rtl="0" eaLnBrk="1" fontAlgn="auto" latinLnBrk="0" hangingPunct="1">
+              <a:lnSpc>
+                <a:spcPct val="100000"/>
+              </a:lnSpc>
+              <a:spcBef>
+                <a:spcPts val="0"/>
+              </a:spcBef>
+              <a:spcAft>
+                <a:spcPts val="0"/>
+              </a:spcAft>
+              <a:buClrTx/>
+              <a:buSzTx/>
+              <a:buFontTx/>
+              <a:buNone/>
+              <a:tabLst/>
+              <a:defRPr/>
+            </a:pPr>
+            <a:r>
+              <a:rPr kumimoji="0" lang="en-US" sz="4800" b="1" i="0" u="none" strike="noStrike" kern="1200" cap="none" spc="0" normalizeH="0" baseline="0" noProof="0" dirty="0">
+                <a:ln>
+                  <a:noFill/>
+                </a:ln>
+                <a:solidFill>
+                  <a:srgbClr val="FFFF00"/>
+                </a:solidFill>
+                <a:effectLst/>
+                <a:uLnTx/>
+                <a:uFillTx/>
                 <a:latin typeface="Mangal (Body)"/>
+                <a:ea typeface="+mn-ea"/>
                 <a:cs typeface="Mangal" panose="02040503050203030202" pitchFamily="18" charset="0"/>
               </a:rPr>
               <a:t>(</a:t>
             </a:r>
             <a:r>
-              <a:rPr lang="en-US" sz="4400" b="1" dirty="0" err="1">
-                <a:solidFill>
-                  <a:srgbClr val="66FFFF"/>
-                </a:solidFill>
+              <a:rPr kumimoji="0" lang="en-US" sz="4800" b="1" i="0" u="none" strike="noStrike" kern="1200" cap="none" spc="0" normalizeH="0" baseline="0" noProof="0" dirty="0" err="1">
+                <a:ln>
+                  <a:noFill/>
+                </a:ln>
+                <a:solidFill>
+                  <a:srgbClr val="FFFF00"/>
+                </a:solidFill>
+                <a:effectLst/>
+                <a:uLnTx/>
+                <a:uFillTx/>
                 <a:latin typeface="Mangal (Body)"/>
+                <a:ea typeface="+mn-ea"/>
                 <a:cs typeface="Mangal" panose="02040503050203030202" pitchFamily="18" charset="0"/>
               </a:rPr>
               <a:t>na</a:t>
             </a:r>
             <a:r>
-              <a:rPr lang="en-US" sz="4400" b="1" dirty="0">
-                <a:solidFill>
-                  <a:srgbClr val="66FFFF"/>
-                </a:solidFill>
+              <a:rPr kumimoji="0" lang="en-US" sz="4800" b="1" i="0" u="none" strike="noStrike" kern="1200" cap="none" spc="0" normalizeH="0" baseline="0" noProof="0" dirty="0">
+                <a:ln>
+                  <a:noFill/>
+                </a:ln>
+                <a:solidFill>
+                  <a:srgbClr val="FFFF00"/>
+                </a:solidFill>
+                <a:effectLst/>
+                <a:uLnTx/>
+                <a:uFillTx/>
                 <a:latin typeface="Mangal (Body)"/>
+                <a:ea typeface="+mn-ea"/>
                 <a:cs typeface="Mangal" panose="02040503050203030202" pitchFamily="18" charset="0"/>
               </a:rPr>
               <a:t> ta </a:t>
             </a:r>
             <a:r>
-              <a:rPr lang="en-US" sz="4400" b="1" dirty="0" err="1">
-                <a:solidFill>
-                  <a:srgbClr val="66FFFF"/>
-                </a:solidFill>
+              <a:rPr kumimoji="0" lang="en-US" sz="4800" b="1" i="0" u="none" strike="noStrike" kern="1200" cap="none" spc="0" normalizeH="0" baseline="0" noProof="0" dirty="0" err="1">
+                <a:ln>
+                  <a:noFill/>
+                </a:ln>
+                <a:solidFill>
+                  <a:srgbClr val="FFFF00"/>
+                </a:solidFill>
+                <a:effectLst/>
+                <a:uLnTx/>
+                <a:uFillTx/>
                 <a:latin typeface="Mangal (Body)"/>
+                <a:ea typeface="+mn-ea"/>
                 <a:cs typeface="Mangal" panose="02040503050203030202" pitchFamily="18" charset="0"/>
               </a:rPr>
               <a:t>bal</a:t>
             </a:r>
             <a:r>
-              <a:rPr lang="en-US" sz="4400" b="1" dirty="0">
-                <a:solidFill>
-                  <a:srgbClr val="66FFFF"/>
-                </a:solidFill>
+              <a:rPr kumimoji="0" lang="en-US" sz="4800" b="1" i="0" u="none" strike="noStrike" kern="1200" cap="none" spc="0" normalizeH="0" baseline="0" noProof="0" dirty="0">
+                <a:ln>
+                  <a:noFill/>
+                </a:ln>
+                <a:solidFill>
+                  <a:srgbClr val="FFFF00"/>
+                </a:solidFill>
+                <a:effectLst/>
+                <a:uLnTx/>
+                <a:uFillTx/>
                 <a:latin typeface="Mangal (Body)"/>
+                <a:ea typeface="+mn-ea"/>
                 <a:cs typeface="Mangal" panose="02040503050203030202" pitchFamily="18" charset="0"/>
               </a:rPr>
               <a:t>-le </a:t>
             </a:r>
             <a:r>
-              <a:rPr lang="en-US" sz="4400" b="1" dirty="0" err="1">
-                <a:solidFill>
-                  <a:srgbClr val="66FFFF"/>
-                </a:solidFill>
+              <a:rPr kumimoji="0" lang="en-US" sz="4800" b="1" i="0" u="none" strike="noStrike" kern="1200" cap="none" spc="0" normalizeH="0" baseline="0" noProof="0" dirty="0" err="1">
+                <a:ln>
+                  <a:noFill/>
+                </a:ln>
+                <a:solidFill>
+                  <a:srgbClr val="FFFF00"/>
+                </a:solidFill>
+                <a:effectLst/>
+                <a:uLnTx/>
+                <a:uFillTx/>
                 <a:latin typeface="Mangal (Body)"/>
+                <a:ea typeface="+mn-ea"/>
                 <a:cs typeface="Mangal" panose="02040503050203030202" pitchFamily="18" charset="0"/>
               </a:rPr>
               <a:t>na</a:t>
             </a:r>
             <a:r>
-              <a:rPr lang="en-US" sz="4400" b="1" dirty="0">
-                <a:solidFill>
-                  <a:srgbClr val="66FFFF"/>
-                </a:solidFill>
+              <a:rPr kumimoji="0" lang="en-US" sz="4800" b="1" i="0" u="none" strike="noStrike" kern="1200" cap="none" spc="0" normalizeH="0" baseline="0" noProof="0" dirty="0">
+                <a:ln>
+                  <a:noFill/>
+                </a:ln>
+                <a:solidFill>
+                  <a:srgbClr val="FFFF00"/>
+                </a:solidFill>
+                <a:effectLst/>
+                <a:uLnTx/>
+                <a:uFillTx/>
                 <a:latin typeface="Mangal (Body)"/>
+                <a:ea typeface="+mn-ea"/>
                 <a:cs typeface="Mangal" panose="02040503050203030202" pitchFamily="18" charset="0"/>
               </a:rPr>
               <a:t> shakti-le</a:t>
             </a:r>
           </a:p>
           <a:p>
-            <a:pPr algn="ctr"/>
-            <a:r>
-              <a:rPr lang="it-IT" sz="4400" b="1" dirty="0">
-                <a:solidFill>
-                  <a:srgbClr val="66FFFF"/>
-                </a:solidFill>
+            <a:pPr marL="0" marR="0" lvl="0" indent="0" algn="ctr" defTabSz="914400" rtl="0" eaLnBrk="1" fontAlgn="auto" latinLnBrk="0" hangingPunct="1">
+              <a:lnSpc>
+                <a:spcPct val="100000"/>
+              </a:lnSpc>
+              <a:spcBef>
+                <a:spcPts val="0"/>
+              </a:spcBef>
+              <a:spcAft>
+                <a:spcPts val="0"/>
+              </a:spcAft>
+              <a:buClrTx/>
+              <a:buSzTx/>
+              <a:buFontTx/>
+              <a:buNone/>
+              <a:tabLst/>
+              <a:defRPr/>
+            </a:pPr>
+            <a:r>
+              <a:rPr kumimoji="0" lang="it-IT" sz="4800" b="1" i="0" u="none" strike="noStrike" kern="1200" cap="none" spc="0" normalizeH="0" baseline="0" noProof="0" dirty="0">
+                <a:ln>
+                  <a:noFill/>
+                </a:ln>
+                <a:solidFill>
+                  <a:srgbClr val="FFFF00"/>
+                </a:solidFill>
+                <a:effectLst/>
+                <a:uLnTx/>
+                <a:uFillTx/>
                 <a:latin typeface="Mangal (Body)"/>
+                <a:ea typeface="+mn-ea"/>
                 <a:cs typeface="Mangal" panose="02040503050203030202" pitchFamily="18" charset="0"/>
               </a:rPr>
               <a:t>prabhu bhanchan, mero aatmaa-le) </a:t>
             </a:r>
             <a:r>
-              <a:rPr lang="it-IT" sz="4400" b="1" i="1" dirty="0">
-                <a:solidFill>
-                  <a:srgbClr val="66FFFF"/>
-                </a:solidFill>
+              <a:rPr kumimoji="0" lang="it-IT" sz="4800" b="1" i="1" u="none" strike="noStrike" kern="1200" cap="none" spc="0" normalizeH="0" baseline="0" noProof="0" dirty="0">
+                <a:ln>
+                  <a:noFill/>
+                </a:ln>
+                <a:solidFill>
+                  <a:srgbClr val="FFFF00"/>
+                </a:solidFill>
+                <a:effectLst/>
+                <a:uLnTx/>
+                <a:uFillTx/>
                 <a:latin typeface="Mangal (Body)"/>
+                <a:ea typeface="+mn-ea"/>
                 <a:cs typeface="Mangal" panose="02040503050203030202" pitchFamily="18" charset="0"/>
               </a:rPr>
               <a:t>2</a:t>
@@ -3479,8 +7474,16 @@
 </file>
 
 <file path=ppt/slides/slide3.xml><?xml version="1.0" encoding="utf-8"?>
-<p:sld xmlns:a="http://schemas.openxmlformats.org/drawingml/2006/main" xmlns:r="http://schemas.openxmlformats.org/officeDocument/2006/relationships" xmlns:p="http://schemas.openxmlformats.org/presentationml/2006/main" showMasterSp="0">
+<p:sld xmlns:a="http://schemas.openxmlformats.org/drawingml/2006/main" xmlns:r="http://schemas.openxmlformats.org/officeDocument/2006/relationships" xmlns:p="http://schemas.openxmlformats.org/presentationml/2006/main">
   <p:cSld>
+    <p:bg>
+      <p:bgPr>
+        <a:solidFill>
+          <a:schemeClr val="tx1"/>
+        </a:solidFill>
+        <a:effectLst/>
+      </p:bgPr>
+    </p:bg>
     <p:spTree>
       <p:nvGrpSpPr>
         <p:cNvPr id="1" name=""/>
@@ -3503,8 +7506,8 @@
         </p:nvSpPr>
         <p:spPr>
           <a:xfrm>
-            <a:off x="1599963" y="159371"/>
-            <a:ext cx="1244251" cy="288477"/>
+            <a:off x="2723973" y="976731"/>
+            <a:ext cx="1088680" cy="216453"/>
           </a:xfrm>
           <a:prstGeom prst="rect">
             <a:avLst/>
@@ -3519,7 +7522,7 @@
           </a:extLst>
         </p:spPr>
         <p:txBody>
-          <a:bodyPr wrap="none" lIns="35719" tIns="35719" rIns="35719" bIns="35719" anchor="ctr">
+          <a:bodyPr wrap="none" lIns="26789" tIns="26789" rIns="26789" bIns="26789" anchor="ctr">
             <a:spAutoFit/>
           </a:bodyPr>
           <a:lstStyle>
@@ -3536,8 +7539,37 @@
             </a:lvl1pPr>
           </a:lstStyle>
           <a:p>
-            <a:r>
-              <a:rPr sz="1406"/>
+            <a:pPr marL="0" marR="600709" lvl="0" indent="0" algn="l" defTabSz="457200" rtl="0" eaLnBrk="1" fontAlgn="auto" latinLnBrk="0" hangingPunct="1">
+              <a:lnSpc>
+                <a:spcPct val="100000"/>
+              </a:lnSpc>
+              <a:spcBef>
+                <a:spcPts val="1100"/>
+              </a:spcBef>
+              <a:spcAft>
+                <a:spcPts val="0"/>
+              </a:spcAft>
+              <a:buClrTx/>
+              <a:buSzTx/>
+              <a:buFontTx/>
+              <a:buNone/>
+              <a:tabLst/>
+              <a:defRPr/>
+            </a:pPr>
+            <a:r>
+              <a:rPr kumimoji="0" sz="1055" b="1" i="1" u="none" strike="noStrike" kern="1200" cap="none" spc="0" normalizeH="0" baseline="0" noProof="0">
+                <a:ln>
+                  <a:noFill/>
+                </a:ln>
+                <a:solidFill>
+                  <a:prstClr val="black"/>
+                </a:solidFill>
+                <a:effectLst/>
+                <a:uLnTx/>
+                <a:uFillTx/>
+                <a:latin typeface="Arial Narrow"/>
+                <a:sym typeface="Arial Narrow"/>
+              </a:rPr>
               <a:t>Verse 1:</a:t>
             </a:r>
           </a:p>
@@ -3551,8 +7583,8 @@
         </p:nvSpPr>
         <p:spPr>
           <a:xfrm>
-            <a:off x="2629206" y="1802722"/>
-            <a:ext cx="9090630" cy="3252558"/>
+            <a:off x="151464" y="1278291"/>
+            <a:ext cx="11889072" cy="4301418"/>
           </a:xfrm>
           <a:prstGeom prst="rect">
             <a:avLst/>
@@ -3567,228 +7599,482 @@
           </a:extLst>
         </p:spPr>
         <p:txBody>
-          <a:bodyPr wrap="none" lIns="35719" tIns="35719" rIns="35719" bIns="35719" anchor="ctr">
+          <a:bodyPr wrap="none" lIns="26789" tIns="26789" rIns="26789" bIns="26789" anchor="ctr">
             <a:spAutoFit/>
           </a:bodyPr>
           <a:lstStyle/>
           <a:p>
-            <a:pPr lvl="0" algn="ctr" defTabSz="914400" eaLnBrk="0" fontAlgn="base" hangingPunct="0">
+            <a:pPr marL="0" marR="0" lvl="0" indent="0" algn="ctr" defTabSz="685797" rtl="0" eaLnBrk="0" fontAlgn="base" latinLnBrk="0" hangingPunct="1">
+              <a:lnSpc>
+                <a:spcPct val="100000"/>
+              </a:lnSpc>
               <a:spcBef>
                 <a:spcPct val="0"/>
               </a:spcBef>
               <a:spcAft>
                 <a:spcPct val="0"/>
               </a:spcAft>
+              <a:buClrTx/>
+              <a:buSzTx/>
+              <a:buFontTx/>
+              <a:buNone/>
+              <a:tabLst/>
+              <a:defRPr/>
             </a:pPr>
             <a:r>
-              <a:rPr lang="hi-IN" altLang="en-US" sz="4000" b="1" dirty="0">
+              <a:rPr kumimoji="0" lang="hi-IN" altLang="en-US" sz="5400" b="1" i="0" u="none" strike="noStrike" kern="1200" cap="none" spc="0" normalizeH="0" baseline="0" noProof="0" dirty="0">
+                <a:ln>
+                  <a:noFill/>
+                </a:ln>
+                <a:solidFill>
+                  <a:prstClr val="white"/>
+                </a:solidFill>
+                <a:effectLst/>
+                <a:uLnTx/>
+                <a:uFillTx/>
                 <a:latin typeface="Arial Unicode MS"/>
+                <a:ea typeface="+mn-ea"/>
+                <a:cs typeface="Mangal" panose="02040503050203030202" pitchFamily="18" charset="0"/>
               </a:rPr>
               <a:t>यो पहाड़ हटिजानेछ </a:t>
             </a:r>
             <a:r>
-              <a:rPr lang="en-US" altLang="en-US" sz="4000" b="1" dirty="0">
+              <a:rPr kumimoji="0" lang="en-US" altLang="en-US" sz="5400" b="1" i="0" u="none" strike="noStrike" kern="1200" cap="none" spc="0" normalizeH="0" baseline="0" noProof="0" dirty="0">
+                <a:ln>
+                  <a:noFill/>
+                </a:ln>
+                <a:solidFill>
+                  <a:prstClr val="white"/>
+                </a:solidFill>
+                <a:effectLst/>
+                <a:uLnTx/>
+                <a:uFillTx/>
                 <a:latin typeface="Arial Unicode MS"/>
+                <a:ea typeface="+mn-ea"/>
                 <a:cs typeface="Mangal" panose="02040503050203030202" pitchFamily="18" charset="0"/>
               </a:rPr>
               <a:t>(</a:t>
             </a:r>
             <a:r>
-              <a:rPr lang="hi-IN" altLang="en-US" sz="4000" b="1" dirty="0">
+              <a:rPr kumimoji="0" lang="hi-IN" altLang="en-US" sz="5400" b="1" i="0" u="none" strike="noStrike" kern="1200" cap="none" spc="0" normalizeH="0" baseline="0" noProof="0" dirty="0">
+                <a:ln>
+                  <a:noFill/>
+                </a:ln>
+                <a:solidFill>
+                  <a:prstClr val="white"/>
+                </a:solidFill>
+                <a:effectLst/>
+                <a:uLnTx/>
+                <a:uFillTx/>
                 <a:latin typeface="Arial Unicode MS"/>
+                <a:ea typeface="+mn-ea"/>
+                <a:cs typeface="Mangal" panose="02040503050203030202" pitchFamily="18" charset="0"/>
               </a:rPr>
               <a:t>३</a:t>
             </a:r>
             <a:r>
-              <a:rPr lang="en-US" altLang="en-US" sz="4000" b="1" dirty="0">
+              <a:rPr kumimoji="0" lang="en-US" altLang="en-US" sz="5400" b="1" i="0" u="none" strike="noStrike" kern="1200" cap="none" spc="0" normalizeH="0" baseline="0" noProof="0" dirty="0">
+                <a:ln>
+                  <a:noFill/>
+                </a:ln>
+                <a:solidFill>
+                  <a:prstClr val="white"/>
+                </a:solidFill>
+                <a:effectLst/>
+                <a:uLnTx/>
+                <a:uFillTx/>
                 <a:latin typeface="Arial Unicode MS"/>
+                <a:ea typeface="+mn-ea"/>
                 <a:cs typeface="Mangal" panose="02040503050203030202" pitchFamily="18" charset="0"/>
               </a:rPr>
               <a:t>)</a:t>
             </a:r>
           </a:p>
           <a:p>
-            <a:pPr lvl="0" algn="ctr" defTabSz="914400" eaLnBrk="0" fontAlgn="base" hangingPunct="0">
+            <a:pPr marL="0" marR="0" lvl="0" indent="0" algn="ctr" defTabSz="685797" rtl="0" eaLnBrk="0" fontAlgn="base" latinLnBrk="0" hangingPunct="1">
+              <a:lnSpc>
+                <a:spcPct val="100000"/>
+              </a:lnSpc>
               <a:spcBef>
                 <a:spcPct val="0"/>
               </a:spcBef>
               <a:spcAft>
                 <a:spcPct val="0"/>
               </a:spcAft>
+              <a:buClrTx/>
+              <a:buSzTx/>
+              <a:buFontTx/>
+              <a:buNone/>
+              <a:tabLst/>
+              <a:defRPr/>
             </a:pPr>
             <a:r>
-              <a:rPr lang="en-US" altLang="en-US" sz="4000" b="1" dirty="0">
+              <a:rPr kumimoji="0" lang="en-US" altLang="en-US" sz="5400" b="1" i="0" u="none" strike="noStrike" kern="1200" cap="none" spc="0" normalizeH="0" baseline="0" noProof="0" dirty="0">
+                <a:ln>
+                  <a:noFill/>
+                </a:ln>
+                <a:solidFill>
+                  <a:prstClr val="white"/>
+                </a:solidFill>
+                <a:effectLst/>
+                <a:uLnTx/>
+                <a:uFillTx/>
                 <a:latin typeface="Arial Unicode MS"/>
+                <a:ea typeface="+mn-ea"/>
                 <a:cs typeface="Mangal" panose="02040503050203030202" pitchFamily="18" charset="0"/>
               </a:rPr>
               <a:t> </a:t>
             </a:r>
             <a:r>
-              <a:rPr lang="hi-IN" altLang="en-US" sz="4000" b="1" dirty="0">
+              <a:rPr kumimoji="0" lang="hi-IN" altLang="en-US" sz="5400" b="1" i="0" u="none" strike="noStrike" kern="1200" cap="none" spc="0" normalizeH="0" baseline="0" noProof="0" dirty="0">
+                <a:ln>
+                  <a:noFill/>
+                </a:ln>
+                <a:solidFill>
+                  <a:prstClr val="white"/>
+                </a:solidFill>
+                <a:effectLst/>
+                <a:uLnTx/>
+                <a:uFillTx/>
                 <a:latin typeface="Arial Unicode MS"/>
+                <a:ea typeface="+mn-ea"/>
+                <a:cs typeface="Mangal" panose="02040503050203030202" pitchFamily="18" charset="0"/>
               </a:rPr>
               <a:t>प्रभु भन्छन्‌ मेरो आत्माले ।</a:t>
             </a:r>
             <a:r>
-              <a:rPr lang="en-US" altLang="en-US" sz="4800" b="1" dirty="0"/>
+              <a:rPr kumimoji="0" lang="en-US" altLang="en-US" sz="6600" b="1" i="0" u="none" strike="noStrike" kern="1200" cap="none" spc="0" normalizeH="0" baseline="0" noProof="0" dirty="0">
+                <a:ln>
+                  <a:noFill/>
+                </a:ln>
+                <a:solidFill>
+                  <a:prstClr val="white"/>
+                </a:solidFill>
+                <a:effectLst/>
+                <a:uLnTx/>
+                <a:uFillTx/>
+                <a:latin typeface="Calibri" panose="020F0502020204030204"/>
+                <a:ea typeface="+mn-ea"/>
+                <a:cs typeface="+mn-cs"/>
+              </a:rPr>
               <a:t> </a:t>
             </a:r>
-            <a:endParaRPr lang="en-US" altLang="en-US" sz="7200" b="1" dirty="0">
+            <a:endParaRPr kumimoji="0" lang="en-US" altLang="en-US" sz="9600" b="1" i="0" u="none" strike="noStrike" kern="1200" cap="none" spc="0" normalizeH="0" baseline="0" noProof="0" dirty="0">
+              <a:ln>
+                <a:noFill/>
+              </a:ln>
+              <a:solidFill>
+                <a:prstClr val="white"/>
+              </a:solidFill>
+              <a:effectLst/>
+              <a:uLnTx/>
+              <a:uFillTx/>
               <a:latin typeface="Arial" panose="020B0604020202020204" pitchFamily="34" charset="0"/>
+              <a:ea typeface="+mn-ea"/>
+              <a:cs typeface="+mn-cs"/>
             </a:endParaRPr>
           </a:p>
           <a:p>
-            <a:pPr algn="ctr"/>
+            <a:pPr marL="0" marR="0" lvl="0" indent="0" algn="ctr" defTabSz="914400" rtl="0" eaLnBrk="1" fontAlgn="auto" latinLnBrk="0" hangingPunct="1">
+              <a:lnSpc>
+                <a:spcPct val="100000"/>
+              </a:lnSpc>
+              <a:spcBef>
+                <a:spcPts val="0"/>
+              </a:spcBef>
+              <a:spcAft>
+                <a:spcPts val="0"/>
+              </a:spcAft>
+              <a:buClrTx/>
+              <a:buSzTx/>
+              <a:buFontTx/>
+              <a:buNone/>
+              <a:tabLst/>
+              <a:defRPr/>
+            </a:pPr>
             <a:br>
-              <a:rPr sz="3867" dirty="0"/>
+              <a:rPr kumimoji="0" sz="4800" b="0" i="0" u="none" strike="noStrike" kern="1200" cap="none" spc="0" normalizeH="0" baseline="0" noProof="0" dirty="0">
+                <a:ln>
+                  <a:noFill/>
+                </a:ln>
+                <a:solidFill>
+                  <a:prstClr val="black"/>
+                </a:solidFill>
+                <a:effectLst/>
+                <a:uLnTx/>
+                <a:uFillTx/>
+                <a:latin typeface="Calibri" panose="020F0502020204030204"/>
+                <a:ea typeface="+mn-ea"/>
+                <a:cs typeface="+mn-cs"/>
+              </a:rPr>
             </a:br>
             <a:r>
-              <a:rPr lang="en-US" sz="4000" b="1" dirty="0">
-                <a:solidFill>
-                  <a:srgbClr val="66FFFF"/>
-                </a:solidFill>
+              <a:rPr kumimoji="0" lang="en-US" sz="5400" b="1" i="0" u="none" strike="noStrike" kern="1200" cap="none" spc="0" normalizeH="0" baseline="0" noProof="0" dirty="0">
+                <a:ln>
+                  <a:noFill/>
+                </a:ln>
+                <a:solidFill>
+                  <a:srgbClr val="FFFF00"/>
+                </a:solidFill>
+                <a:effectLst/>
+                <a:uLnTx/>
+                <a:uFillTx/>
                 <a:latin typeface="Mangal (Body)"/>
+                <a:ea typeface="+mn-ea"/>
                 <a:cs typeface="Mangal" panose="02040503050203030202" pitchFamily="18" charset="0"/>
               </a:rPr>
               <a:t>(</a:t>
             </a:r>
             <a:r>
-              <a:rPr lang="en-US" sz="4000" b="1" dirty="0" err="1">
-                <a:solidFill>
-                  <a:srgbClr val="66FFFF"/>
-                </a:solidFill>
+              <a:rPr kumimoji="0" lang="en-US" sz="5400" b="1" i="0" u="none" strike="noStrike" kern="1200" cap="none" spc="0" normalizeH="0" baseline="0" noProof="0" dirty="0" err="1">
+                <a:ln>
+                  <a:noFill/>
+                </a:ln>
+                <a:solidFill>
+                  <a:srgbClr val="FFFF00"/>
+                </a:solidFill>
+                <a:effectLst/>
+                <a:uLnTx/>
+                <a:uFillTx/>
                 <a:latin typeface="Mangal (Body)"/>
+                <a:ea typeface="+mn-ea"/>
                 <a:cs typeface="Mangal" panose="02040503050203030202" pitchFamily="18" charset="0"/>
               </a:rPr>
               <a:t>yo</a:t>
             </a:r>
             <a:r>
-              <a:rPr lang="en-US" sz="4000" b="1" dirty="0">
-                <a:solidFill>
-                  <a:srgbClr val="66FFFF"/>
-                </a:solidFill>
+              <a:rPr kumimoji="0" lang="en-US" sz="5400" b="1" i="0" u="none" strike="noStrike" kern="1200" cap="none" spc="0" normalizeH="0" baseline="0" noProof="0" dirty="0">
+                <a:ln>
+                  <a:noFill/>
+                </a:ln>
+                <a:solidFill>
+                  <a:srgbClr val="FFFF00"/>
+                </a:solidFill>
+                <a:effectLst/>
+                <a:uLnTx/>
+                <a:uFillTx/>
                 <a:latin typeface="Mangal (Body)"/>
+                <a:ea typeface="+mn-ea"/>
                 <a:cs typeface="Mangal" panose="02040503050203030202" pitchFamily="18" charset="0"/>
               </a:rPr>
               <a:t> </a:t>
             </a:r>
             <a:r>
-              <a:rPr lang="en-US" sz="4000" b="1" dirty="0" err="1">
-                <a:solidFill>
-                  <a:srgbClr val="66FFFF"/>
-                </a:solidFill>
+              <a:rPr kumimoji="0" lang="en-US" sz="5400" b="1" i="0" u="none" strike="noStrike" kern="1200" cap="none" spc="0" normalizeH="0" baseline="0" noProof="0" dirty="0" err="1">
+                <a:ln>
+                  <a:noFill/>
+                </a:ln>
+                <a:solidFill>
+                  <a:srgbClr val="FFFF00"/>
+                </a:solidFill>
+                <a:effectLst/>
+                <a:uLnTx/>
+                <a:uFillTx/>
                 <a:latin typeface="Mangal (Body)"/>
+                <a:ea typeface="+mn-ea"/>
                 <a:cs typeface="Mangal" panose="02040503050203030202" pitchFamily="18" charset="0"/>
               </a:rPr>
               <a:t>pahaaR</a:t>
             </a:r>
             <a:r>
-              <a:rPr lang="en-US" sz="4000" b="1" dirty="0">
-                <a:solidFill>
-                  <a:srgbClr val="66FFFF"/>
-                </a:solidFill>
+              <a:rPr kumimoji="0" lang="en-US" sz="5400" b="1" i="0" u="none" strike="noStrike" kern="1200" cap="none" spc="0" normalizeH="0" baseline="0" noProof="0" dirty="0">
+                <a:ln>
+                  <a:noFill/>
+                </a:ln>
+                <a:solidFill>
+                  <a:srgbClr val="FFFF00"/>
+                </a:solidFill>
+                <a:effectLst/>
+                <a:uLnTx/>
+                <a:uFillTx/>
                 <a:latin typeface="Mangal (Body)"/>
+                <a:ea typeface="+mn-ea"/>
                 <a:cs typeface="Mangal" panose="02040503050203030202" pitchFamily="18" charset="0"/>
               </a:rPr>
               <a:t> </a:t>
             </a:r>
             <a:r>
-              <a:rPr lang="en-US" sz="4000" b="1" dirty="0" err="1">
-                <a:solidFill>
-                  <a:srgbClr val="66FFFF"/>
-                </a:solidFill>
+              <a:rPr kumimoji="0" lang="en-US" sz="5400" b="1" i="0" u="none" strike="noStrike" kern="1200" cap="none" spc="0" normalizeH="0" baseline="0" noProof="0" dirty="0" err="1">
+                <a:ln>
+                  <a:noFill/>
+                </a:ln>
+                <a:solidFill>
+                  <a:srgbClr val="FFFF00"/>
+                </a:solidFill>
+                <a:effectLst/>
+                <a:uLnTx/>
+                <a:uFillTx/>
                 <a:latin typeface="Mangal (Body)"/>
+                <a:ea typeface="+mn-ea"/>
                 <a:cs typeface="Mangal" panose="02040503050203030202" pitchFamily="18" charset="0"/>
               </a:rPr>
               <a:t>haaTi-jaanecha</a:t>
             </a:r>
             <a:r>
-              <a:rPr lang="en-US" sz="4000" b="1" dirty="0">
-                <a:solidFill>
-                  <a:srgbClr val="66FFFF"/>
-                </a:solidFill>
+              <a:rPr kumimoji="0" lang="en-US" sz="5400" b="1" i="0" u="none" strike="noStrike" kern="1200" cap="none" spc="0" normalizeH="0" baseline="0" noProof="0" dirty="0">
+                <a:ln>
+                  <a:noFill/>
+                </a:ln>
+                <a:solidFill>
+                  <a:srgbClr val="FFFF00"/>
+                </a:solidFill>
+                <a:effectLst/>
+                <a:uLnTx/>
+                <a:uFillTx/>
                 <a:latin typeface="Mangal (Body)"/>
+                <a:ea typeface="+mn-ea"/>
                 <a:cs typeface="Mangal" panose="02040503050203030202" pitchFamily="18" charset="0"/>
               </a:rPr>
               <a:t>) </a:t>
             </a:r>
             <a:r>
-              <a:rPr lang="en-US" sz="4000" b="1" i="1" dirty="0">
-                <a:solidFill>
-                  <a:srgbClr val="66FFFF"/>
-                </a:solidFill>
+              <a:rPr kumimoji="0" lang="en-US" sz="5400" b="1" i="1" u="none" strike="noStrike" kern="1200" cap="none" spc="0" normalizeH="0" baseline="0" noProof="0" dirty="0">
+                <a:ln>
+                  <a:noFill/>
+                </a:ln>
+                <a:solidFill>
+                  <a:srgbClr val="FFFF00"/>
+                </a:solidFill>
+                <a:effectLst/>
+                <a:uLnTx/>
+                <a:uFillTx/>
                 <a:latin typeface="Mangal (Body)"/>
+                <a:ea typeface="+mn-ea"/>
                 <a:cs typeface="Mangal" panose="02040503050203030202" pitchFamily="18" charset="0"/>
               </a:rPr>
               <a:t>3</a:t>
             </a:r>
           </a:p>
           <a:p>
-            <a:pPr algn="ctr"/>
-            <a:r>
-              <a:rPr lang="en-US" sz="4000" b="1" dirty="0" err="1">
-                <a:solidFill>
-                  <a:srgbClr val="66FFFF"/>
-                </a:solidFill>
+            <a:pPr marL="0" marR="0" lvl="0" indent="0" algn="ctr" defTabSz="914400" rtl="0" eaLnBrk="1" fontAlgn="auto" latinLnBrk="0" hangingPunct="1">
+              <a:lnSpc>
+                <a:spcPct val="100000"/>
+              </a:lnSpc>
+              <a:spcBef>
+                <a:spcPts val="0"/>
+              </a:spcBef>
+              <a:spcAft>
+                <a:spcPts val="0"/>
+              </a:spcAft>
+              <a:buClrTx/>
+              <a:buSzTx/>
+              <a:buFontTx/>
+              <a:buNone/>
+              <a:tabLst/>
+              <a:defRPr/>
+            </a:pPr>
+            <a:r>
+              <a:rPr kumimoji="0" lang="en-US" sz="5400" b="1" i="0" u="none" strike="noStrike" kern="1200" cap="none" spc="0" normalizeH="0" baseline="0" noProof="0" dirty="0" err="1">
+                <a:ln>
+                  <a:noFill/>
+                </a:ln>
+                <a:solidFill>
+                  <a:srgbClr val="FFFF00"/>
+                </a:solidFill>
+                <a:effectLst/>
+                <a:uLnTx/>
+                <a:uFillTx/>
                 <a:latin typeface="Mangal (Body)"/>
+                <a:ea typeface="+mn-ea"/>
                 <a:cs typeface="Mangal" panose="02040503050203030202" pitchFamily="18" charset="0"/>
               </a:rPr>
               <a:t>prabhu</a:t>
             </a:r>
             <a:r>
-              <a:rPr lang="en-US" sz="4000" b="1" dirty="0">
-                <a:solidFill>
-                  <a:srgbClr val="66FFFF"/>
-                </a:solidFill>
+              <a:rPr kumimoji="0" lang="en-US" sz="5400" b="1" i="0" u="none" strike="noStrike" kern="1200" cap="none" spc="0" normalizeH="0" baseline="0" noProof="0" dirty="0">
+                <a:ln>
+                  <a:noFill/>
+                </a:ln>
+                <a:solidFill>
+                  <a:srgbClr val="FFFF00"/>
+                </a:solidFill>
+                <a:effectLst/>
+                <a:uLnTx/>
+                <a:uFillTx/>
                 <a:latin typeface="Mangal (Body)"/>
+                <a:ea typeface="+mn-ea"/>
                 <a:cs typeface="Mangal" panose="02040503050203030202" pitchFamily="18" charset="0"/>
               </a:rPr>
               <a:t> </a:t>
             </a:r>
             <a:r>
-              <a:rPr lang="en-US" sz="4000" b="1" dirty="0" err="1">
-                <a:solidFill>
-                  <a:srgbClr val="66FFFF"/>
-                </a:solidFill>
+              <a:rPr kumimoji="0" lang="en-US" sz="5400" b="1" i="0" u="none" strike="noStrike" kern="1200" cap="none" spc="0" normalizeH="0" baseline="0" noProof="0" dirty="0" err="1">
+                <a:ln>
+                  <a:noFill/>
+                </a:ln>
+                <a:solidFill>
+                  <a:srgbClr val="FFFF00"/>
+                </a:solidFill>
+                <a:effectLst/>
+                <a:uLnTx/>
+                <a:uFillTx/>
                 <a:latin typeface="Mangal (Body)"/>
+                <a:ea typeface="+mn-ea"/>
                 <a:cs typeface="Mangal" panose="02040503050203030202" pitchFamily="18" charset="0"/>
               </a:rPr>
               <a:t>bhanchan</a:t>
             </a:r>
             <a:r>
-              <a:rPr lang="en-US" sz="4000" b="1" dirty="0">
-                <a:solidFill>
-                  <a:srgbClr val="66FFFF"/>
-                </a:solidFill>
+              <a:rPr kumimoji="0" lang="en-US" sz="5400" b="1" i="0" u="none" strike="noStrike" kern="1200" cap="none" spc="0" normalizeH="0" baseline="0" noProof="0" dirty="0">
+                <a:ln>
+                  <a:noFill/>
+                </a:ln>
+                <a:solidFill>
+                  <a:srgbClr val="FFFF00"/>
+                </a:solidFill>
+                <a:effectLst/>
+                <a:uLnTx/>
+                <a:uFillTx/>
                 <a:latin typeface="Mangal (Body)"/>
+                <a:ea typeface="+mn-ea"/>
                 <a:cs typeface="Mangal" panose="02040503050203030202" pitchFamily="18" charset="0"/>
               </a:rPr>
               <a:t>, mero </a:t>
             </a:r>
             <a:r>
-              <a:rPr lang="en-US" sz="4000" b="1" dirty="0" err="1">
-                <a:solidFill>
-                  <a:srgbClr val="66FFFF"/>
-                </a:solidFill>
+              <a:rPr kumimoji="0" lang="en-US" sz="5400" b="1" i="0" u="none" strike="noStrike" kern="1200" cap="none" spc="0" normalizeH="0" baseline="0" noProof="0" dirty="0" err="1">
+                <a:ln>
+                  <a:noFill/>
+                </a:ln>
+                <a:solidFill>
+                  <a:srgbClr val="FFFF00"/>
+                </a:solidFill>
+                <a:effectLst/>
+                <a:uLnTx/>
+                <a:uFillTx/>
                 <a:latin typeface="Mangal (Body)"/>
+                <a:ea typeface="+mn-ea"/>
                 <a:cs typeface="Mangal" panose="02040503050203030202" pitchFamily="18" charset="0"/>
               </a:rPr>
-              <a:t>aatma</a:t>
-            </a:r>
-            <a:r>
-              <a:rPr lang="en-US" sz="4000" b="1" dirty="0">
-                <a:solidFill>
-                  <a:srgbClr val="66FFFF"/>
-                </a:solidFill>
+              <a:t>aatmaa</a:t>
+            </a:r>
+            <a:r>
+              <a:rPr kumimoji="0" lang="en-US" sz="5400" b="1" i="0" u="none" strike="noStrike" kern="1200" cap="none" spc="0" normalizeH="0" baseline="0" noProof="0" dirty="0">
+                <a:ln>
+                  <a:noFill/>
+                </a:ln>
+                <a:solidFill>
+                  <a:srgbClr val="FFFF00"/>
+                </a:solidFill>
+                <a:effectLst/>
+                <a:uLnTx/>
+                <a:uFillTx/>
                 <a:latin typeface="Mangal (Body)"/>
+                <a:ea typeface="+mn-ea"/>
                 <a:cs typeface="Mangal" panose="02040503050203030202" pitchFamily="18" charset="0"/>
               </a:rPr>
-              <a:t> a-le</a:t>
-            </a:r>
-            <a:endParaRPr lang="en-US" sz="6600" b="1" i="1" dirty="0">
+              <a:t>-le</a:t>
+            </a:r>
+            <a:endParaRPr kumimoji="0" lang="en-US" sz="8800" b="1" i="1" u="none" strike="noStrike" kern="1200" cap="none" spc="0" normalizeH="0" baseline="0" noProof="0" dirty="0">
+              <a:ln>
+                <a:noFill/>
+              </a:ln>
               <a:solidFill>
-                <a:srgbClr val="66FFFF"/>
+                <a:srgbClr val="FFFF00"/>
               </a:solidFill>
+              <a:effectLst/>
+              <a:uLnTx/>
+              <a:uFillTx/>
               <a:latin typeface="Mangal (Body)"/>
               <a:ea typeface="Arial Narrow"/>
               <a:cs typeface="Mangal" panose="02040503050203030202" pitchFamily="18" charset="0"/>
@@ -3820,6 +8106,14 @@
 <file path=ppt/slides/slide4.xml><?xml version="1.0" encoding="utf-8"?>
 <p:sld xmlns:a="http://schemas.openxmlformats.org/drawingml/2006/main" xmlns:r="http://schemas.openxmlformats.org/officeDocument/2006/relationships" xmlns:p="http://schemas.openxmlformats.org/presentationml/2006/main">
   <p:cSld>
+    <p:bg>
+      <p:bgPr>
+        <a:solidFill>
+          <a:schemeClr val="tx1"/>
+        </a:solidFill>
+        <a:effectLst/>
+      </p:bgPr>
+    </p:bg>
     <p:spTree>
       <p:nvGrpSpPr>
         <p:cNvPr id="1" name=""/>
@@ -3842,8 +8136,8 @@
         </p:nvSpPr>
         <p:spPr>
           <a:xfrm>
-            <a:off x="5363591" y="248668"/>
-            <a:ext cx="637996" cy="288477"/>
+            <a:off x="5546694" y="1043703"/>
+            <a:ext cx="477294" cy="216453"/>
           </a:xfrm>
           <a:prstGeom prst="rect">
             <a:avLst/>
@@ -3858,7 +8152,7 @@
           </a:extLst>
         </p:spPr>
         <p:txBody>
-          <a:bodyPr wrap="none" lIns="35719" tIns="35719" rIns="35719" bIns="35719" anchor="ctr">
+          <a:bodyPr wrap="none" lIns="26789" tIns="26789" rIns="26789" bIns="26789" anchor="ctr">
             <a:spAutoFit/>
           </a:bodyPr>
           <a:lstStyle>
@@ -3872,8 +8166,37 @@
             </a:lvl1pPr>
           </a:lstStyle>
           <a:p>
-            <a:r>
-              <a:rPr sz="1406"/>
+            <a:pPr marL="0" marR="0" lvl="0" indent="0" algn="l" defTabSz="457200" rtl="0" eaLnBrk="1" fontAlgn="auto" latinLnBrk="0" hangingPunct="1">
+              <a:lnSpc>
+                <a:spcPct val="100000"/>
+              </a:lnSpc>
+              <a:spcBef>
+                <a:spcPts val="0"/>
+              </a:spcBef>
+              <a:spcAft>
+                <a:spcPts val="0"/>
+              </a:spcAft>
+              <a:buClrTx/>
+              <a:buSzTx/>
+              <a:buFontTx/>
+              <a:buNone/>
+              <a:tabLst/>
+              <a:defRPr/>
+            </a:pPr>
+            <a:r>
+              <a:rPr kumimoji="0" sz="1055" b="1" i="1" u="none" strike="noStrike" kern="1200" cap="none" spc="0" normalizeH="0" baseline="0" noProof="0">
+                <a:ln>
+                  <a:noFill/>
+                </a:ln>
+                <a:solidFill>
+                  <a:prstClr val="black"/>
+                </a:solidFill>
+                <a:effectLst/>
+                <a:uLnTx/>
+                <a:uFillTx/>
+                <a:latin typeface="Arial Narrow"/>
+                <a:sym typeface="Arial Narrow"/>
+              </a:rPr>
               <a:t>Chorus:</a:t>
             </a:r>
           </a:p>
@@ -3887,8 +8210,8 @@
         </p:nvSpPr>
         <p:spPr>
           <a:xfrm>
-            <a:off x="1093218" y="1967955"/>
-            <a:ext cx="10592644" cy="3386441"/>
+            <a:off x="290247" y="1401401"/>
+            <a:ext cx="11467482" cy="4055197"/>
           </a:xfrm>
           <a:prstGeom prst="rect">
             <a:avLst/>
@@ -3903,98 +8226,248 @@
           </a:extLst>
         </p:spPr>
         <p:txBody>
-          <a:bodyPr wrap="none" lIns="35719" tIns="35719" rIns="35719" bIns="35719" anchor="ctr">
+          <a:bodyPr wrap="none" lIns="26789" tIns="26789" rIns="26789" bIns="26789" anchor="ctr">
             <a:spAutoFit/>
           </a:bodyPr>
           <a:lstStyle/>
           <a:p>
-            <a:pPr lvl="0" algn="ctr" defTabSz="914400" eaLnBrk="0" fontAlgn="base" hangingPunct="0">
+            <a:pPr marL="0" marR="0" lvl="0" indent="0" algn="ctr" defTabSz="685797" rtl="0" eaLnBrk="0" fontAlgn="base" latinLnBrk="0" hangingPunct="1">
+              <a:lnSpc>
+                <a:spcPct val="100000"/>
+              </a:lnSpc>
               <a:spcBef>
                 <a:spcPct val="0"/>
               </a:spcBef>
               <a:spcAft>
                 <a:spcPct val="0"/>
               </a:spcAft>
+              <a:buClrTx/>
+              <a:buSzTx/>
+              <a:buFontTx/>
+              <a:buNone/>
+              <a:tabLst/>
+              <a:defRPr/>
             </a:pPr>
             <a:r>
-              <a:rPr lang="hi-IN" altLang="en-US" sz="4000" b="1" dirty="0">
+              <a:rPr kumimoji="0" lang="hi-IN" altLang="en-US" sz="5400" b="1" i="0" u="none" strike="noStrike" kern="1200" cap="none" spc="0" normalizeH="0" baseline="0" noProof="0" dirty="0">
+                <a:ln>
+                  <a:noFill/>
+                </a:ln>
+                <a:solidFill>
+                  <a:prstClr val="white"/>
+                </a:solidFill>
+                <a:effectLst/>
+                <a:uLnTx/>
+                <a:uFillTx/>
                 <a:latin typeface="Arial Unicode MS"/>
+                <a:ea typeface="+mn-ea"/>
+                <a:cs typeface="Mangal" panose="02040503050203030202" pitchFamily="18" charset="0"/>
               </a:rPr>
               <a:t>न ता बलले न शक्तिले</a:t>
             </a:r>
             <a:r>
-              <a:rPr lang="en-US" altLang="en-US" sz="4000" b="1" dirty="0">
+              <a:rPr kumimoji="0" lang="en-US" altLang="en-US" sz="5400" b="1" i="0" u="none" strike="noStrike" kern="1200" cap="none" spc="0" normalizeH="0" baseline="0" noProof="0" dirty="0">
+                <a:ln>
+                  <a:noFill/>
+                </a:ln>
+                <a:solidFill>
+                  <a:prstClr val="white"/>
+                </a:solidFill>
+                <a:effectLst/>
+                <a:uLnTx/>
+                <a:uFillTx/>
                 <a:latin typeface="Arial Unicode MS"/>
+                <a:ea typeface="+mn-ea"/>
                 <a:cs typeface="Mangal" panose="02040503050203030202" pitchFamily="18" charset="0"/>
               </a:rPr>
               <a:t>,</a:t>
             </a:r>
           </a:p>
           <a:p>
-            <a:pPr lvl="0" algn="ctr" defTabSz="914400" eaLnBrk="0" fontAlgn="base" hangingPunct="0">
+            <a:pPr marL="0" marR="0" lvl="0" indent="0" algn="ctr" defTabSz="685797" rtl="0" eaLnBrk="0" fontAlgn="base" latinLnBrk="0" hangingPunct="1">
+              <a:lnSpc>
+                <a:spcPct val="100000"/>
+              </a:lnSpc>
               <a:spcBef>
                 <a:spcPct val="0"/>
               </a:spcBef>
               <a:spcAft>
                 <a:spcPct val="0"/>
               </a:spcAft>
+              <a:buClrTx/>
+              <a:buSzTx/>
+              <a:buFontTx/>
+              <a:buNone/>
+              <a:tabLst/>
+              <a:defRPr/>
             </a:pPr>
             <a:r>
-              <a:rPr lang="en-US" altLang="en-US" sz="4000" b="1" dirty="0">
+              <a:rPr kumimoji="0" lang="en-US" altLang="en-US" sz="5400" b="1" i="0" u="none" strike="noStrike" kern="1200" cap="none" spc="0" normalizeH="0" baseline="0" noProof="0" dirty="0">
+                <a:ln>
+                  <a:noFill/>
+                </a:ln>
+                <a:solidFill>
+                  <a:prstClr val="white"/>
+                </a:solidFill>
+                <a:effectLst/>
+                <a:uLnTx/>
+                <a:uFillTx/>
                 <a:latin typeface="Arial Unicode MS"/>
+                <a:ea typeface="+mn-ea"/>
                 <a:cs typeface="Mangal" panose="02040503050203030202" pitchFamily="18" charset="0"/>
               </a:rPr>
               <a:t> </a:t>
             </a:r>
             <a:r>
-              <a:rPr lang="hi-IN" altLang="en-US" sz="4000" b="1" dirty="0">
+              <a:rPr kumimoji="0" lang="hi-IN" altLang="en-US" sz="5400" b="1" i="0" u="none" strike="noStrike" kern="1200" cap="none" spc="0" normalizeH="0" baseline="0" noProof="0" dirty="0">
+                <a:ln>
+                  <a:noFill/>
+                </a:ln>
+                <a:solidFill>
+                  <a:prstClr val="white"/>
+                </a:solidFill>
+                <a:effectLst/>
+                <a:uLnTx/>
+                <a:uFillTx/>
                 <a:latin typeface="Arial Unicode MS"/>
+                <a:ea typeface="+mn-ea"/>
+                <a:cs typeface="Mangal" panose="02040503050203030202" pitchFamily="18" charset="0"/>
               </a:rPr>
               <a:t>प्रभु भन्छन्‌</a:t>
             </a:r>
             <a:r>
-              <a:rPr lang="en-US" altLang="en-US" sz="4000" b="1" dirty="0">
+              <a:rPr kumimoji="0" lang="en-US" altLang="en-US" sz="5400" b="1" i="0" u="none" strike="noStrike" kern="1200" cap="none" spc="0" normalizeH="0" baseline="0" noProof="0" dirty="0">
+                <a:ln>
+                  <a:noFill/>
+                </a:ln>
+                <a:solidFill>
+                  <a:prstClr val="white"/>
+                </a:solidFill>
+                <a:effectLst/>
+                <a:uLnTx/>
+                <a:uFillTx/>
                 <a:latin typeface="Arial Unicode MS"/>
+                <a:ea typeface="+mn-ea"/>
                 <a:cs typeface="Mangal" panose="02040503050203030202" pitchFamily="18" charset="0"/>
               </a:rPr>
               <a:t>, </a:t>
             </a:r>
             <a:r>
-              <a:rPr lang="hi-IN" altLang="en-US" sz="4000" b="1" dirty="0">
+              <a:rPr kumimoji="0" lang="hi-IN" altLang="en-US" sz="5400" b="1" i="0" u="none" strike="noStrike" kern="1200" cap="none" spc="0" normalizeH="0" baseline="0" noProof="0" dirty="0">
+                <a:ln>
+                  <a:noFill/>
+                </a:ln>
+                <a:solidFill>
+                  <a:prstClr val="white"/>
+                </a:solidFill>
+                <a:effectLst/>
+                <a:uLnTx/>
+                <a:uFillTx/>
                 <a:latin typeface="Arial Unicode MS"/>
+                <a:ea typeface="+mn-ea"/>
+                <a:cs typeface="Mangal" panose="02040503050203030202" pitchFamily="18" charset="0"/>
               </a:rPr>
               <a:t>मेरो आत्माले </a:t>
             </a:r>
             <a:r>
-              <a:rPr lang="en-US" altLang="en-US" sz="4000" b="1" dirty="0">
+              <a:rPr kumimoji="0" lang="en-US" altLang="en-US" sz="5400" b="1" i="0" u="none" strike="noStrike" kern="1200" cap="none" spc="0" normalizeH="0" baseline="0" noProof="0" dirty="0">
+                <a:ln>
+                  <a:noFill/>
+                </a:ln>
+                <a:solidFill>
+                  <a:prstClr val="white"/>
+                </a:solidFill>
+                <a:effectLst/>
+                <a:uLnTx/>
+                <a:uFillTx/>
                 <a:latin typeface="Arial Unicode MS"/>
+                <a:ea typeface="+mn-ea"/>
                 <a:cs typeface="Mangal" panose="02040503050203030202" pitchFamily="18" charset="0"/>
               </a:rPr>
               <a:t>(</a:t>
             </a:r>
             <a:r>
-              <a:rPr lang="hi-IN" altLang="en-US" sz="4000" b="1" dirty="0">
+              <a:rPr kumimoji="0" lang="hi-IN" altLang="en-US" sz="5400" b="1" i="0" u="none" strike="noStrike" kern="1200" cap="none" spc="0" normalizeH="0" baseline="0" noProof="0" dirty="0">
+                <a:ln>
+                  <a:noFill/>
+                </a:ln>
+                <a:solidFill>
+                  <a:prstClr val="white"/>
+                </a:solidFill>
+                <a:effectLst/>
+                <a:uLnTx/>
+                <a:uFillTx/>
                 <a:latin typeface="Arial Unicode MS"/>
+                <a:ea typeface="+mn-ea"/>
+                <a:cs typeface="Mangal" panose="02040503050203030202" pitchFamily="18" charset="0"/>
               </a:rPr>
               <a:t>२</a:t>
             </a:r>
             <a:r>
-              <a:rPr lang="en-US" altLang="en-US" sz="4000" b="1" dirty="0">
+              <a:rPr kumimoji="0" lang="en-US" altLang="en-US" sz="5400" b="1" i="0" u="none" strike="noStrike" kern="1200" cap="none" spc="0" normalizeH="0" baseline="0" noProof="0" dirty="0">
+                <a:ln>
+                  <a:noFill/>
+                </a:ln>
+                <a:solidFill>
+                  <a:prstClr val="white"/>
+                </a:solidFill>
+                <a:effectLst/>
+                <a:uLnTx/>
+                <a:uFillTx/>
                 <a:latin typeface="Arial Unicode MS"/>
+                <a:ea typeface="+mn-ea"/>
                 <a:cs typeface="Mangal" panose="02040503050203030202" pitchFamily="18" charset="0"/>
               </a:rPr>
               <a:t>)</a:t>
             </a:r>
             <a:r>
-              <a:rPr lang="en-US" altLang="en-US" sz="4800" b="1" dirty="0"/>
+              <a:rPr kumimoji="0" lang="en-US" altLang="en-US" sz="6600" b="1" i="0" u="none" strike="noStrike" kern="1200" cap="none" spc="0" normalizeH="0" baseline="0" noProof="0" dirty="0">
+                <a:ln>
+                  <a:noFill/>
+                </a:ln>
+                <a:solidFill>
+                  <a:prstClr val="white"/>
+                </a:solidFill>
+                <a:effectLst/>
+                <a:uLnTx/>
+                <a:uFillTx/>
+                <a:latin typeface="Calibri" panose="020F0502020204030204"/>
+                <a:ea typeface="+mn-ea"/>
+                <a:cs typeface="+mn-cs"/>
+              </a:rPr>
               <a:t> </a:t>
             </a:r>
-            <a:endParaRPr lang="en-US" altLang="en-US" sz="7200" b="1" dirty="0">
+            <a:endParaRPr kumimoji="0" lang="en-US" altLang="en-US" sz="9600" b="1" i="0" u="none" strike="noStrike" kern="1200" cap="none" spc="0" normalizeH="0" baseline="0" noProof="0" dirty="0">
+              <a:ln>
+                <a:noFill/>
+              </a:ln>
+              <a:solidFill>
+                <a:prstClr val="white"/>
+              </a:solidFill>
+              <a:effectLst/>
+              <a:uLnTx/>
+              <a:uFillTx/>
               <a:latin typeface="Arial" panose="020B0604020202020204" pitchFamily="34" charset="0"/>
+              <a:ea typeface="+mn-ea"/>
+              <a:cs typeface="+mn-cs"/>
             </a:endParaRPr>
           </a:p>
           <a:p>
-            <a:pPr defTabSz="321457">
+            <a:pPr marL="0" marR="0" lvl="0" indent="0" algn="ctr" defTabSz="241092" rtl="0" eaLnBrk="1" fontAlgn="auto" latinLnBrk="0" hangingPunct="1">
+              <a:lnSpc>
+                <a:spcPct val="100000"/>
+              </a:lnSpc>
+              <a:spcBef>
+                <a:spcPts val="0"/>
+              </a:spcBef>
+              <a:spcAft>
+                <a:spcPts val="0"/>
+              </a:spcAft>
+              <a:buClrTx/>
+              <a:buSzTx/>
+              <a:buFontTx/>
+              <a:buNone/>
+              <a:tabLst/>
               <a:defRPr sz="5600" b="1">
                 <a:latin typeface="Arial"/>
                 <a:ea typeface="Arial"/>
@@ -4002,7 +8475,16 @@
                 <a:sym typeface="Arial"/>
               </a:defRPr>
             </a:pPr>
-            <a:endParaRPr sz="3937" dirty="0">
+            <a:endParaRPr kumimoji="0" sz="4400" b="1" i="0" u="none" strike="noStrike" kern="1200" cap="none" spc="0" normalizeH="0" baseline="0" noProof="0" dirty="0">
+              <a:ln>
+                <a:noFill/>
+              </a:ln>
+              <a:solidFill>
+                <a:prstClr val="black"/>
+              </a:solidFill>
+              <a:effectLst/>
+              <a:uLnTx/>
+              <a:uFillTx/>
               <a:latin typeface="Arial"/>
               <a:ea typeface="Arial"/>
               <a:cs typeface="Arial"/>
@@ -4010,96 +8492,191 @@
             </a:endParaRPr>
           </a:p>
           <a:p>
-            <a:pPr algn="ctr"/>
-            <a:r>
-              <a:rPr lang="en-US" sz="4400" b="1" dirty="0">
-                <a:solidFill>
-                  <a:srgbClr val="66FFFF"/>
-                </a:solidFill>
+            <a:pPr marL="0" marR="0" lvl="0" indent="0" algn="ctr" defTabSz="914400" rtl="0" eaLnBrk="1" fontAlgn="auto" latinLnBrk="0" hangingPunct="1">
+              <a:lnSpc>
+                <a:spcPct val="100000"/>
+              </a:lnSpc>
+              <a:spcBef>
+                <a:spcPts val="0"/>
+              </a:spcBef>
+              <a:spcAft>
+                <a:spcPts val="0"/>
+              </a:spcAft>
+              <a:buClrTx/>
+              <a:buSzTx/>
+              <a:buFontTx/>
+              <a:buNone/>
+              <a:tabLst/>
+              <a:defRPr/>
+            </a:pPr>
+            <a:r>
+              <a:rPr kumimoji="0" lang="en-US" sz="4800" b="1" i="0" u="none" strike="noStrike" kern="1200" cap="none" spc="0" normalizeH="0" baseline="0" noProof="0" dirty="0">
+                <a:ln>
+                  <a:noFill/>
+                </a:ln>
+                <a:solidFill>
+                  <a:srgbClr val="FFFF00"/>
+                </a:solidFill>
+                <a:effectLst/>
+                <a:uLnTx/>
+                <a:uFillTx/>
                 <a:latin typeface="Mangal (Body)"/>
+                <a:ea typeface="+mn-ea"/>
                 <a:cs typeface="Mangal" panose="02040503050203030202" pitchFamily="18" charset="0"/>
               </a:rPr>
               <a:t>(</a:t>
             </a:r>
             <a:r>
-              <a:rPr lang="en-US" sz="4400" b="1" dirty="0" err="1">
-                <a:solidFill>
-                  <a:srgbClr val="66FFFF"/>
-                </a:solidFill>
+              <a:rPr kumimoji="0" lang="en-US" sz="4800" b="1" i="0" u="none" strike="noStrike" kern="1200" cap="none" spc="0" normalizeH="0" baseline="0" noProof="0" dirty="0" err="1">
+                <a:ln>
+                  <a:noFill/>
+                </a:ln>
+                <a:solidFill>
+                  <a:srgbClr val="FFFF00"/>
+                </a:solidFill>
+                <a:effectLst/>
+                <a:uLnTx/>
+                <a:uFillTx/>
                 <a:latin typeface="Mangal (Body)"/>
+                <a:ea typeface="+mn-ea"/>
                 <a:cs typeface="Mangal" panose="02040503050203030202" pitchFamily="18" charset="0"/>
               </a:rPr>
               <a:t>na</a:t>
             </a:r>
             <a:r>
-              <a:rPr lang="en-US" sz="4400" b="1" dirty="0">
-                <a:solidFill>
-                  <a:srgbClr val="66FFFF"/>
-                </a:solidFill>
+              <a:rPr kumimoji="0" lang="en-US" sz="4800" b="1" i="0" u="none" strike="noStrike" kern="1200" cap="none" spc="0" normalizeH="0" baseline="0" noProof="0" dirty="0">
+                <a:ln>
+                  <a:noFill/>
+                </a:ln>
+                <a:solidFill>
+                  <a:srgbClr val="FFFF00"/>
+                </a:solidFill>
+                <a:effectLst/>
+                <a:uLnTx/>
+                <a:uFillTx/>
                 <a:latin typeface="Mangal (Body)"/>
+                <a:ea typeface="+mn-ea"/>
                 <a:cs typeface="Mangal" panose="02040503050203030202" pitchFamily="18" charset="0"/>
               </a:rPr>
               <a:t> ta </a:t>
             </a:r>
             <a:r>
-              <a:rPr lang="en-US" sz="4400" b="1" dirty="0" err="1">
-                <a:solidFill>
-                  <a:srgbClr val="66FFFF"/>
-                </a:solidFill>
+              <a:rPr kumimoji="0" lang="en-US" sz="4800" b="1" i="0" u="none" strike="noStrike" kern="1200" cap="none" spc="0" normalizeH="0" baseline="0" noProof="0" dirty="0" err="1">
+                <a:ln>
+                  <a:noFill/>
+                </a:ln>
+                <a:solidFill>
+                  <a:srgbClr val="FFFF00"/>
+                </a:solidFill>
+                <a:effectLst/>
+                <a:uLnTx/>
+                <a:uFillTx/>
                 <a:latin typeface="Mangal (Body)"/>
+                <a:ea typeface="+mn-ea"/>
                 <a:cs typeface="Mangal" panose="02040503050203030202" pitchFamily="18" charset="0"/>
               </a:rPr>
               <a:t>bal</a:t>
             </a:r>
             <a:r>
-              <a:rPr lang="en-US" sz="4400" b="1" dirty="0">
-                <a:solidFill>
-                  <a:srgbClr val="66FFFF"/>
-                </a:solidFill>
+              <a:rPr kumimoji="0" lang="en-US" sz="4800" b="1" i="0" u="none" strike="noStrike" kern="1200" cap="none" spc="0" normalizeH="0" baseline="0" noProof="0" dirty="0">
+                <a:ln>
+                  <a:noFill/>
+                </a:ln>
+                <a:solidFill>
+                  <a:srgbClr val="FFFF00"/>
+                </a:solidFill>
+                <a:effectLst/>
+                <a:uLnTx/>
+                <a:uFillTx/>
                 <a:latin typeface="Mangal (Body)"/>
+                <a:ea typeface="+mn-ea"/>
                 <a:cs typeface="Mangal" panose="02040503050203030202" pitchFamily="18" charset="0"/>
               </a:rPr>
               <a:t>-le </a:t>
             </a:r>
             <a:r>
-              <a:rPr lang="en-US" sz="4400" b="1" dirty="0" err="1">
-                <a:solidFill>
-                  <a:srgbClr val="66FFFF"/>
-                </a:solidFill>
+              <a:rPr kumimoji="0" lang="en-US" sz="4800" b="1" i="0" u="none" strike="noStrike" kern="1200" cap="none" spc="0" normalizeH="0" baseline="0" noProof="0" dirty="0" err="1">
+                <a:ln>
+                  <a:noFill/>
+                </a:ln>
+                <a:solidFill>
+                  <a:srgbClr val="FFFF00"/>
+                </a:solidFill>
+                <a:effectLst/>
+                <a:uLnTx/>
+                <a:uFillTx/>
                 <a:latin typeface="Mangal (Body)"/>
+                <a:ea typeface="+mn-ea"/>
                 <a:cs typeface="Mangal" panose="02040503050203030202" pitchFamily="18" charset="0"/>
               </a:rPr>
               <a:t>na</a:t>
             </a:r>
             <a:r>
-              <a:rPr lang="en-US" sz="4400" b="1" dirty="0">
-                <a:solidFill>
-                  <a:srgbClr val="66FFFF"/>
-                </a:solidFill>
+              <a:rPr kumimoji="0" lang="en-US" sz="4800" b="1" i="0" u="none" strike="noStrike" kern="1200" cap="none" spc="0" normalizeH="0" baseline="0" noProof="0" dirty="0">
+                <a:ln>
+                  <a:noFill/>
+                </a:ln>
+                <a:solidFill>
+                  <a:srgbClr val="FFFF00"/>
+                </a:solidFill>
+                <a:effectLst/>
+                <a:uLnTx/>
+                <a:uFillTx/>
                 <a:latin typeface="Mangal (Body)"/>
+                <a:ea typeface="+mn-ea"/>
                 <a:cs typeface="Mangal" panose="02040503050203030202" pitchFamily="18" charset="0"/>
               </a:rPr>
               <a:t> shakti-le</a:t>
             </a:r>
           </a:p>
           <a:p>
-            <a:pPr algn="ctr"/>
-            <a:r>
-              <a:rPr lang="it-IT" sz="4400" b="1" dirty="0">
-                <a:solidFill>
-                  <a:srgbClr val="66FFFF"/>
-                </a:solidFill>
+            <a:pPr marL="0" marR="0" lvl="0" indent="0" algn="ctr" defTabSz="914400" rtl="0" eaLnBrk="1" fontAlgn="auto" latinLnBrk="0" hangingPunct="1">
+              <a:lnSpc>
+                <a:spcPct val="100000"/>
+              </a:lnSpc>
+              <a:spcBef>
+                <a:spcPts val="0"/>
+              </a:spcBef>
+              <a:spcAft>
+                <a:spcPts val="0"/>
+              </a:spcAft>
+              <a:buClrTx/>
+              <a:buSzTx/>
+              <a:buFontTx/>
+              <a:buNone/>
+              <a:tabLst/>
+              <a:defRPr/>
+            </a:pPr>
+            <a:r>
+              <a:rPr kumimoji="0" lang="it-IT" sz="4800" b="1" i="0" u="none" strike="noStrike" kern="1200" cap="none" spc="0" normalizeH="0" baseline="0" noProof="0" dirty="0">
+                <a:ln>
+                  <a:noFill/>
+                </a:ln>
+                <a:solidFill>
+                  <a:srgbClr val="FFFF00"/>
+                </a:solidFill>
+                <a:effectLst/>
+                <a:uLnTx/>
+                <a:uFillTx/>
                 <a:latin typeface="Mangal (Body)"/>
+                <a:ea typeface="+mn-ea"/>
                 <a:cs typeface="Mangal" panose="02040503050203030202" pitchFamily="18" charset="0"/>
               </a:rPr>
               <a:t>prabhu bhanchan, mero aatmaa-le) </a:t>
             </a:r>
             <a:r>
-              <a:rPr lang="it-IT" sz="4400" b="1" i="1" dirty="0">
-                <a:solidFill>
-                  <a:srgbClr val="66FFFF"/>
-                </a:solidFill>
+              <a:rPr kumimoji="0" lang="it-IT" sz="4800" b="1" i="1" u="none" strike="noStrike" kern="1200" cap="none" spc="0" normalizeH="0" baseline="0" noProof="0" dirty="0">
+                <a:ln>
+                  <a:noFill/>
+                </a:ln>
+                <a:solidFill>
+                  <a:srgbClr val="FFFF00"/>
+                </a:solidFill>
+                <a:effectLst/>
+                <a:uLnTx/>
+                <a:uFillTx/>
                 <a:latin typeface="Mangal (Body)"/>
+                <a:ea typeface="+mn-ea"/>
                 <a:cs typeface="Mangal" panose="02040503050203030202" pitchFamily="18" charset="0"/>
               </a:rPr>
               <a:t>2</a:t>
@@ -4135,6 +8712,14 @@
 <file path=ppt/slides/slide5.xml><?xml version="1.0" encoding="utf-8"?>
 <p:sld xmlns:a="http://schemas.openxmlformats.org/drawingml/2006/main" xmlns:r="http://schemas.openxmlformats.org/officeDocument/2006/relationships" xmlns:p="http://schemas.openxmlformats.org/presentationml/2006/main">
   <p:cSld>
+    <p:bg>
+      <p:bgPr>
+        <a:solidFill>
+          <a:schemeClr val="tx1"/>
+        </a:solidFill>
+        <a:effectLst/>
+      </p:bgPr>
+    </p:bg>
     <p:spTree>
       <p:nvGrpSpPr>
         <p:cNvPr id="1" name=""/>
@@ -4157,8 +8742,8 @@
         </p:nvSpPr>
         <p:spPr>
           <a:xfrm>
-            <a:off x="5363591" y="248668"/>
-            <a:ext cx="637996" cy="288477"/>
+            <a:off x="5546694" y="1043703"/>
+            <a:ext cx="477294" cy="216453"/>
           </a:xfrm>
           <a:prstGeom prst="rect">
             <a:avLst/>
@@ -4173,7 +8758,7 @@
           </a:extLst>
         </p:spPr>
         <p:txBody>
-          <a:bodyPr wrap="none" lIns="35719" tIns="35719" rIns="35719" bIns="35719" anchor="ctr">
+          <a:bodyPr wrap="none" lIns="26789" tIns="26789" rIns="26789" bIns="26789" anchor="ctr">
             <a:spAutoFit/>
           </a:bodyPr>
           <a:lstStyle>
@@ -4187,8 +8772,37 @@
             </a:lvl1pPr>
           </a:lstStyle>
           <a:p>
-            <a:r>
-              <a:rPr sz="1406"/>
+            <a:pPr marL="0" marR="0" lvl="0" indent="0" algn="l" defTabSz="457200" rtl="0" eaLnBrk="1" fontAlgn="auto" latinLnBrk="0" hangingPunct="1">
+              <a:lnSpc>
+                <a:spcPct val="100000"/>
+              </a:lnSpc>
+              <a:spcBef>
+                <a:spcPts val="0"/>
+              </a:spcBef>
+              <a:spcAft>
+                <a:spcPts val="0"/>
+              </a:spcAft>
+              <a:buClrTx/>
+              <a:buSzTx/>
+              <a:buFontTx/>
+              <a:buNone/>
+              <a:tabLst/>
+              <a:defRPr/>
+            </a:pPr>
+            <a:r>
+              <a:rPr kumimoji="0" sz="1055" b="1" i="1" u="none" strike="noStrike" kern="1200" cap="none" spc="0" normalizeH="0" baseline="0" noProof="0">
+                <a:ln>
+                  <a:noFill/>
+                </a:ln>
+                <a:solidFill>
+                  <a:prstClr val="black"/>
+                </a:solidFill>
+                <a:effectLst/>
+                <a:uLnTx/>
+                <a:uFillTx/>
+                <a:latin typeface="Arial Narrow"/>
+                <a:sym typeface="Arial Narrow"/>
+              </a:rPr>
               <a:t>Chorus:</a:t>
             </a:r>
           </a:p>
@@ -4202,8 +8816,8 @@
         </p:nvSpPr>
         <p:spPr>
           <a:xfrm>
-            <a:off x="2517071" y="2037203"/>
-            <a:ext cx="8992847" cy="3247941"/>
+            <a:off x="-93673" y="1425339"/>
+            <a:ext cx="12235321" cy="4393751"/>
           </a:xfrm>
           <a:prstGeom prst="rect">
             <a:avLst/>
@@ -4218,12 +8832,26 @@
           </a:extLst>
         </p:spPr>
         <p:txBody>
-          <a:bodyPr wrap="none" lIns="35719" tIns="35719" rIns="35719" bIns="35719" anchor="ctr">
+          <a:bodyPr wrap="none" lIns="26789" tIns="26789" rIns="26789" bIns="26789" anchor="ctr">
             <a:spAutoFit/>
           </a:bodyPr>
           <a:lstStyle/>
           <a:p>
-            <a:pPr algn="ctr" defTabSz="321457">
+            <a:pPr marL="0" marR="0" lvl="0" indent="0" algn="ctr" defTabSz="241092" rtl="0" eaLnBrk="1" fontAlgn="auto" latinLnBrk="0" hangingPunct="1">
+              <a:lnSpc>
+                <a:spcPct val="100000"/>
+              </a:lnSpc>
+              <a:spcBef>
+                <a:spcPts val="0"/>
+              </a:spcBef>
+              <a:spcAft>
+                <a:spcPts val="0"/>
+              </a:spcAft>
+              <a:buClrTx/>
+              <a:buSzTx/>
+              <a:buFontTx/>
+              <a:buNone/>
+              <a:tabLst/>
               <a:defRPr sz="5600" b="1">
                 <a:latin typeface="Arial"/>
                 <a:ea typeface="Arial"/>
@@ -4232,36 +8860,90 @@
               </a:defRPr>
             </a:pPr>
             <a:r>
-              <a:rPr lang="hi-IN" altLang="en-US" sz="4000" dirty="0">
+              <a:rPr kumimoji="0" lang="hi-IN" altLang="en-US" sz="5400" b="1" i="0" u="none" strike="noStrike" kern="1200" cap="none" spc="0" normalizeH="0" baseline="0" noProof="0" dirty="0">
+                <a:ln>
+                  <a:noFill/>
+                </a:ln>
+                <a:solidFill>
+                  <a:prstClr val="white"/>
+                </a:solidFill>
+                <a:effectLst/>
+                <a:uLnTx/>
+                <a:uFillTx/>
                 <a:latin typeface="Arial Unicode MS"/>
                 <a:cs typeface="Mangal" panose="02040503050203030202" pitchFamily="18" charset="0"/>
+                <a:sym typeface="Arial"/>
               </a:rPr>
               <a:t>यो आँधी थामिनेछ </a:t>
             </a:r>
             <a:r>
-              <a:rPr lang="en-US" altLang="en-US" sz="4000" dirty="0">
+              <a:rPr kumimoji="0" lang="en-US" altLang="en-US" sz="5400" b="1" i="0" u="none" strike="noStrike" kern="1200" cap="none" spc="0" normalizeH="0" baseline="0" noProof="0" dirty="0">
+                <a:ln>
+                  <a:noFill/>
+                </a:ln>
+                <a:solidFill>
+                  <a:prstClr val="white"/>
+                </a:solidFill>
+                <a:effectLst/>
+                <a:uLnTx/>
+                <a:uFillTx/>
                 <a:latin typeface="Arial Unicode MS"/>
                 <a:cs typeface="Mangal" panose="02040503050203030202" pitchFamily="18" charset="0"/>
+                <a:sym typeface="Arial"/>
               </a:rPr>
               <a:t>(</a:t>
             </a:r>
             <a:r>
-              <a:rPr lang="hi-IN" altLang="en-US" sz="4000" dirty="0">
+              <a:rPr kumimoji="0" lang="hi-IN" altLang="en-US" sz="5400" b="1" i="0" u="none" strike="noStrike" kern="1200" cap="none" spc="0" normalizeH="0" baseline="0" noProof="0" dirty="0">
+                <a:ln>
+                  <a:noFill/>
+                </a:ln>
+                <a:solidFill>
+                  <a:prstClr val="white"/>
+                </a:solidFill>
+                <a:effectLst/>
+                <a:uLnTx/>
+                <a:uFillTx/>
                 <a:latin typeface="Arial Unicode MS"/>
                 <a:cs typeface="Mangal" panose="02040503050203030202" pitchFamily="18" charset="0"/>
+                <a:sym typeface="Arial"/>
               </a:rPr>
               <a:t>३</a:t>
             </a:r>
             <a:r>
-              <a:rPr lang="en-US" altLang="en-US" sz="4000" dirty="0">
+              <a:rPr kumimoji="0" lang="en-US" altLang="en-US" sz="5400" b="1" i="0" u="none" strike="noStrike" kern="1200" cap="none" spc="0" normalizeH="0" baseline="0" noProof="0" dirty="0">
+                <a:ln>
+                  <a:noFill/>
+                </a:ln>
+                <a:solidFill>
+                  <a:prstClr val="white"/>
+                </a:solidFill>
+                <a:effectLst/>
+                <a:uLnTx/>
+                <a:uFillTx/>
                 <a:latin typeface="Arial Unicode MS"/>
                 <a:cs typeface="Mangal" panose="02040503050203030202" pitchFamily="18" charset="0"/>
+                <a:sym typeface="Arial"/>
               </a:rPr>
               <a:t>) </a:t>
             </a:r>
           </a:p>
           <a:p>
-            <a:pPr algn="ctr" defTabSz="321457">
+            <a:pPr marL="0" marR="0" lvl="0" indent="0" algn="ctr" defTabSz="241092" rtl="0" eaLnBrk="1" fontAlgn="auto" latinLnBrk="0" hangingPunct="1">
+              <a:lnSpc>
+                <a:spcPct val="100000"/>
+              </a:lnSpc>
+              <a:spcBef>
+                <a:spcPts val="0"/>
+              </a:spcBef>
+              <a:spcAft>
+                <a:spcPts val="0"/>
+              </a:spcAft>
+              <a:buClrTx/>
+              <a:buSzTx/>
+              <a:buFontTx/>
+              <a:buNone/>
+              <a:tabLst/>
               <a:defRPr sz="5600" b="1">
                 <a:latin typeface="Arial"/>
                 <a:ea typeface="Arial"/>
@@ -4270,22 +8952,70 @@
               </a:defRPr>
             </a:pPr>
             <a:r>
-              <a:rPr lang="hi-IN" altLang="en-US" sz="4000" dirty="0">
+              <a:rPr kumimoji="0" lang="hi-IN" altLang="en-US" sz="5400" b="1" i="0" u="none" strike="noStrike" kern="1200" cap="none" spc="0" normalizeH="0" baseline="0" noProof="0" dirty="0">
+                <a:ln>
+                  <a:noFill/>
+                </a:ln>
+                <a:solidFill>
+                  <a:prstClr val="white"/>
+                </a:solidFill>
+                <a:effectLst/>
+                <a:uLnTx/>
+                <a:uFillTx/>
                 <a:latin typeface="Arial Unicode MS"/>
                 <a:cs typeface="Mangal" panose="02040503050203030202" pitchFamily="18" charset="0"/>
+                <a:sym typeface="Arial"/>
               </a:rPr>
               <a:t>प्रभु भन्छन्‌ मेरो आत्माले ।</a:t>
             </a:r>
             <a:r>
-              <a:rPr lang="en-US" altLang="en-US" sz="4800" dirty="0"/>
+              <a:rPr kumimoji="0" lang="en-US" altLang="en-US" sz="6600" b="1" i="0" u="none" strike="noStrike" kern="1200" cap="none" spc="0" normalizeH="0" baseline="0" noProof="0" dirty="0">
+                <a:ln>
+                  <a:noFill/>
+                </a:ln>
+                <a:solidFill>
+                  <a:prstClr val="white"/>
+                </a:solidFill>
+                <a:effectLst/>
+                <a:uLnTx/>
+                <a:uFillTx/>
+                <a:latin typeface="Arial"/>
+                <a:cs typeface="Arial"/>
+                <a:sym typeface="Arial"/>
+              </a:rPr>
               <a:t> </a:t>
             </a:r>
-            <a:endParaRPr lang="en-US" altLang="en-US" sz="7200" dirty="0">
+            <a:endParaRPr kumimoji="0" lang="en-US" altLang="en-US" sz="9600" b="1" i="0" u="none" strike="noStrike" kern="1200" cap="none" spc="0" normalizeH="0" baseline="0" noProof="0" dirty="0">
+              <a:ln>
+                <a:noFill/>
+              </a:ln>
+              <a:solidFill>
+                <a:prstClr val="white"/>
+              </a:solidFill>
+              <a:effectLst/>
+              <a:uLnTx/>
+              <a:uFillTx/>
               <a:latin typeface="Arial" panose="020B0604020202020204" pitchFamily="34" charset="0"/>
+              <a:cs typeface="Arial"/>
+              <a:sym typeface="Arial"/>
             </a:endParaRPr>
           </a:p>
           <a:p>
-            <a:pPr defTabSz="321457">
+            <a:pPr marL="0" marR="0" lvl="0" indent="0" algn="ctr" defTabSz="241092" rtl="0" eaLnBrk="1" fontAlgn="auto" latinLnBrk="0" hangingPunct="1">
+              <a:lnSpc>
+                <a:spcPct val="100000"/>
+              </a:lnSpc>
+              <a:spcBef>
+                <a:spcPts val="0"/>
+              </a:spcBef>
+              <a:spcAft>
+                <a:spcPts val="0"/>
+              </a:spcAft>
+              <a:buClrTx/>
+              <a:buSzTx/>
+              <a:buFontTx/>
+              <a:buNone/>
+              <a:tabLst/>
               <a:defRPr sz="5600" b="1">
                 <a:latin typeface="Arial"/>
                 <a:ea typeface="Arial"/>
@@ -4293,7 +9023,16 @@
                 <a:sym typeface="Arial"/>
               </a:defRPr>
             </a:pPr>
-            <a:endParaRPr sz="3937" dirty="0">
+            <a:endParaRPr kumimoji="0" sz="5400" b="1" i="0" u="none" strike="noStrike" kern="1200" cap="none" spc="0" normalizeH="0" baseline="0" noProof="0" dirty="0">
+              <a:ln>
+                <a:noFill/>
+              </a:ln>
+              <a:solidFill>
+                <a:prstClr val="black"/>
+              </a:solidFill>
+              <a:effectLst/>
+              <a:uLnTx/>
+              <a:uFillTx/>
               <a:latin typeface="Arial"/>
               <a:ea typeface="Arial"/>
               <a:cs typeface="Arial"/>
@@ -4301,140 +9040,290 @@
             </a:endParaRPr>
           </a:p>
           <a:p>
-            <a:pPr algn="ctr"/>
-            <a:r>
-              <a:rPr lang="en-US" sz="3950" b="1" dirty="0">
-                <a:solidFill>
-                  <a:srgbClr val="66FFFF"/>
-                </a:solidFill>
+            <a:pPr marL="0" marR="0" lvl="0" indent="0" algn="ctr" defTabSz="914400" rtl="0" eaLnBrk="1" fontAlgn="auto" latinLnBrk="0" hangingPunct="1">
+              <a:lnSpc>
+                <a:spcPct val="100000"/>
+              </a:lnSpc>
+              <a:spcBef>
+                <a:spcPts val="0"/>
+              </a:spcBef>
+              <a:spcAft>
+                <a:spcPts val="0"/>
+              </a:spcAft>
+              <a:buClrTx/>
+              <a:buSzTx/>
+              <a:buFontTx/>
+              <a:buNone/>
+              <a:tabLst/>
+              <a:defRPr/>
+            </a:pPr>
+            <a:r>
+              <a:rPr kumimoji="0" lang="en-US" sz="5400" b="1" i="0" u="none" strike="noStrike" kern="1200" cap="none" spc="0" normalizeH="0" baseline="0" noProof="0" dirty="0">
+                <a:ln>
+                  <a:noFill/>
+                </a:ln>
+                <a:solidFill>
+                  <a:srgbClr val="FFFF00"/>
+                </a:solidFill>
+                <a:effectLst/>
+                <a:uLnTx/>
+                <a:uFillTx/>
                 <a:latin typeface="Mangal (Body)"/>
+                <a:ea typeface="+mn-ea"/>
+                <a:cs typeface="+mn-cs"/>
               </a:rPr>
               <a:t>(</a:t>
             </a:r>
             <a:r>
-              <a:rPr lang="en-US" sz="3950" b="1" dirty="0" err="1">
-                <a:solidFill>
-                  <a:srgbClr val="66FFFF"/>
-                </a:solidFill>
+              <a:rPr kumimoji="0" lang="en-US" sz="5400" b="1" i="0" u="none" strike="noStrike" kern="1200" cap="none" spc="0" normalizeH="0" baseline="0" noProof="0" dirty="0" err="1">
+                <a:ln>
+                  <a:noFill/>
+                </a:ln>
+                <a:solidFill>
+                  <a:srgbClr val="FFFF00"/>
+                </a:solidFill>
+                <a:effectLst/>
+                <a:uLnTx/>
+                <a:uFillTx/>
                 <a:latin typeface="Mangal (Body)"/>
+                <a:ea typeface="+mn-ea"/>
+                <a:cs typeface="+mn-cs"/>
               </a:rPr>
               <a:t>yo</a:t>
             </a:r>
             <a:r>
-              <a:rPr lang="en-US" sz="3950" b="1" dirty="0">
-                <a:solidFill>
-                  <a:srgbClr val="66FFFF"/>
-                </a:solidFill>
+              <a:rPr kumimoji="0" lang="en-US" sz="5400" b="1" i="0" u="none" strike="noStrike" kern="1200" cap="none" spc="0" normalizeH="0" baseline="0" noProof="0" dirty="0">
+                <a:ln>
+                  <a:noFill/>
+                </a:ln>
+                <a:solidFill>
+                  <a:srgbClr val="FFFF00"/>
+                </a:solidFill>
+                <a:effectLst/>
+                <a:uLnTx/>
+                <a:uFillTx/>
                 <a:latin typeface="Mangal (Body)"/>
+                <a:ea typeface="+mn-ea"/>
+                <a:cs typeface="+mn-cs"/>
               </a:rPr>
               <a:t> </a:t>
             </a:r>
             <a:r>
-              <a:rPr lang="en-US" sz="3950" b="1" dirty="0" err="1">
-                <a:solidFill>
-                  <a:srgbClr val="66FFFF"/>
-                </a:solidFill>
+              <a:rPr kumimoji="0" lang="en-US" sz="5400" b="1" i="0" u="none" strike="noStrike" kern="1200" cap="none" spc="0" normalizeH="0" baseline="0" noProof="0" dirty="0" err="1">
+                <a:ln>
+                  <a:noFill/>
+                </a:ln>
+                <a:solidFill>
+                  <a:srgbClr val="FFFF00"/>
+                </a:solidFill>
+                <a:effectLst/>
+                <a:uLnTx/>
+                <a:uFillTx/>
                 <a:latin typeface="Mangal (Body)"/>
+                <a:ea typeface="+mn-ea"/>
+                <a:cs typeface="+mn-cs"/>
               </a:rPr>
               <a:t>aaňdhi</a:t>
             </a:r>
             <a:r>
-              <a:rPr lang="en-US" sz="3950" b="1" dirty="0">
-                <a:solidFill>
-                  <a:srgbClr val="66FFFF"/>
-                </a:solidFill>
+              <a:rPr kumimoji="0" lang="en-US" sz="5400" b="1" i="0" u="none" strike="noStrike" kern="1200" cap="none" spc="0" normalizeH="0" baseline="0" noProof="0" dirty="0">
+                <a:ln>
+                  <a:noFill/>
+                </a:ln>
+                <a:solidFill>
+                  <a:srgbClr val="FFFF00"/>
+                </a:solidFill>
+                <a:effectLst/>
+                <a:uLnTx/>
+                <a:uFillTx/>
                 <a:latin typeface="Mangal (Body)"/>
+                <a:ea typeface="+mn-ea"/>
+                <a:cs typeface="+mn-cs"/>
               </a:rPr>
               <a:t> </a:t>
             </a:r>
             <a:r>
-              <a:rPr lang="en-US" sz="3950" b="1" dirty="0" err="1">
-                <a:solidFill>
-                  <a:srgbClr val="66FFFF"/>
-                </a:solidFill>
+              <a:rPr kumimoji="0" lang="en-US" sz="5400" b="1" i="0" u="none" strike="noStrike" kern="1200" cap="none" spc="0" normalizeH="0" baseline="0" noProof="0" dirty="0" err="1">
+                <a:ln>
+                  <a:noFill/>
+                </a:ln>
+                <a:solidFill>
+                  <a:srgbClr val="FFFF00"/>
+                </a:solidFill>
+                <a:effectLst/>
+                <a:uLnTx/>
+                <a:uFillTx/>
                 <a:latin typeface="Mangal (Body)"/>
+                <a:ea typeface="+mn-ea"/>
+                <a:cs typeface="+mn-cs"/>
               </a:rPr>
               <a:t>thaami-necha</a:t>
             </a:r>
             <a:r>
-              <a:rPr lang="en-US" sz="3950" b="1" dirty="0">
-                <a:solidFill>
-                  <a:srgbClr val="66FFFF"/>
-                </a:solidFill>
+              <a:rPr kumimoji="0" lang="en-US" sz="5400" b="1" i="0" u="none" strike="noStrike" kern="1200" cap="none" spc="0" normalizeH="0" baseline="0" noProof="0" dirty="0">
+                <a:ln>
+                  <a:noFill/>
+                </a:ln>
+                <a:solidFill>
+                  <a:srgbClr val="FFFF00"/>
+                </a:solidFill>
+                <a:effectLst/>
+                <a:uLnTx/>
+                <a:uFillTx/>
                 <a:latin typeface="Mangal (Body)"/>
+                <a:ea typeface="+mn-ea"/>
+                <a:cs typeface="+mn-cs"/>
               </a:rPr>
               <a:t>) </a:t>
             </a:r>
             <a:r>
-              <a:rPr lang="en-US" sz="3950" b="1" i="1" dirty="0">
-                <a:solidFill>
-                  <a:srgbClr val="66FFFF"/>
-                </a:solidFill>
+              <a:rPr kumimoji="0" lang="en-US" sz="5400" b="1" i="1" u="none" strike="noStrike" kern="1200" cap="none" spc="0" normalizeH="0" baseline="0" noProof="0" dirty="0">
+                <a:ln>
+                  <a:noFill/>
+                </a:ln>
+                <a:solidFill>
+                  <a:srgbClr val="FFFF00"/>
+                </a:solidFill>
+                <a:effectLst/>
+                <a:uLnTx/>
+                <a:uFillTx/>
                 <a:latin typeface="Mangal (Body)"/>
+                <a:ea typeface="+mn-ea"/>
+                <a:cs typeface="+mn-cs"/>
               </a:rPr>
               <a:t>3</a:t>
             </a:r>
           </a:p>
           <a:p>
-            <a:pPr algn="ctr"/>
-            <a:r>
-              <a:rPr lang="en-US" sz="3950" b="1" dirty="0" err="1">
-                <a:solidFill>
-                  <a:srgbClr val="66FFFF"/>
-                </a:solidFill>
+            <a:pPr marL="0" marR="0" lvl="0" indent="0" algn="ctr" defTabSz="914400" rtl="0" eaLnBrk="1" fontAlgn="auto" latinLnBrk="0" hangingPunct="1">
+              <a:lnSpc>
+                <a:spcPct val="100000"/>
+              </a:lnSpc>
+              <a:spcBef>
+                <a:spcPts val="0"/>
+              </a:spcBef>
+              <a:spcAft>
+                <a:spcPts val="0"/>
+              </a:spcAft>
+              <a:buClrTx/>
+              <a:buSzTx/>
+              <a:buFontTx/>
+              <a:buNone/>
+              <a:tabLst/>
+              <a:defRPr/>
+            </a:pPr>
+            <a:r>
+              <a:rPr kumimoji="0" lang="en-US" sz="5400" b="1" i="0" u="none" strike="noStrike" kern="1200" cap="none" spc="0" normalizeH="0" baseline="0" noProof="0" dirty="0" err="1">
+                <a:ln>
+                  <a:noFill/>
+                </a:ln>
+                <a:solidFill>
+                  <a:srgbClr val="FFFF00"/>
+                </a:solidFill>
+                <a:effectLst/>
+                <a:uLnTx/>
+                <a:uFillTx/>
                 <a:latin typeface="Mangal (Body)"/>
+                <a:ea typeface="+mn-ea"/>
+                <a:cs typeface="+mn-cs"/>
               </a:rPr>
               <a:t>prabhu</a:t>
             </a:r>
             <a:r>
-              <a:rPr lang="en-US" sz="3950" b="1" dirty="0">
-                <a:solidFill>
-                  <a:srgbClr val="66FFFF"/>
-                </a:solidFill>
+              <a:rPr kumimoji="0" lang="en-US" sz="5400" b="1" i="0" u="none" strike="noStrike" kern="1200" cap="none" spc="0" normalizeH="0" baseline="0" noProof="0" dirty="0">
+                <a:ln>
+                  <a:noFill/>
+                </a:ln>
+                <a:solidFill>
+                  <a:srgbClr val="FFFF00"/>
+                </a:solidFill>
+                <a:effectLst/>
+                <a:uLnTx/>
+                <a:uFillTx/>
                 <a:latin typeface="Mangal (Body)"/>
+                <a:ea typeface="+mn-ea"/>
+                <a:cs typeface="+mn-cs"/>
               </a:rPr>
               <a:t> </a:t>
             </a:r>
             <a:r>
-              <a:rPr lang="en-US" sz="3950" b="1" dirty="0" err="1">
-                <a:solidFill>
-                  <a:srgbClr val="66FFFF"/>
-                </a:solidFill>
+              <a:rPr kumimoji="0" lang="en-US" sz="5400" b="1" i="0" u="none" strike="noStrike" kern="1200" cap="none" spc="0" normalizeH="0" baseline="0" noProof="0" dirty="0" err="1">
+                <a:ln>
+                  <a:noFill/>
+                </a:ln>
+                <a:solidFill>
+                  <a:srgbClr val="FFFF00"/>
+                </a:solidFill>
+                <a:effectLst/>
+                <a:uLnTx/>
+                <a:uFillTx/>
                 <a:latin typeface="Mangal (Body)"/>
+                <a:ea typeface="+mn-ea"/>
+                <a:cs typeface="+mn-cs"/>
               </a:rPr>
               <a:t>bhanchan</a:t>
             </a:r>
             <a:r>
-              <a:rPr lang="en-US" sz="3950" b="1" dirty="0">
-                <a:solidFill>
-                  <a:srgbClr val="66FFFF"/>
-                </a:solidFill>
+              <a:rPr kumimoji="0" lang="en-US" sz="5400" b="1" i="0" u="none" strike="noStrike" kern="1200" cap="none" spc="0" normalizeH="0" baseline="0" noProof="0" dirty="0">
+                <a:ln>
+                  <a:noFill/>
+                </a:ln>
+                <a:solidFill>
+                  <a:srgbClr val="FFFF00"/>
+                </a:solidFill>
+                <a:effectLst/>
+                <a:uLnTx/>
+                <a:uFillTx/>
                 <a:latin typeface="Mangal (Body)"/>
-              </a:rPr>
-              <a:t>, mero aa </a:t>
-            </a:r>
-            <a:r>
-              <a:rPr lang="en-US" sz="3950" b="1" dirty="0" err="1">
-                <a:solidFill>
-                  <a:srgbClr val="66FFFF"/>
-                </a:solidFill>
+                <a:ea typeface="+mn-ea"/>
+                <a:cs typeface="+mn-cs"/>
+              </a:rPr>
+              <a:t>, mero </a:t>
+            </a:r>
+            <a:r>
+              <a:rPr kumimoji="0" lang="en-US" sz="5400" b="1" i="0" u="none" strike="noStrike" kern="1200" cap="none" spc="0" normalizeH="0" baseline="0" noProof="0" dirty="0" err="1">
+                <a:ln>
+                  <a:noFill/>
+                </a:ln>
+                <a:solidFill>
+                  <a:srgbClr val="FFFF00"/>
+                </a:solidFill>
+                <a:effectLst/>
+                <a:uLnTx/>
+                <a:uFillTx/>
                 <a:latin typeface="Mangal (Body)"/>
-              </a:rPr>
-              <a:t>tmaa</a:t>
-            </a:r>
-            <a:r>
-              <a:rPr lang="en-US" sz="3950" b="1" dirty="0">
-                <a:solidFill>
-                  <a:srgbClr val="66FFFF"/>
-                </a:solidFill>
+                <a:ea typeface="+mn-ea"/>
+                <a:cs typeface="+mn-cs"/>
+              </a:rPr>
+              <a:t>aatmaa</a:t>
+            </a:r>
+            <a:r>
+              <a:rPr kumimoji="0" lang="en-US" sz="5400" b="1" i="0" u="none" strike="noStrike" kern="1200" cap="none" spc="0" normalizeH="0" baseline="0" noProof="0" dirty="0">
+                <a:ln>
+                  <a:noFill/>
+                </a:ln>
+                <a:solidFill>
+                  <a:srgbClr val="FFFF00"/>
+                </a:solidFill>
+                <a:effectLst/>
+                <a:uLnTx/>
+                <a:uFillTx/>
                 <a:latin typeface="Mangal (Body)"/>
+                <a:ea typeface="+mn-ea"/>
+                <a:cs typeface="+mn-cs"/>
               </a:rPr>
               <a:t>-le</a:t>
             </a:r>
-            <a:endParaRPr sz="3950" b="1" i="1" dirty="0">
+            <a:endParaRPr kumimoji="0" sz="5400" b="1" i="1" u="none" strike="noStrike" kern="1200" cap="none" spc="0" normalizeH="0" baseline="0" noProof="0" dirty="0">
+              <a:ln>
+                <a:noFill/>
+              </a:ln>
               <a:solidFill>
-                <a:srgbClr val="66FFFF"/>
+                <a:srgbClr val="FFFF00"/>
               </a:solidFill>
+              <a:effectLst/>
+              <a:uLnTx/>
+              <a:uFillTx/>
               <a:latin typeface="Mangal (Body)"/>
               <a:ea typeface="Arial Narrow"/>
               <a:cs typeface="Arial Narrow"/>
@@ -4446,7 +9335,7 @@
     </p:spTree>
     <p:extLst>
       <p:ext uri="{BB962C8B-B14F-4D97-AF65-F5344CB8AC3E}">
-        <p14:creationId xmlns:p14="http://schemas.microsoft.com/office/powerpoint/2010/main" val="3773073372"/>
+        <p14:creationId xmlns:p14="http://schemas.microsoft.com/office/powerpoint/2010/main" val="333049832"/>
       </p:ext>
     </p:extLst>
   </p:cSld>
@@ -4471,6 +9360,14 @@
 <file path=ppt/slides/slide6.xml><?xml version="1.0" encoding="utf-8"?>
 <p:sld xmlns:a="http://schemas.openxmlformats.org/drawingml/2006/main" xmlns:r="http://schemas.openxmlformats.org/officeDocument/2006/relationships" xmlns:p="http://schemas.openxmlformats.org/presentationml/2006/main">
   <p:cSld>
+    <p:bg>
+      <p:bgPr>
+        <a:solidFill>
+          <a:schemeClr val="tx1"/>
+        </a:solidFill>
+        <a:effectLst/>
+      </p:bgPr>
+    </p:bg>
     <p:spTree>
       <p:nvGrpSpPr>
         <p:cNvPr id="1" name=""/>
@@ -4493,8 +9390,8 @@
         </p:nvSpPr>
         <p:spPr>
           <a:xfrm>
-            <a:off x="5363591" y="248668"/>
-            <a:ext cx="637996" cy="288477"/>
+            <a:off x="5546694" y="1043703"/>
+            <a:ext cx="477294" cy="216453"/>
           </a:xfrm>
           <a:prstGeom prst="rect">
             <a:avLst/>
@@ -4509,7 +9406,7 @@
           </a:extLst>
         </p:spPr>
         <p:txBody>
-          <a:bodyPr wrap="none" lIns="35719" tIns="35719" rIns="35719" bIns="35719" anchor="ctr">
+          <a:bodyPr wrap="none" lIns="26789" tIns="26789" rIns="26789" bIns="26789" anchor="ctr">
             <a:spAutoFit/>
           </a:bodyPr>
           <a:lstStyle>
@@ -4523,8 +9420,37 @@
             </a:lvl1pPr>
           </a:lstStyle>
           <a:p>
-            <a:r>
-              <a:rPr sz="1406"/>
+            <a:pPr marL="0" marR="0" lvl="0" indent="0" algn="l" defTabSz="457200" rtl="0" eaLnBrk="1" fontAlgn="auto" latinLnBrk="0" hangingPunct="1">
+              <a:lnSpc>
+                <a:spcPct val="100000"/>
+              </a:lnSpc>
+              <a:spcBef>
+                <a:spcPts val="0"/>
+              </a:spcBef>
+              <a:spcAft>
+                <a:spcPts val="0"/>
+              </a:spcAft>
+              <a:buClrTx/>
+              <a:buSzTx/>
+              <a:buFontTx/>
+              <a:buNone/>
+              <a:tabLst/>
+              <a:defRPr/>
+            </a:pPr>
+            <a:r>
+              <a:rPr kumimoji="0" sz="1055" b="1" i="1" u="none" strike="noStrike" kern="1200" cap="none" spc="0" normalizeH="0" baseline="0" noProof="0">
+                <a:ln>
+                  <a:noFill/>
+                </a:ln>
+                <a:solidFill>
+                  <a:prstClr val="black"/>
+                </a:solidFill>
+                <a:effectLst/>
+                <a:uLnTx/>
+                <a:uFillTx/>
+                <a:latin typeface="Arial Narrow"/>
+                <a:sym typeface="Arial Narrow"/>
+              </a:rPr>
               <a:t>Chorus:</a:t>
             </a:r>
           </a:p>
@@ -4538,8 +9464,8 @@
         </p:nvSpPr>
         <p:spPr>
           <a:xfrm>
-            <a:off x="1093218" y="1967955"/>
-            <a:ext cx="10592644" cy="3386441"/>
+            <a:off x="290247" y="1401403"/>
+            <a:ext cx="11467482" cy="4055197"/>
           </a:xfrm>
           <a:prstGeom prst="rect">
             <a:avLst/>
@@ -4554,98 +9480,248 @@
           </a:extLst>
         </p:spPr>
         <p:txBody>
-          <a:bodyPr wrap="none" lIns="35719" tIns="35719" rIns="35719" bIns="35719" anchor="ctr">
+          <a:bodyPr wrap="none" lIns="26789" tIns="26789" rIns="26789" bIns="26789" anchor="ctr">
             <a:spAutoFit/>
           </a:bodyPr>
           <a:lstStyle/>
           <a:p>
-            <a:pPr lvl="0" algn="ctr" defTabSz="914400" eaLnBrk="0" fontAlgn="base" hangingPunct="0">
+            <a:pPr marL="0" marR="0" lvl="0" indent="0" algn="ctr" defTabSz="685797" rtl="0" eaLnBrk="0" fontAlgn="base" latinLnBrk="0" hangingPunct="1">
+              <a:lnSpc>
+                <a:spcPct val="100000"/>
+              </a:lnSpc>
               <a:spcBef>
                 <a:spcPct val="0"/>
               </a:spcBef>
               <a:spcAft>
                 <a:spcPct val="0"/>
               </a:spcAft>
+              <a:buClrTx/>
+              <a:buSzTx/>
+              <a:buFontTx/>
+              <a:buNone/>
+              <a:tabLst/>
+              <a:defRPr/>
             </a:pPr>
             <a:r>
-              <a:rPr lang="hi-IN" altLang="en-US" sz="4000" b="1" dirty="0">
+              <a:rPr kumimoji="0" lang="hi-IN" altLang="en-US" sz="5400" b="1" i="0" u="none" strike="noStrike" kern="1200" cap="none" spc="0" normalizeH="0" baseline="0" noProof="0" dirty="0">
+                <a:ln>
+                  <a:noFill/>
+                </a:ln>
+                <a:solidFill>
+                  <a:prstClr val="white"/>
+                </a:solidFill>
+                <a:effectLst/>
+                <a:uLnTx/>
+                <a:uFillTx/>
                 <a:latin typeface="Arial Unicode MS"/>
+                <a:ea typeface="+mn-ea"/>
+                <a:cs typeface="Mangal" panose="02040503050203030202" pitchFamily="18" charset="0"/>
               </a:rPr>
               <a:t>न ता बलले न शक्तिले</a:t>
             </a:r>
             <a:r>
-              <a:rPr lang="en-US" altLang="en-US" sz="4000" b="1" dirty="0">
+              <a:rPr kumimoji="0" lang="en-US" altLang="en-US" sz="5400" b="1" i="0" u="none" strike="noStrike" kern="1200" cap="none" spc="0" normalizeH="0" baseline="0" noProof="0" dirty="0">
+                <a:ln>
+                  <a:noFill/>
+                </a:ln>
+                <a:solidFill>
+                  <a:prstClr val="white"/>
+                </a:solidFill>
+                <a:effectLst/>
+                <a:uLnTx/>
+                <a:uFillTx/>
                 <a:latin typeface="Arial Unicode MS"/>
+                <a:ea typeface="+mn-ea"/>
                 <a:cs typeface="Mangal" panose="02040503050203030202" pitchFamily="18" charset="0"/>
               </a:rPr>
               <a:t>,</a:t>
             </a:r>
           </a:p>
           <a:p>
-            <a:pPr lvl="0" algn="ctr" defTabSz="914400" eaLnBrk="0" fontAlgn="base" hangingPunct="0">
+            <a:pPr marL="0" marR="0" lvl="0" indent="0" algn="ctr" defTabSz="685797" rtl="0" eaLnBrk="0" fontAlgn="base" latinLnBrk="0" hangingPunct="1">
+              <a:lnSpc>
+                <a:spcPct val="100000"/>
+              </a:lnSpc>
               <a:spcBef>
                 <a:spcPct val="0"/>
               </a:spcBef>
               <a:spcAft>
                 <a:spcPct val="0"/>
               </a:spcAft>
+              <a:buClrTx/>
+              <a:buSzTx/>
+              <a:buFontTx/>
+              <a:buNone/>
+              <a:tabLst/>
+              <a:defRPr/>
             </a:pPr>
             <a:r>
-              <a:rPr lang="en-US" altLang="en-US" sz="4000" b="1" dirty="0">
+              <a:rPr kumimoji="0" lang="en-US" altLang="en-US" sz="5400" b="1" i="0" u="none" strike="noStrike" kern="1200" cap="none" spc="0" normalizeH="0" baseline="0" noProof="0" dirty="0">
+                <a:ln>
+                  <a:noFill/>
+                </a:ln>
+                <a:solidFill>
+                  <a:prstClr val="white"/>
+                </a:solidFill>
+                <a:effectLst/>
+                <a:uLnTx/>
+                <a:uFillTx/>
                 <a:latin typeface="Arial Unicode MS"/>
+                <a:ea typeface="+mn-ea"/>
                 <a:cs typeface="Mangal" panose="02040503050203030202" pitchFamily="18" charset="0"/>
               </a:rPr>
               <a:t> </a:t>
             </a:r>
             <a:r>
-              <a:rPr lang="hi-IN" altLang="en-US" sz="4000" b="1" dirty="0">
+              <a:rPr kumimoji="0" lang="hi-IN" altLang="en-US" sz="5400" b="1" i="0" u="none" strike="noStrike" kern="1200" cap="none" spc="0" normalizeH="0" baseline="0" noProof="0" dirty="0">
+                <a:ln>
+                  <a:noFill/>
+                </a:ln>
+                <a:solidFill>
+                  <a:prstClr val="white"/>
+                </a:solidFill>
+                <a:effectLst/>
+                <a:uLnTx/>
+                <a:uFillTx/>
                 <a:latin typeface="Arial Unicode MS"/>
+                <a:ea typeface="+mn-ea"/>
+                <a:cs typeface="Mangal" panose="02040503050203030202" pitchFamily="18" charset="0"/>
               </a:rPr>
               <a:t>प्रभु भन्छन्‌</a:t>
             </a:r>
             <a:r>
-              <a:rPr lang="en-US" altLang="en-US" sz="4000" b="1" dirty="0">
+              <a:rPr kumimoji="0" lang="en-US" altLang="en-US" sz="5400" b="1" i="0" u="none" strike="noStrike" kern="1200" cap="none" spc="0" normalizeH="0" baseline="0" noProof="0" dirty="0">
+                <a:ln>
+                  <a:noFill/>
+                </a:ln>
+                <a:solidFill>
+                  <a:prstClr val="white"/>
+                </a:solidFill>
+                <a:effectLst/>
+                <a:uLnTx/>
+                <a:uFillTx/>
                 <a:latin typeface="Arial Unicode MS"/>
+                <a:ea typeface="+mn-ea"/>
                 <a:cs typeface="Mangal" panose="02040503050203030202" pitchFamily="18" charset="0"/>
               </a:rPr>
               <a:t>, </a:t>
             </a:r>
             <a:r>
-              <a:rPr lang="hi-IN" altLang="en-US" sz="4000" b="1" dirty="0">
+              <a:rPr kumimoji="0" lang="hi-IN" altLang="en-US" sz="5400" b="1" i="0" u="none" strike="noStrike" kern="1200" cap="none" spc="0" normalizeH="0" baseline="0" noProof="0" dirty="0">
+                <a:ln>
+                  <a:noFill/>
+                </a:ln>
+                <a:solidFill>
+                  <a:prstClr val="white"/>
+                </a:solidFill>
+                <a:effectLst/>
+                <a:uLnTx/>
+                <a:uFillTx/>
                 <a:latin typeface="Arial Unicode MS"/>
+                <a:ea typeface="+mn-ea"/>
+                <a:cs typeface="Mangal" panose="02040503050203030202" pitchFamily="18" charset="0"/>
               </a:rPr>
               <a:t>मेरो आत्माले </a:t>
             </a:r>
             <a:r>
-              <a:rPr lang="en-US" altLang="en-US" sz="4000" b="1" dirty="0">
+              <a:rPr kumimoji="0" lang="en-US" altLang="en-US" sz="5400" b="1" i="0" u="none" strike="noStrike" kern="1200" cap="none" spc="0" normalizeH="0" baseline="0" noProof="0" dirty="0">
+                <a:ln>
+                  <a:noFill/>
+                </a:ln>
+                <a:solidFill>
+                  <a:prstClr val="white"/>
+                </a:solidFill>
+                <a:effectLst/>
+                <a:uLnTx/>
+                <a:uFillTx/>
                 <a:latin typeface="Arial Unicode MS"/>
+                <a:ea typeface="+mn-ea"/>
                 <a:cs typeface="Mangal" panose="02040503050203030202" pitchFamily="18" charset="0"/>
               </a:rPr>
               <a:t>(</a:t>
             </a:r>
             <a:r>
-              <a:rPr lang="hi-IN" altLang="en-US" sz="4000" b="1" dirty="0">
+              <a:rPr kumimoji="0" lang="hi-IN" altLang="en-US" sz="5400" b="1" i="0" u="none" strike="noStrike" kern="1200" cap="none" spc="0" normalizeH="0" baseline="0" noProof="0" dirty="0">
+                <a:ln>
+                  <a:noFill/>
+                </a:ln>
+                <a:solidFill>
+                  <a:prstClr val="white"/>
+                </a:solidFill>
+                <a:effectLst/>
+                <a:uLnTx/>
+                <a:uFillTx/>
                 <a:latin typeface="Arial Unicode MS"/>
+                <a:ea typeface="+mn-ea"/>
+                <a:cs typeface="Mangal" panose="02040503050203030202" pitchFamily="18" charset="0"/>
               </a:rPr>
               <a:t>२</a:t>
             </a:r>
             <a:r>
-              <a:rPr lang="en-US" altLang="en-US" sz="4000" b="1" dirty="0">
+              <a:rPr kumimoji="0" lang="en-US" altLang="en-US" sz="5400" b="1" i="0" u="none" strike="noStrike" kern="1200" cap="none" spc="0" normalizeH="0" baseline="0" noProof="0" dirty="0">
+                <a:ln>
+                  <a:noFill/>
+                </a:ln>
+                <a:solidFill>
+                  <a:prstClr val="white"/>
+                </a:solidFill>
+                <a:effectLst/>
+                <a:uLnTx/>
+                <a:uFillTx/>
                 <a:latin typeface="Arial Unicode MS"/>
+                <a:ea typeface="+mn-ea"/>
                 <a:cs typeface="Mangal" panose="02040503050203030202" pitchFamily="18" charset="0"/>
               </a:rPr>
               <a:t>)</a:t>
             </a:r>
             <a:r>
-              <a:rPr lang="en-US" altLang="en-US" sz="4800" b="1" dirty="0"/>
+              <a:rPr kumimoji="0" lang="en-US" altLang="en-US" sz="6600" b="1" i="0" u="none" strike="noStrike" kern="1200" cap="none" spc="0" normalizeH="0" baseline="0" noProof="0" dirty="0">
+                <a:ln>
+                  <a:noFill/>
+                </a:ln>
+                <a:solidFill>
+                  <a:prstClr val="white"/>
+                </a:solidFill>
+                <a:effectLst/>
+                <a:uLnTx/>
+                <a:uFillTx/>
+                <a:latin typeface="Calibri" panose="020F0502020204030204"/>
+                <a:ea typeface="+mn-ea"/>
+                <a:cs typeface="+mn-cs"/>
+              </a:rPr>
               <a:t> </a:t>
             </a:r>
-            <a:endParaRPr lang="en-US" altLang="en-US" sz="7200" b="1" dirty="0">
+            <a:endParaRPr kumimoji="0" lang="en-US" altLang="en-US" sz="9600" b="1" i="0" u="none" strike="noStrike" kern="1200" cap="none" spc="0" normalizeH="0" baseline="0" noProof="0" dirty="0">
+              <a:ln>
+                <a:noFill/>
+              </a:ln>
+              <a:solidFill>
+                <a:prstClr val="white"/>
+              </a:solidFill>
+              <a:effectLst/>
+              <a:uLnTx/>
+              <a:uFillTx/>
               <a:latin typeface="Arial" panose="020B0604020202020204" pitchFamily="34" charset="0"/>
+              <a:ea typeface="+mn-ea"/>
+              <a:cs typeface="+mn-cs"/>
             </a:endParaRPr>
           </a:p>
           <a:p>
-            <a:pPr defTabSz="321457">
+            <a:pPr marL="0" marR="0" lvl="0" indent="0" algn="ctr" defTabSz="241092" rtl="0" eaLnBrk="1" fontAlgn="auto" latinLnBrk="0" hangingPunct="1">
+              <a:lnSpc>
+                <a:spcPct val="100000"/>
+              </a:lnSpc>
+              <a:spcBef>
+                <a:spcPts val="0"/>
+              </a:spcBef>
+              <a:spcAft>
+                <a:spcPts val="0"/>
+              </a:spcAft>
+              <a:buClrTx/>
+              <a:buSzTx/>
+              <a:buFontTx/>
+              <a:buNone/>
+              <a:tabLst/>
               <a:defRPr sz="5600" b="1">
                 <a:latin typeface="Arial"/>
                 <a:ea typeface="Arial"/>
@@ -4653,7 +9729,16 @@
                 <a:sym typeface="Arial"/>
               </a:defRPr>
             </a:pPr>
-            <a:endParaRPr sz="3937" dirty="0">
+            <a:endParaRPr kumimoji="0" sz="4400" b="1" i="0" u="none" strike="noStrike" kern="1200" cap="none" spc="0" normalizeH="0" baseline="0" noProof="0" dirty="0">
+              <a:ln>
+                <a:noFill/>
+              </a:ln>
+              <a:solidFill>
+                <a:prstClr val="black"/>
+              </a:solidFill>
+              <a:effectLst/>
+              <a:uLnTx/>
+              <a:uFillTx/>
               <a:latin typeface="Arial"/>
               <a:ea typeface="Arial"/>
               <a:cs typeface="Arial"/>
@@ -4661,96 +9746,191 @@
             </a:endParaRPr>
           </a:p>
           <a:p>
-            <a:pPr algn="ctr"/>
-            <a:r>
-              <a:rPr lang="en-US" sz="4400" b="1" dirty="0">
-                <a:solidFill>
-                  <a:srgbClr val="66FFFF"/>
-                </a:solidFill>
+            <a:pPr marL="0" marR="0" lvl="0" indent="0" algn="ctr" defTabSz="914400" rtl="0" eaLnBrk="1" fontAlgn="auto" latinLnBrk="0" hangingPunct="1">
+              <a:lnSpc>
+                <a:spcPct val="100000"/>
+              </a:lnSpc>
+              <a:spcBef>
+                <a:spcPts val="0"/>
+              </a:spcBef>
+              <a:spcAft>
+                <a:spcPts val="0"/>
+              </a:spcAft>
+              <a:buClrTx/>
+              <a:buSzTx/>
+              <a:buFontTx/>
+              <a:buNone/>
+              <a:tabLst/>
+              <a:defRPr/>
+            </a:pPr>
+            <a:r>
+              <a:rPr kumimoji="0" lang="en-US" sz="4800" b="1" i="0" u="none" strike="noStrike" kern="1200" cap="none" spc="0" normalizeH="0" baseline="0" noProof="0" dirty="0">
+                <a:ln>
+                  <a:noFill/>
+                </a:ln>
+                <a:solidFill>
+                  <a:srgbClr val="FFFF00"/>
+                </a:solidFill>
+                <a:effectLst/>
+                <a:uLnTx/>
+                <a:uFillTx/>
                 <a:latin typeface="Mangal (Body)"/>
+                <a:ea typeface="+mn-ea"/>
                 <a:cs typeface="Mangal" panose="02040503050203030202" pitchFamily="18" charset="0"/>
               </a:rPr>
               <a:t>(</a:t>
             </a:r>
             <a:r>
-              <a:rPr lang="en-US" sz="4400" b="1" dirty="0" err="1">
-                <a:solidFill>
-                  <a:srgbClr val="66FFFF"/>
-                </a:solidFill>
+              <a:rPr kumimoji="0" lang="en-US" sz="4800" b="1" i="0" u="none" strike="noStrike" kern="1200" cap="none" spc="0" normalizeH="0" baseline="0" noProof="0" dirty="0" err="1">
+                <a:ln>
+                  <a:noFill/>
+                </a:ln>
+                <a:solidFill>
+                  <a:srgbClr val="FFFF00"/>
+                </a:solidFill>
+                <a:effectLst/>
+                <a:uLnTx/>
+                <a:uFillTx/>
                 <a:latin typeface="Mangal (Body)"/>
+                <a:ea typeface="+mn-ea"/>
                 <a:cs typeface="Mangal" panose="02040503050203030202" pitchFamily="18" charset="0"/>
               </a:rPr>
               <a:t>na</a:t>
             </a:r>
             <a:r>
-              <a:rPr lang="en-US" sz="4400" b="1" dirty="0">
-                <a:solidFill>
-                  <a:srgbClr val="66FFFF"/>
-                </a:solidFill>
+              <a:rPr kumimoji="0" lang="en-US" sz="4800" b="1" i="0" u="none" strike="noStrike" kern="1200" cap="none" spc="0" normalizeH="0" baseline="0" noProof="0" dirty="0">
+                <a:ln>
+                  <a:noFill/>
+                </a:ln>
+                <a:solidFill>
+                  <a:srgbClr val="FFFF00"/>
+                </a:solidFill>
+                <a:effectLst/>
+                <a:uLnTx/>
+                <a:uFillTx/>
                 <a:latin typeface="Mangal (Body)"/>
+                <a:ea typeface="+mn-ea"/>
                 <a:cs typeface="Mangal" panose="02040503050203030202" pitchFamily="18" charset="0"/>
               </a:rPr>
               <a:t> ta </a:t>
             </a:r>
             <a:r>
-              <a:rPr lang="en-US" sz="4400" b="1" dirty="0" err="1">
-                <a:solidFill>
-                  <a:srgbClr val="66FFFF"/>
-                </a:solidFill>
+              <a:rPr kumimoji="0" lang="en-US" sz="4800" b="1" i="0" u="none" strike="noStrike" kern="1200" cap="none" spc="0" normalizeH="0" baseline="0" noProof="0" dirty="0" err="1">
+                <a:ln>
+                  <a:noFill/>
+                </a:ln>
+                <a:solidFill>
+                  <a:srgbClr val="FFFF00"/>
+                </a:solidFill>
+                <a:effectLst/>
+                <a:uLnTx/>
+                <a:uFillTx/>
                 <a:latin typeface="Mangal (Body)"/>
+                <a:ea typeface="+mn-ea"/>
                 <a:cs typeface="Mangal" panose="02040503050203030202" pitchFamily="18" charset="0"/>
               </a:rPr>
               <a:t>bal</a:t>
             </a:r>
             <a:r>
-              <a:rPr lang="en-US" sz="4400" b="1" dirty="0">
-                <a:solidFill>
-                  <a:srgbClr val="66FFFF"/>
-                </a:solidFill>
+              <a:rPr kumimoji="0" lang="en-US" sz="4800" b="1" i="0" u="none" strike="noStrike" kern="1200" cap="none" spc="0" normalizeH="0" baseline="0" noProof="0" dirty="0">
+                <a:ln>
+                  <a:noFill/>
+                </a:ln>
+                <a:solidFill>
+                  <a:srgbClr val="FFFF00"/>
+                </a:solidFill>
+                <a:effectLst/>
+                <a:uLnTx/>
+                <a:uFillTx/>
                 <a:latin typeface="Mangal (Body)"/>
+                <a:ea typeface="+mn-ea"/>
                 <a:cs typeface="Mangal" panose="02040503050203030202" pitchFamily="18" charset="0"/>
               </a:rPr>
               <a:t>-le </a:t>
             </a:r>
             <a:r>
-              <a:rPr lang="en-US" sz="4400" b="1" dirty="0" err="1">
-                <a:solidFill>
-                  <a:srgbClr val="66FFFF"/>
-                </a:solidFill>
+              <a:rPr kumimoji="0" lang="en-US" sz="4800" b="1" i="0" u="none" strike="noStrike" kern="1200" cap="none" spc="0" normalizeH="0" baseline="0" noProof="0" dirty="0" err="1">
+                <a:ln>
+                  <a:noFill/>
+                </a:ln>
+                <a:solidFill>
+                  <a:srgbClr val="FFFF00"/>
+                </a:solidFill>
+                <a:effectLst/>
+                <a:uLnTx/>
+                <a:uFillTx/>
                 <a:latin typeface="Mangal (Body)"/>
+                <a:ea typeface="+mn-ea"/>
                 <a:cs typeface="Mangal" panose="02040503050203030202" pitchFamily="18" charset="0"/>
               </a:rPr>
               <a:t>na</a:t>
             </a:r>
             <a:r>
-              <a:rPr lang="en-US" sz="4400" b="1" dirty="0">
-                <a:solidFill>
-                  <a:srgbClr val="66FFFF"/>
-                </a:solidFill>
+              <a:rPr kumimoji="0" lang="en-US" sz="4800" b="1" i="0" u="none" strike="noStrike" kern="1200" cap="none" spc="0" normalizeH="0" baseline="0" noProof="0" dirty="0">
+                <a:ln>
+                  <a:noFill/>
+                </a:ln>
+                <a:solidFill>
+                  <a:srgbClr val="FFFF00"/>
+                </a:solidFill>
+                <a:effectLst/>
+                <a:uLnTx/>
+                <a:uFillTx/>
                 <a:latin typeface="Mangal (Body)"/>
+                <a:ea typeface="+mn-ea"/>
                 <a:cs typeface="Mangal" panose="02040503050203030202" pitchFamily="18" charset="0"/>
               </a:rPr>
               <a:t> shakti-le</a:t>
             </a:r>
           </a:p>
           <a:p>
-            <a:pPr algn="ctr"/>
-            <a:r>
-              <a:rPr lang="it-IT" sz="4400" b="1" dirty="0">
-                <a:solidFill>
-                  <a:srgbClr val="66FFFF"/>
-                </a:solidFill>
+            <a:pPr marL="0" marR="0" lvl="0" indent="0" algn="ctr" defTabSz="914400" rtl="0" eaLnBrk="1" fontAlgn="auto" latinLnBrk="0" hangingPunct="1">
+              <a:lnSpc>
+                <a:spcPct val="100000"/>
+              </a:lnSpc>
+              <a:spcBef>
+                <a:spcPts val="0"/>
+              </a:spcBef>
+              <a:spcAft>
+                <a:spcPts val="0"/>
+              </a:spcAft>
+              <a:buClrTx/>
+              <a:buSzTx/>
+              <a:buFontTx/>
+              <a:buNone/>
+              <a:tabLst/>
+              <a:defRPr/>
+            </a:pPr>
+            <a:r>
+              <a:rPr kumimoji="0" lang="it-IT" sz="4800" b="1" i="0" u="none" strike="noStrike" kern="1200" cap="none" spc="0" normalizeH="0" baseline="0" noProof="0" dirty="0">
+                <a:ln>
+                  <a:noFill/>
+                </a:ln>
+                <a:solidFill>
+                  <a:srgbClr val="FFFF00"/>
+                </a:solidFill>
+                <a:effectLst/>
+                <a:uLnTx/>
+                <a:uFillTx/>
                 <a:latin typeface="Mangal (Body)"/>
+                <a:ea typeface="+mn-ea"/>
                 <a:cs typeface="Mangal" panose="02040503050203030202" pitchFamily="18" charset="0"/>
               </a:rPr>
               <a:t>prabhu bhanchan, mero aatmaa-le) </a:t>
             </a:r>
             <a:r>
-              <a:rPr lang="it-IT" sz="4400" b="1" i="1" dirty="0">
-                <a:solidFill>
-                  <a:srgbClr val="66FFFF"/>
-                </a:solidFill>
+              <a:rPr kumimoji="0" lang="it-IT" sz="4800" b="1" i="1" u="none" strike="noStrike" kern="1200" cap="none" spc="0" normalizeH="0" baseline="0" noProof="0" dirty="0">
+                <a:ln>
+                  <a:noFill/>
+                </a:ln>
+                <a:solidFill>
+                  <a:srgbClr val="FFFF00"/>
+                </a:solidFill>
+                <a:effectLst/>
+                <a:uLnTx/>
+                <a:uFillTx/>
                 <a:latin typeface="Mangal (Body)"/>
+                <a:ea typeface="+mn-ea"/>
                 <a:cs typeface="Mangal" panose="02040503050203030202" pitchFamily="18" charset="0"/>
               </a:rPr>
               <a:t>2</a:t>
@@ -4786,6 +9966,14 @@
 <file path=ppt/slides/slide7.xml><?xml version="1.0" encoding="utf-8"?>
 <p:sld xmlns:a="http://schemas.openxmlformats.org/drawingml/2006/main" xmlns:r="http://schemas.openxmlformats.org/officeDocument/2006/relationships" xmlns:p="http://schemas.openxmlformats.org/presentationml/2006/main">
   <p:cSld>
+    <p:bg>
+      <p:bgPr>
+        <a:solidFill>
+          <a:schemeClr val="tx1"/>
+        </a:solidFill>
+        <a:effectLst/>
+      </p:bgPr>
+    </p:bg>
     <p:spTree>
       <p:nvGrpSpPr>
         <p:cNvPr id="1" name=""/>
@@ -4808,8 +9996,8 @@
         </p:nvSpPr>
         <p:spPr>
           <a:xfrm>
-            <a:off x="5363591" y="248668"/>
-            <a:ext cx="637996" cy="288477"/>
+            <a:off x="5546694" y="1043703"/>
+            <a:ext cx="477294" cy="216453"/>
           </a:xfrm>
           <a:prstGeom prst="rect">
             <a:avLst/>
@@ -4824,7 +10012,7 @@
           </a:extLst>
         </p:spPr>
         <p:txBody>
-          <a:bodyPr wrap="none" lIns="35719" tIns="35719" rIns="35719" bIns="35719" anchor="ctr">
+          <a:bodyPr wrap="none" lIns="26789" tIns="26789" rIns="26789" bIns="26789" anchor="ctr">
             <a:spAutoFit/>
           </a:bodyPr>
           <a:lstStyle>
@@ -4838,8 +10026,37 @@
             </a:lvl1pPr>
           </a:lstStyle>
           <a:p>
-            <a:r>
-              <a:rPr sz="1406"/>
+            <a:pPr marL="0" marR="0" lvl="0" indent="0" algn="l" defTabSz="457200" rtl="0" eaLnBrk="1" fontAlgn="auto" latinLnBrk="0" hangingPunct="1">
+              <a:lnSpc>
+                <a:spcPct val="100000"/>
+              </a:lnSpc>
+              <a:spcBef>
+                <a:spcPts val="0"/>
+              </a:spcBef>
+              <a:spcAft>
+                <a:spcPts val="0"/>
+              </a:spcAft>
+              <a:buClrTx/>
+              <a:buSzTx/>
+              <a:buFontTx/>
+              <a:buNone/>
+              <a:tabLst/>
+              <a:defRPr/>
+            </a:pPr>
+            <a:r>
+              <a:rPr kumimoji="0" sz="1055" b="1" i="1" u="none" strike="noStrike" kern="1200" cap="none" spc="0" normalizeH="0" baseline="0" noProof="0">
+                <a:ln>
+                  <a:noFill/>
+                </a:ln>
+                <a:solidFill>
+                  <a:prstClr val="black"/>
+                </a:solidFill>
+                <a:effectLst/>
+                <a:uLnTx/>
+                <a:uFillTx/>
+                <a:latin typeface="Arial Narrow"/>
+                <a:sym typeface="Arial Narrow"/>
+              </a:rPr>
               <a:t>Chorus:</a:t>
             </a:r>
           </a:p>
@@ -4853,8 +10070,8 @@
         </p:nvSpPr>
         <p:spPr>
           <a:xfrm>
-            <a:off x="1771483" y="2037203"/>
-            <a:ext cx="9819997" cy="3247941"/>
+            <a:off x="79453" y="1232130"/>
+            <a:ext cx="11889072" cy="4393751"/>
           </a:xfrm>
           <a:prstGeom prst="rect">
             <a:avLst/>
@@ -4869,71 +10086,180 @@
           </a:extLst>
         </p:spPr>
         <p:txBody>
-          <a:bodyPr wrap="none" lIns="35719" tIns="35719" rIns="35719" bIns="35719" anchor="ctr">
+          <a:bodyPr wrap="none" lIns="26789" tIns="26789" rIns="26789" bIns="26789" anchor="ctr">
             <a:spAutoFit/>
           </a:bodyPr>
           <a:lstStyle/>
           <a:p>
-            <a:pPr lvl="0" algn="ctr" defTabSz="914400" eaLnBrk="0" fontAlgn="base" hangingPunct="0">
+            <a:pPr marL="0" marR="0" lvl="0" indent="0" algn="ctr" defTabSz="685797" rtl="0" eaLnBrk="0" fontAlgn="base" latinLnBrk="0" hangingPunct="1">
+              <a:lnSpc>
+                <a:spcPct val="100000"/>
+              </a:lnSpc>
               <a:spcBef>
                 <a:spcPct val="0"/>
               </a:spcBef>
               <a:spcAft>
                 <a:spcPct val="0"/>
               </a:spcAft>
+              <a:buClrTx/>
+              <a:buSzTx/>
+              <a:buFontTx/>
+              <a:buNone/>
+              <a:tabLst/>
+              <a:defRPr/>
             </a:pPr>
             <a:r>
-              <a:rPr lang="hi-IN" altLang="en-US" sz="4000" b="1" dirty="0">
+              <a:rPr kumimoji="0" lang="hi-IN" altLang="en-US" sz="5400" b="1" i="0" u="none" strike="noStrike" kern="1200" cap="none" spc="0" normalizeH="0" baseline="0" noProof="0" dirty="0">
+                <a:ln>
+                  <a:noFill/>
+                </a:ln>
+                <a:solidFill>
+                  <a:prstClr val="white"/>
+                </a:solidFill>
+                <a:effectLst/>
+                <a:uLnTx/>
+                <a:uFillTx/>
                 <a:latin typeface="Arial Unicode MS"/>
+                <a:ea typeface="+mn-ea"/>
+                <a:cs typeface="Mangal" panose="02040503050203030202" pitchFamily="18" charset="0"/>
               </a:rPr>
               <a:t>यो जुवा भाँचिनेछ </a:t>
             </a:r>
             <a:r>
-              <a:rPr lang="en-US" altLang="en-US" sz="4000" b="1" dirty="0">
+              <a:rPr kumimoji="0" lang="en-US" altLang="en-US" sz="5400" b="1" i="0" u="none" strike="noStrike" kern="1200" cap="none" spc="0" normalizeH="0" baseline="0" noProof="0" dirty="0">
+                <a:ln>
+                  <a:noFill/>
+                </a:ln>
+                <a:solidFill>
+                  <a:prstClr val="white"/>
+                </a:solidFill>
+                <a:effectLst/>
+                <a:uLnTx/>
+                <a:uFillTx/>
                 <a:latin typeface="Arial Unicode MS"/>
+                <a:ea typeface="+mn-ea"/>
                 <a:cs typeface="Mangal" panose="02040503050203030202" pitchFamily="18" charset="0"/>
               </a:rPr>
               <a:t>(</a:t>
             </a:r>
             <a:r>
-              <a:rPr lang="hi-IN" altLang="en-US" sz="4000" b="1" dirty="0">
+              <a:rPr kumimoji="0" lang="hi-IN" altLang="en-US" sz="5400" b="1" i="0" u="none" strike="noStrike" kern="1200" cap="none" spc="0" normalizeH="0" baseline="0" noProof="0" dirty="0">
+                <a:ln>
+                  <a:noFill/>
+                </a:ln>
+                <a:solidFill>
+                  <a:prstClr val="white"/>
+                </a:solidFill>
+                <a:effectLst/>
+                <a:uLnTx/>
+                <a:uFillTx/>
                 <a:latin typeface="Arial Unicode MS"/>
+                <a:ea typeface="+mn-ea"/>
+                <a:cs typeface="Mangal" panose="02040503050203030202" pitchFamily="18" charset="0"/>
               </a:rPr>
               <a:t>३</a:t>
             </a:r>
             <a:r>
-              <a:rPr lang="en-US" altLang="en-US" sz="4000" b="1" dirty="0">
+              <a:rPr kumimoji="0" lang="en-US" altLang="en-US" sz="5400" b="1" i="0" u="none" strike="noStrike" kern="1200" cap="none" spc="0" normalizeH="0" baseline="0" noProof="0" dirty="0">
+                <a:ln>
+                  <a:noFill/>
+                </a:ln>
+                <a:solidFill>
+                  <a:prstClr val="white"/>
+                </a:solidFill>
+                <a:effectLst/>
+                <a:uLnTx/>
+                <a:uFillTx/>
                 <a:latin typeface="Arial Unicode MS"/>
+                <a:ea typeface="+mn-ea"/>
                 <a:cs typeface="Mangal" panose="02040503050203030202" pitchFamily="18" charset="0"/>
               </a:rPr>
               <a:t>) </a:t>
             </a:r>
           </a:p>
           <a:p>
-            <a:pPr lvl="0" algn="ctr" defTabSz="914400" eaLnBrk="0" fontAlgn="base" hangingPunct="0">
+            <a:pPr marL="0" marR="0" lvl="0" indent="0" algn="ctr" defTabSz="685797" rtl="0" eaLnBrk="0" fontAlgn="base" latinLnBrk="0" hangingPunct="1">
+              <a:lnSpc>
+                <a:spcPct val="100000"/>
+              </a:lnSpc>
               <a:spcBef>
                 <a:spcPct val="0"/>
               </a:spcBef>
               <a:spcAft>
                 <a:spcPct val="0"/>
               </a:spcAft>
+              <a:buClrTx/>
+              <a:buSzTx/>
+              <a:buFontTx/>
+              <a:buNone/>
+              <a:tabLst/>
+              <a:defRPr/>
             </a:pPr>
             <a:r>
-              <a:rPr lang="hi-IN" altLang="en-US" sz="4000" b="1" dirty="0">
+              <a:rPr kumimoji="0" lang="hi-IN" altLang="en-US" sz="5400" b="1" i="0" u="none" strike="noStrike" kern="1200" cap="none" spc="0" normalizeH="0" baseline="0" noProof="0" dirty="0">
+                <a:ln>
+                  <a:noFill/>
+                </a:ln>
+                <a:solidFill>
+                  <a:prstClr val="white"/>
+                </a:solidFill>
+                <a:effectLst/>
+                <a:uLnTx/>
+                <a:uFillTx/>
                 <a:latin typeface="Arial Unicode MS"/>
+                <a:ea typeface="+mn-ea"/>
+                <a:cs typeface="Mangal" panose="02040503050203030202" pitchFamily="18" charset="0"/>
               </a:rPr>
               <a:t>प्रभु भन्छन्‌ मेरो आत्माले ।</a:t>
             </a:r>
             <a:r>
-              <a:rPr lang="en-US" altLang="en-US" sz="4800" b="1" dirty="0"/>
+              <a:rPr kumimoji="0" lang="en-US" altLang="en-US" sz="6600" b="1" i="0" u="none" strike="noStrike" kern="1200" cap="none" spc="0" normalizeH="0" baseline="0" noProof="0" dirty="0">
+                <a:ln>
+                  <a:noFill/>
+                </a:ln>
+                <a:solidFill>
+                  <a:prstClr val="white"/>
+                </a:solidFill>
+                <a:effectLst/>
+                <a:uLnTx/>
+                <a:uFillTx/>
+                <a:latin typeface="Calibri" panose="020F0502020204030204"/>
+                <a:ea typeface="+mn-ea"/>
+                <a:cs typeface="+mn-cs"/>
+              </a:rPr>
               <a:t> </a:t>
             </a:r>
-            <a:endParaRPr lang="en-US" altLang="en-US" sz="7200" b="1" dirty="0">
+            <a:endParaRPr kumimoji="0" lang="en-US" altLang="en-US" sz="9600" b="1" i="0" u="none" strike="noStrike" kern="1200" cap="none" spc="0" normalizeH="0" baseline="0" noProof="0" dirty="0">
+              <a:ln>
+                <a:noFill/>
+              </a:ln>
+              <a:solidFill>
+                <a:prstClr val="white"/>
+              </a:solidFill>
+              <a:effectLst/>
+              <a:uLnTx/>
+              <a:uFillTx/>
               <a:latin typeface="Arial" panose="020B0604020202020204" pitchFamily="34" charset="0"/>
+              <a:ea typeface="+mn-ea"/>
+              <a:cs typeface="+mn-cs"/>
             </a:endParaRPr>
           </a:p>
           <a:p>
-            <a:pPr defTabSz="321457">
+            <a:pPr marL="0" marR="0" lvl="0" indent="0" algn="ctr" defTabSz="241092" rtl="0" eaLnBrk="1" fontAlgn="auto" latinLnBrk="0" hangingPunct="1">
+              <a:lnSpc>
+                <a:spcPct val="100000"/>
+              </a:lnSpc>
+              <a:spcBef>
+                <a:spcPts val="0"/>
+              </a:spcBef>
+              <a:spcAft>
+                <a:spcPts val="0"/>
+              </a:spcAft>
+              <a:buClrTx/>
+              <a:buSzTx/>
+              <a:buFontTx/>
+              <a:buNone/>
+              <a:tabLst/>
               <a:defRPr sz="5600" b="1">
                 <a:latin typeface="Arial"/>
                 <a:ea typeface="Arial"/>
@@ -4941,7 +10267,16 @@
                 <a:sym typeface="Arial"/>
               </a:defRPr>
             </a:pPr>
-            <a:endParaRPr sz="3937" dirty="0">
+            <a:endParaRPr kumimoji="0" sz="5400" b="1" i="0" u="none" strike="noStrike" kern="1200" cap="none" spc="0" normalizeH="0" baseline="0" noProof="0" dirty="0">
+              <a:ln>
+                <a:noFill/>
+              </a:ln>
+              <a:solidFill>
+                <a:prstClr val="black"/>
+              </a:solidFill>
+              <a:effectLst/>
+              <a:uLnTx/>
+              <a:uFillTx/>
               <a:latin typeface="Arial"/>
               <a:ea typeface="Arial"/>
               <a:cs typeface="Arial"/>
@@ -4949,140 +10284,290 @@
             </a:endParaRPr>
           </a:p>
           <a:p>
-            <a:pPr algn="ctr"/>
-            <a:r>
-              <a:rPr lang="en-US" sz="3950" b="1" dirty="0">
-                <a:solidFill>
-                  <a:srgbClr val="66FFFF"/>
-                </a:solidFill>
+            <a:pPr marL="0" marR="0" lvl="0" indent="0" algn="ctr" defTabSz="914400" rtl="0" eaLnBrk="1" fontAlgn="auto" latinLnBrk="0" hangingPunct="1">
+              <a:lnSpc>
+                <a:spcPct val="100000"/>
+              </a:lnSpc>
+              <a:spcBef>
+                <a:spcPts val="0"/>
+              </a:spcBef>
+              <a:spcAft>
+                <a:spcPts val="0"/>
+              </a:spcAft>
+              <a:buClrTx/>
+              <a:buSzTx/>
+              <a:buFontTx/>
+              <a:buNone/>
+              <a:tabLst/>
+              <a:defRPr/>
+            </a:pPr>
+            <a:r>
+              <a:rPr kumimoji="0" lang="en-US" sz="5400" b="1" i="0" u="none" strike="noStrike" kern="1200" cap="none" spc="0" normalizeH="0" baseline="0" noProof="0" dirty="0">
+                <a:ln>
+                  <a:noFill/>
+                </a:ln>
+                <a:solidFill>
+                  <a:srgbClr val="FFFF00"/>
+                </a:solidFill>
+                <a:effectLst/>
+                <a:uLnTx/>
+                <a:uFillTx/>
                 <a:latin typeface="Mangal (Body)"/>
+                <a:ea typeface="+mn-ea"/>
+                <a:cs typeface="+mn-cs"/>
               </a:rPr>
               <a:t>(</a:t>
             </a:r>
             <a:r>
-              <a:rPr lang="en-US" sz="3950" b="1" dirty="0" err="1">
-                <a:solidFill>
-                  <a:srgbClr val="66FFFF"/>
-                </a:solidFill>
+              <a:rPr kumimoji="0" lang="en-US" sz="5400" b="1" i="0" u="none" strike="noStrike" kern="1200" cap="none" spc="0" normalizeH="0" baseline="0" noProof="0" dirty="0" err="1">
+                <a:ln>
+                  <a:noFill/>
+                </a:ln>
+                <a:solidFill>
+                  <a:srgbClr val="FFFF00"/>
+                </a:solidFill>
+                <a:effectLst/>
+                <a:uLnTx/>
+                <a:uFillTx/>
                 <a:latin typeface="Mangal (Body)"/>
+                <a:ea typeface="+mn-ea"/>
+                <a:cs typeface="+mn-cs"/>
               </a:rPr>
               <a:t>yo</a:t>
             </a:r>
             <a:r>
-              <a:rPr lang="en-US" sz="3950" b="1" dirty="0">
-                <a:solidFill>
-                  <a:srgbClr val="66FFFF"/>
-                </a:solidFill>
+              <a:rPr kumimoji="0" lang="en-US" sz="5400" b="1" i="0" u="none" strike="noStrike" kern="1200" cap="none" spc="0" normalizeH="0" baseline="0" noProof="0" dirty="0">
+                <a:ln>
+                  <a:noFill/>
+                </a:ln>
+                <a:solidFill>
+                  <a:srgbClr val="FFFF00"/>
+                </a:solidFill>
+                <a:effectLst/>
+                <a:uLnTx/>
+                <a:uFillTx/>
                 <a:latin typeface="Mangal (Body)"/>
+                <a:ea typeface="+mn-ea"/>
+                <a:cs typeface="+mn-cs"/>
               </a:rPr>
               <a:t> </a:t>
             </a:r>
             <a:r>
-              <a:rPr lang="en-US" sz="3950" b="1" dirty="0" err="1">
-                <a:solidFill>
-                  <a:srgbClr val="66FFFF"/>
-                </a:solidFill>
+              <a:rPr kumimoji="0" lang="en-US" sz="5400" b="1" i="0" u="none" strike="noStrike" kern="1200" cap="none" spc="0" normalizeH="0" baseline="0" noProof="0" dirty="0" err="1">
+                <a:ln>
+                  <a:noFill/>
+                </a:ln>
+                <a:solidFill>
+                  <a:srgbClr val="FFFF00"/>
+                </a:solidFill>
+                <a:effectLst/>
+                <a:uLnTx/>
+                <a:uFillTx/>
                 <a:latin typeface="Mangal (Body)"/>
+                <a:ea typeface="+mn-ea"/>
+                <a:cs typeface="+mn-cs"/>
               </a:rPr>
               <a:t>juwaa</a:t>
             </a:r>
             <a:r>
-              <a:rPr lang="en-US" sz="3950" b="1" dirty="0">
-                <a:solidFill>
-                  <a:srgbClr val="66FFFF"/>
-                </a:solidFill>
+              <a:rPr kumimoji="0" lang="en-US" sz="5400" b="1" i="0" u="none" strike="noStrike" kern="1200" cap="none" spc="0" normalizeH="0" baseline="0" noProof="0" dirty="0">
+                <a:ln>
+                  <a:noFill/>
+                </a:ln>
+                <a:solidFill>
+                  <a:srgbClr val="FFFF00"/>
+                </a:solidFill>
+                <a:effectLst/>
+                <a:uLnTx/>
+                <a:uFillTx/>
                 <a:latin typeface="Mangal (Body)"/>
+                <a:ea typeface="+mn-ea"/>
+                <a:cs typeface="+mn-cs"/>
               </a:rPr>
               <a:t> </a:t>
             </a:r>
             <a:r>
-              <a:rPr lang="en-US" sz="3950" b="1" dirty="0" err="1">
-                <a:solidFill>
-                  <a:srgbClr val="66FFFF"/>
-                </a:solidFill>
+              <a:rPr kumimoji="0" lang="en-US" sz="5400" b="1" i="0" u="none" strike="noStrike" kern="1200" cap="none" spc="0" normalizeH="0" baseline="0" noProof="0" dirty="0" err="1">
+                <a:ln>
+                  <a:noFill/>
+                </a:ln>
+                <a:solidFill>
+                  <a:srgbClr val="FFFF00"/>
+                </a:solidFill>
+                <a:effectLst/>
+                <a:uLnTx/>
+                <a:uFillTx/>
                 <a:latin typeface="Mangal (Body)"/>
+                <a:ea typeface="+mn-ea"/>
+                <a:cs typeface="+mn-cs"/>
               </a:rPr>
               <a:t>bhaaňci-necha</a:t>
             </a:r>
             <a:r>
-              <a:rPr lang="en-US" sz="3950" b="1" dirty="0">
-                <a:solidFill>
-                  <a:srgbClr val="66FFFF"/>
-                </a:solidFill>
+              <a:rPr kumimoji="0" lang="en-US" sz="5400" b="1" i="0" u="none" strike="noStrike" kern="1200" cap="none" spc="0" normalizeH="0" baseline="0" noProof="0" dirty="0">
+                <a:ln>
+                  <a:noFill/>
+                </a:ln>
+                <a:solidFill>
+                  <a:srgbClr val="FFFF00"/>
+                </a:solidFill>
+                <a:effectLst/>
+                <a:uLnTx/>
+                <a:uFillTx/>
                 <a:latin typeface="Mangal (Body)"/>
+                <a:ea typeface="+mn-ea"/>
+                <a:cs typeface="+mn-cs"/>
               </a:rPr>
               <a:t>) </a:t>
             </a:r>
             <a:r>
-              <a:rPr lang="en-US" sz="3950" b="1" i="1" dirty="0">
-                <a:solidFill>
-                  <a:srgbClr val="66FFFF"/>
-                </a:solidFill>
+              <a:rPr kumimoji="0" lang="en-US" sz="5400" b="1" i="1" u="none" strike="noStrike" kern="1200" cap="none" spc="0" normalizeH="0" baseline="0" noProof="0" dirty="0">
+                <a:ln>
+                  <a:noFill/>
+                </a:ln>
+                <a:solidFill>
+                  <a:srgbClr val="FFFF00"/>
+                </a:solidFill>
+                <a:effectLst/>
+                <a:uLnTx/>
+                <a:uFillTx/>
                 <a:latin typeface="Mangal (Body)"/>
+                <a:ea typeface="+mn-ea"/>
+                <a:cs typeface="+mn-cs"/>
               </a:rPr>
               <a:t>3</a:t>
             </a:r>
           </a:p>
           <a:p>
-            <a:pPr algn="ctr"/>
-            <a:r>
-              <a:rPr lang="en-US" sz="3950" b="1" dirty="0" err="1">
-                <a:solidFill>
-                  <a:srgbClr val="66FFFF"/>
-                </a:solidFill>
+            <a:pPr marL="0" marR="0" lvl="0" indent="0" algn="ctr" defTabSz="914400" rtl="0" eaLnBrk="1" fontAlgn="auto" latinLnBrk="0" hangingPunct="1">
+              <a:lnSpc>
+                <a:spcPct val="100000"/>
+              </a:lnSpc>
+              <a:spcBef>
+                <a:spcPts val="0"/>
+              </a:spcBef>
+              <a:spcAft>
+                <a:spcPts val="0"/>
+              </a:spcAft>
+              <a:buClrTx/>
+              <a:buSzTx/>
+              <a:buFontTx/>
+              <a:buNone/>
+              <a:tabLst/>
+              <a:defRPr/>
+            </a:pPr>
+            <a:r>
+              <a:rPr kumimoji="0" lang="en-US" sz="5400" b="1" i="0" u="none" strike="noStrike" kern="1200" cap="none" spc="0" normalizeH="0" baseline="0" noProof="0" dirty="0" err="1">
+                <a:ln>
+                  <a:noFill/>
+                </a:ln>
+                <a:solidFill>
+                  <a:srgbClr val="FFFF00"/>
+                </a:solidFill>
+                <a:effectLst/>
+                <a:uLnTx/>
+                <a:uFillTx/>
                 <a:latin typeface="Mangal (Body)"/>
+                <a:ea typeface="+mn-ea"/>
+                <a:cs typeface="+mn-cs"/>
               </a:rPr>
               <a:t>prabhu</a:t>
             </a:r>
             <a:r>
-              <a:rPr lang="en-US" sz="3950" b="1" dirty="0">
-                <a:solidFill>
-                  <a:srgbClr val="66FFFF"/>
-                </a:solidFill>
+              <a:rPr kumimoji="0" lang="en-US" sz="5400" b="1" i="0" u="none" strike="noStrike" kern="1200" cap="none" spc="0" normalizeH="0" baseline="0" noProof="0" dirty="0">
+                <a:ln>
+                  <a:noFill/>
+                </a:ln>
+                <a:solidFill>
+                  <a:srgbClr val="FFFF00"/>
+                </a:solidFill>
+                <a:effectLst/>
+                <a:uLnTx/>
+                <a:uFillTx/>
                 <a:latin typeface="Mangal (Body)"/>
+                <a:ea typeface="+mn-ea"/>
+                <a:cs typeface="+mn-cs"/>
               </a:rPr>
               <a:t> </a:t>
             </a:r>
             <a:r>
-              <a:rPr lang="en-US" sz="3950" b="1" dirty="0" err="1">
-                <a:solidFill>
-                  <a:srgbClr val="66FFFF"/>
-                </a:solidFill>
+              <a:rPr kumimoji="0" lang="en-US" sz="5400" b="1" i="0" u="none" strike="noStrike" kern="1200" cap="none" spc="0" normalizeH="0" baseline="0" noProof="0" dirty="0" err="1">
+                <a:ln>
+                  <a:noFill/>
+                </a:ln>
+                <a:solidFill>
+                  <a:srgbClr val="FFFF00"/>
+                </a:solidFill>
+                <a:effectLst/>
+                <a:uLnTx/>
+                <a:uFillTx/>
                 <a:latin typeface="Mangal (Body)"/>
+                <a:ea typeface="+mn-ea"/>
+                <a:cs typeface="+mn-cs"/>
               </a:rPr>
               <a:t>bhanchan</a:t>
             </a:r>
             <a:r>
-              <a:rPr lang="en-US" sz="3950" b="1" dirty="0">
-                <a:solidFill>
-                  <a:srgbClr val="66FFFF"/>
-                </a:solidFill>
+              <a:rPr kumimoji="0" lang="en-US" sz="5400" b="1" i="0" u="none" strike="noStrike" kern="1200" cap="none" spc="0" normalizeH="0" baseline="0" noProof="0" dirty="0">
+                <a:ln>
+                  <a:noFill/>
+                </a:ln>
+                <a:solidFill>
+                  <a:srgbClr val="FFFF00"/>
+                </a:solidFill>
+                <a:effectLst/>
+                <a:uLnTx/>
+                <a:uFillTx/>
                 <a:latin typeface="Mangal (Body)"/>
-              </a:rPr>
-              <a:t>, mero aa </a:t>
-            </a:r>
-            <a:r>
-              <a:rPr lang="en-US" sz="3950" b="1" dirty="0" err="1">
-                <a:solidFill>
-                  <a:srgbClr val="66FFFF"/>
-                </a:solidFill>
+                <a:ea typeface="+mn-ea"/>
+                <a:cs typeface="+mn-cs"/>
+              </a:rPr>
+              <a:t>, mero </a:t>
+            </a:r>
+            <a:r>
+              <a:rPr kumimoji="0" lang="en-US" sz="5400" b="1" i="0" u="none" strike="noStrike" kern="1200" cap="none" spc="0" normalizeH="0" baseline="0" noProof="0" dirty="0" err="1">
+                <a:ln>
+                  <a:noFill/>
+                </a:ln>
+                <a:solidFill>
+                  <a:srgbClr val="FFFF00"/>
+                </a:solidFill>
+                <a:effectLst/>
+                <a:uLnTx/>
+                <a:uFillTx/>
                 <a:latin typeface="Mangal (Body)"/>
-              </a:rPr>
-              <a:t>tmaa</a:t>
-            </a:r>
-            <a:r>
-              <a:rPr lang="en-US" sz="3950" b="1" dirty="0">
-                <a:solidFill>
-                  <a:srgbClr val="66FFFF"/>
-                </a:solidFill>
+                <a:ea typeface="+mn-ea"/>
+                <a:cs typeface="+mn-cs"/>
+              </a:rPr>
+              <a:t>aatmaa</a:t>
+            </a:r>
+            <a:r>
+              <a:rPr kumimoji="0" lang="en-US" sz="5400" b="1" i="0" u="none" strike="noStrike" kern="1200" cap="none" spc="0" normalizeH="0" baseline="0" noProof="0" dirty="0">
+                <a:ln>
+                  <a:noFill/>
+                </a:ln>
+                <a:solidFill>
+                  <a:srgbClr val="FFFF00"/>
+                </a:solidFill>
+                <a:effectLst/>
+                <a:uLnTx/>
+                <a:uFillTx/>
                 <a:latin typeface="Mangal (Body)"/>
+                <a:ea typeface="+mn-ea"/>
+                <a:cs typeface="+mn-cs"/>
               </a:rPr>
               <a:t>-le</a:t>
             </a:r>
-            <a:endParaRPr sz="3950" b="1" i="1" dirty="0">
+            <a:endParaRPr kumimoji="0" sz="5400" b="1" i="1" u="none" strike="noStrike" kern="1200" cap="none" spc="0" normalizeH="0" baseline="0" noProof="0" dirty="0">
+              <a:ln>
+                <a:noFill/>
+              </a:ln>
               <a:solidFill>
-                <a:srgbClr val="66FFFF"/>
+                <a:srgbClr val="FFFF00"/>
               </a:solidFill>
+              <a:effectLst/>
+              <a:uLnTx/>
+              <a:uFillTx/>
               <a:latin typeface="Mangal (Body)"/>
               <a:ea typeface="Arial Narrow"/>
               <a:cs typeface="Arial Narrow"/>
@@ -5119,6 +10604,14 @@
 <file path=ppt/slides/slide8.xml><?xml version="1.0" encoding="utf-8"?>
 <p:sld xmlns:a="http://schemas.openxmlformats.org/drawingml/2006/main" xmlns:r="http://schemas.openxmlformats.org/officeDocument/2006/relationships" xmlns:p="http://schemas.openxmlformats.org/presentationml/2006/main">
   <p:cSld>
+    <p:bg>
+      <p:bgPr>
+        <a:solidFill>
+          <a:schemeClr val="tx1"/>
+        </a:solidFill>
+        <a:effectLst/>
+      </p:bgPr>
+    </p:bg>
     <p:spTree>
       <p:nvGrpSpPr>
         <p:cNvPr id="1" name=""/>
@@ -5141,8 +10634,8 @@
         </p:nvSpPr>
         <p:spPr>
           <a:xfrm>
-            <a:off x="5363591" y="248668"/>
-            <a:ext cx="637996" cy="288477"/>
+            <a:off x="5546694" y="1043703"/>
+            <a:ext cx="477294" cy="216453"/>
           </a:xfrm>
           <a:prstGeom prst="rect">
             <a:avLst/>
@@ -5157,7 +10650,7 @@
           </a:extLst>
         </p:spPr>
         <p:txBody>
-          <a:bodyPr wrap="none" lIns="35719" tIns="35719" rIns="35719" bIns="35719" anchor="ctr">
+          <a:bodyPr wrap="none" lIns="26789" tIns="26789" rIns="26789" bIns="26789" anchor="ctr">
             <a:spAutoFit/>
           </a:bodyPr>
           <a:lstStyle>
@@ -5171,8 +10664,37 @@
             </a:lvl1pPr>
           </a:lstStyle>
           <a:p>
-            <a:r>
-              <a:rPr sz="1406"/>
+            <a:pPr marL="0" marR="0" lvl="0" indent="0" algn="l" defTabSz="457200" rtl="0" eaLnBrk="1" fontAlgn="auto" latinLnBrk="0" hangingPunct="1">
+              <a:lnSpc>
+                <a:spcPct val="100000"/>
+              </a:lnSpc>
+              <a:spcBef>
+                <a:spcPts val="0"/>
+              </a:spcBef>
+              <a:spcAft>
+                <a:spcPts val="0"/>
+              </a:spcAft>
+              <a:buClrTx/>
+              <a:buSzTx/>
+              <a:buFontTx/>
+              <a:buNone/>
+              <a:tabLst/>
+              <a:defRPr/>
+            </a:pPr>
+            <a:r>
+              <a:rPr kumimoji="0" sz="1055" b="1" i="1" u="none" strike="noStrike" kern="1200" cap="none" spc="0" normalizeH="0" baseline="0" noProof="0">
+                <a:ln>
+                  <a:noFill/>
+                </a:ln>
+                <a:solidFill>
+                  <a:prstClr val="black"/>
+                </a:solidFill>
+                <a:effectLst/>
+                <a:uLnTx/>
+                <a:uFillTx/>
+                <a:latin typeface="Arial Narrow"/>
+                <a:sym typeface="Arial Narrow"/>
+              </a:rPr>
               <a:t>Chorus:</a:t>
             </a:r>
           </a:p>
@@ -5186,8 +10708,8 @@
         </p:nvSpPr>
         <p:spPr>
           <a:xfrm>
-            <a:off x="1093218" y="1967955"/>
-            <a:ext cx="10592644" cy="3386441"/>
+            <a:off x="290247" y="1370624"/>
+            <a:ext cx="11467482" cy="4116752"/>
           </a:xfrm>
           <a:prstGeom prst="rect">
             <a:avLst/>
@@ -5202,98 +10724,248 @@
           </a:extLst>
         </p:spPr>
         <p:txBody>
-          <a:bodyPr wrap="none" lIns="35719" tIns="35719" rIns="35719" bIns="35719" anchor="ctr">
+          <a:bodyPr wrap="none" lIns="26789" tIns="26789" rIns="26789" bIns="26789" anchor="ctr">
             <a:spAutoFit/>
           </a:bodyPr>
           <a:lstStyle/>
           <a:p>
-            <a:pPr lvl="0" algn="ctr" defTabSz="914400" eaLnBrk="0" fontAlgn="base" hangingPunct="0">
+            <a:pPr marL="0" marR="0" lvl="0" indent="0" algn="ctr" defTabSz="685797" rtl="0" eaLnBrk="0" fontAlgn="base" latinLnBrk="0" hangingPunct="1">
+              <a:lnSpc>
+                <a:spcPct val="100000"/>
+              </a:lnSpc>
               <a:spcBef>
                 <a:spcPct val="0"/>
               </a:spcBef>
               <a:spcAft>
                 <a:spcPct val="0"/>
               </a:spcAft>
+              <a:buClrTx/>
+              <a:buSzTx/>
+              <a:buFontTx/>
+              <a:buNone/>
+              <a:tabLst/>
+              <a:defRPr/>
             </a:pPr>
             <a:r>
-              <a:rPr lang="hi-IN" altLang="en-US" sz="4000" b="1" dirty="0">
+              <a:rPr kumimoji="0" lang="hi-IN" altLang="en-US" sz="5400" b="1" i="0" u="none" strike="noStrike" kern="1200" cap="none" spc="0" normalizeH="0" baseline="0" noProof="0" dirty="0">
+                <a:ln>
+                  <a:noFill/>
+                </a:ln>
+                <a:solidFill>
+                  <a:prstClr val="white"/>
+                </a:solidFill>
+                <a:effectLst/>
+                <a:uLnTx/>
+                <a:uFillTx/>
                 <a:latin typeface="Arial Unicode MS"/>
+                <a:ea typeface="+mn-ea"/>
+                <a:cs typeface="Mangal" panose="02040503050203030202" pitchFamily="18" charset="0"/>
               </a:rPr>
               <a:t>न ता बलले न शक्तिले</a:t>
             </a:r>
             <a:r>
-              <a:rPr lang="en-US" altLang="en-US" sz="4000" b="1" dirty="0">
+              <a:rPr kumimoji="0" lang="en-US" altLang="en-US" sz="5400" b="1" i="0" u="none" strike="noStrike" kern="1200" cap="none" spc="0" normalizeH="0" baseline="0" noProof="0" dirty="0">
+                <a:ln>
+                  <a:noFill/>
+                </a:ln>
+                <a:solidFill>
+                  <a:prstClr val="white"/>
+                </a:solidFill>
+                <a:effectLst/>
+                <a:uLnTx/>
+                <a:uFillTx/>
                 <a:latin typeface="Arial Unicode MS"/>
+                <a:ea typeface="+mn-ea"/>
                 <a:cs typeface="Mangal" panose="02040503050203030202" pitchFamily="18" charset="0"/>
               </a:rPr>
               <a:t>,</a:t>
             </a:r>
           </a:p>
           <a:p>
-            <a:pPr lvl="0" algn="ctr" defTabSz="914400" eaLnBrk="0" fontAlgn="base" hangingPunct="0">
+            <a:pPr marL="0" marR="0" lvl="0" indent="0" algn="ctr" defTabSz="685797" rtl="0" eaLnBrk="0" fontAlgn="base" latinLnBrk="0" hangingPunct="1">
+              <a:lnSpc>
+                <a:spcPct val="100000"/>
+              </a:lnSpc>
               <a:spcBef>
                 <a:spcPct val="0"/>
               </a:spcBef>
               <a:spcAft>
                 <a:spcPct val="0"/>
               </a:spcAft>
+              <a:buClrTx/>
+              <a:buSzTx/>
+              <a:buFontTx/>
+              <a:buNone/>
+              <a:tabLst/>
+              <a:defRPr/>
             </a:pPr>
             <a:r>
-              <a:rPr lang="en-US" altLang="en-US" sz="4000" b="1" dirty="0">
+              <a:rPr kumimoji="0" lang="en-US" altLang="en-US" sz="5400" b="1" i="0" u="none" strike="noStrike" kern="1200" cap="none" spc="0" normalizeH="0" baseline="0" noProof="0" dirty="0">
+                <a:ln>
+                  <a:noFill/>
+                </a:ln>
+                <a:solidFill>
+                  <a:prstClr val="white"/>
+                </a:solidFill>
+                <a:effectLst/>
+                <a:uLnTx/>
+                <a:uFillTx/>
                 <a:latin typeface="Arial Unicode MS"/>
+                <a:ea typeface="+mn-ea"/>
                 <a:cs typeface="Mangal" panose="02040503050203030202" pitchFamily="18" charset="0"/>
               </a:rPr>
               <a:t> </a:t>
             </a:r>
             <a:r>
-              <a:rPr lang="hi-IN" altLang="en-US" sz="4000" b="1" dirty="0">
+              <a:rPr kumimoji="0" lang="hi-IN" altLang="en-US" sz="5400" b="1" i="0" u="none" strike="noStrike" kern="1200" cap="none" spc="0" normalizeH="0" baseline="0" noProof="0" dirty="0">
+                <a:ln>
+                  <a:noFill/>
+                </a:ln>
+                <a:solidFill>
+                  <a:prstClr val="white"/>
+                </a:solidFill>
+                <a:effectLst/>
+                <a:uLnTx/>
+                <a:uFillTx/>
                 <a:latin typeface="Arial Unicode MS"/>
+                <a:ea typeface="+mn-ea"/>
+                <a:cs typeface="Mangal" panose="02040503050203030202" pitchFamily="18" charset="0"/>
               </a:rPr>
               <a:t>प्रभु भन्छन्‌</a:t>
             </a:r>
             <a:r>
-              <a:rPr lang="en-US" altLang="en-US" sz="4000" b="1" dirty="0">
+              <a:rPr kumimoji="0" lang="en-US" altLang="en-US" sz="5400" b="1" i="0" u="none" strike="noStrike" kern="1200" cap="none" spc="0" normalizeH="0" baseline="0" noProof="0" dirty="0">
+                <a:ln>
+                  <a:noFill/>
+                </a:ln>
+                <a:solidFill>
+                  <a:prstClr val="white"/>
+                </a:solidFill>
+                <a:effectLst/>
+                <a:uLnTx/>
+                <a:uFillTx/>
                 <a:latin typeface="Arial Unicode MS"/>
+                <a:ea typeface="+mn-ea"/>
                 <a:cs typeface="Mangal" panose="02040503050203030202" pitchFamily="18" charset="0"/>
               </a:rPr>
               <a:t>, </a:t>
             </a:r>
             <a:r>
-              <a:rPr lang="hi-IN" altLang="en-US" sz="4000" b="1" dirty="0">
+              <a:rPr kumimoji="0" lang="hi-IN" altLang="en-US" sz="5400" b="1" i="0" u="none" strike="noStrike" kern="1200" cap="none" spc="0" normalizeH="0" baseline="0" noProof="0" dirty="0">
+                <a:ln>
+                  <a:noFill/>
+                </a:ln>
+                <a:solidFill>
+                  <a:prstClr val="white"/>
+                </a:solidFill>
+                <a:effectLst/>
+                <a:uLnTx/>
+                <a:uFillTx/>
                 <a:latin typeface="Arial Unicode MS"/>
+                <a:ea typeface="+mn-ea"/>
+                <a:cs typeface="Mangal" panose="02040503050203030202" pitchFamily="18" charset="0"/>
               </a:rPr>
               <a:t>मेरो आत्माले </a:t>
             </a:r>
             <a:r>
-              <a:rPr lang="en-US" altLang="en-US" sz="4000" b="1" dirty="0">
+              <a:rPr kumimoji="0" lang="en-US" altLang="en-US" sz="5400" b="1" i="0" u="none" strike="noStrike" kern="1200" cap="none" spc="0" normalizeH="0" baseline="0" noProof="0" dirty="0">
+                <a:ln>
+                  <a:noFill/>
+                </a:ln>
+                <a:solidFill>
+                  <a:prstClr val="white"/>
+                </a:solidFill>
+                <a:effectLst/>
+                <a:uLnTx/>
+                <a:uFillTx/>
                 <a:latin typeface="Arial Unicode MS"/>
+                <a:ea typeface="+mn-ea"/>
                 <a:cs typeface="Mangal" panose="02040503050203030202" pitchFamily="18" charset="0"/>
               </a:rPr>
               <a:t>(</a:t>
             </a:r>
             <a:r>
-              <a:rPr lang="hi-IN" altLang="en-US" sz="4000" b="1" dirty="0">
+              <a:rPr kumimoji="0" lang="hi-IN" altLang="en-US" sz="5400" b="1" i="0" u="none" strike="noStrike" kern="1200" cap="none" spc="0" normalizeH="0" baseline="0" noProof="0" dirty="0">
+                <a:ln>
+                  <a:noFill/>
+                </a:ln>
+                <a:solidFill>
+                  <a:prstClr val="white"/>
+                </a:solidFill>
+                <a:effectLst/>
+                <a:uLnTx/>
+                <a:uFillTx/>
                 <a:latin typeface="Arial Unicode MS"/>
+                <a:ea typeface="+mn-ea"/>
+                <a:cs typeface="Mangal" panose="02040503050203030202" pitchFamily="18" charset="0"/>
               </a:rPr>
               <a:t>२</a:t>
             </a:r>
             <a:r>
-              <a:rPr lang="en-US" altLang="en-US" sz="4000" b="1" dirty="0">
+              <a:rPr kumimoji="0" lang="en-US" altLang="en-US" sz="5400" b="1" i="0" u="none" strike="noStrike" kern="1200" cap="none" spc="0" normalizeH="0" baseline="0" noProof="0" dirty="0">
+                <a:ln>
+                  <a:noFill/>
+                </a:ln>
+                <a:solidFill>
+                  <a:prstClr val="white"/>
+                </a:solidFill>
+                <a:effectLst/>
+                <a:uLnTx/>
+                <a:uFillTx/>
                 <a:latin typeface="Arial Unicode MS"/>
+                <a:ea typeface="+mn-ea"/>
                 <a:cs typeface="Mangal" panose="02040503050203030202" pitchFamily="18" charset="0"/>
               </a:rPr>
               <a:t>)</a:t>
             </a:r>
             <a:r>
-              <a:rPr lang="en-US" altLang="en-US" sz="4800" b="1" dirty="0"/>
+              <a:rPr kumimoji="0" lang="en-US" altLang="en-US" sz="6600" b="1" i="0" u="none" strike="noStrike" kern="1200" cap="none" spc="0" normalizeH="0" baseline="0" noProof="0" dirty="0">
+                <a:ln>
+                  <a:noFill/>
+                </a:ln>
+                <a:solidFill>
+                  <a:prstClr val="white"/>
+                </a:solidFill>
+                <a:effectLst/>
+                <a:uLnTx/>
+                <a:uFillTx/>
+                <a:latin typeface="Calibri" panose="020F0502020204030204"/>
+                <a:ea typeface="+mn-ea"/>
+                <a:cs typeface="+mn-cs"/>
+              </a:rPr>
               <a:t> </a:t>
             </a:r>
-            <a:endParaRPr lang="en-US" altLang="en-US" sz="7200" b="1" dirty="0">
+            <a:endParaRPr kumimoji="0" lang="en-US" altLang="en-US" sz="9600" b="1" i="0" u="none" strike="noStrike" kern="1200" cap="none" spc="0" normalizeH="0" baseline="0" noProof="0" dirty="0">
+              <a:ln>
+                <a:noFill/>
+              </a:ln>
+              <a:solidFill>
+                <a:prstClr val="white"/>
+              </a:solidFill>
+              <a:effectLst/>
+              <a:uLnTx/>
+              <a:uFillTx/>
               <a:latin typeface="Arial" panose="020B0604020202020204" pitchFamily="34" charset="0"/>
+              <a:ea typeface="+mn-ea"/>
+              <a:cs typeface="+mn-cs"/>
             </a:endParaRPr>
           </a:p>
           <a:p>
-            <a:pPr defTabSz="321457">
+            <a:pPr marL="0" marR="0" lvl="0" indent="0" algn="ctr" defTabSz="241092" rtl="0" eaLnBrk="1" fontAlgn="auto" latinLnBrk="0" hangingPunct="1">
+              <a:lnSpc>
+                <a:spcPct val="100000"/>
+              </a:lnSpc>
+              <a:spcBef>
+                <a:spcPts val="0"/>
+              </a:spcBef>
+              <a:spcAft>
+                <a:spcPts val="0"/>
+              </a:spcAft>
+              <a:buClrTx/>
+              <a:buSzTx/>
+              <a:buFontTx/>
+              <a:buNone/>
+              <a:tabLst/>
               <a:defRPr sz="5600" b="1">
                 <a:latin typeface="Arial"/>
                 <a:ea typeface="Arial"/>
@@ -5301,7 +10973,16 @@
                 <a:sym typeface="Arial"/>
               </a:defRPr>
             </a:pPr>
-            <a:endParaRPr sz="3937" dirty="0">
+            <a:endParaRPr kumimoji="0" sz="4800" b="1" i="0" u="none" strike="noStrike" kern="1200" cap="none" spc="0" normalizeH="0" baseline="0" noProof="0" dirty="0">
+              <a:ln>
+                <a:noFill/>
+              </a:ln>
+              <a:solidFill>
+                <a:prstClr val="black"/>
+              </a:solidFill>
+              <a:effectLst/>
+              <a:uLnTx/>
+              <a:uFillTx/>
               <a:latin typeface="Arial"/>
               <a:ea typeface="Arial"/>
               <a:cs typeface="Arial"/>
@@ -5309,96 +10990,191 @@
             </a:endParaRPr>
           </a:p>
           <a:p>
-            <a:pPr algn="ctr"/>
-            <a:r>
-              <a:rPr lang="en-US" sz="4400" b="1" dirty="0">
-                <a:solidFill>
-                  <a:srgbClr val="66FFFF"/>
-                </a:solidFill>
+            <a:pPr marL="0" marR="0" lvl="0" indent="0" algn="ctr" defTabSz="914400" rtl="0" eaLnBrk="1" fontAlgn="auto" latinLnBrk="0" hangingPunct="1">
+              <a:lnSpc>
+                <a:spcPct val="100000"/>
+              </a:lnSpc>
+              <a:spcBef>
+                <a:spcPts val="0"/>
+              </a:spcBef>
+              <a:spcAft>
+                <a:spcPts val="0"/>
+              </a:spcAft>
+              <a:buClrTx/>
+              <a:buSzTx/>
+              <a:buFontTx/>
+              <a:buNone/>
+              <a:tabLst/>
+              <a:defRPr/>
+            </a:pPr>
+            <a:r>
+              <a:rPr kumimoji="0" lang="en-US" sz="4800" b="1" i="0" u="none" strike="noStrike" kern="1200" cap="none" spc="0" normalizeH="0" baseline="0" noProof="0" dirty="0">
+                <a:ln>
+                  <a:noFill/>
+                </a:ln>
+                <a:solidFill>
+                  <a:srgbClr val="FFFF00"/>
+                </a:solidFill>
+                <a:effectLst/>
+                <a:uLnTx/>
+                <a:uFillTx/>
                 <a:latin typeface="Mangal (Body)"/>
+                <a:ea typeface="+mn-ea"/>
                 <a:cs typeface="Mangal" panose="02040503050203030202" pitchFamily="18" charset="0"/>
               </a:rPr>
               <a:t>(</a:t>
             </a:r>
             <a:r>
-              <a:rPr lang="en-US" sz="4400" b="1" dirty="0" err="1">
-                <a:solidFill>
-                  <a:srgbClr val="66FFFF"/>
-                </a:solidFill>
+              <a:rPr kumimoji="0" lang="en-US" sz="4800" b="1" i="0" u="none" strike="noStrike" kern="1200" cap="none" spc="0" normalizeH="0" baseline="0" noProof="0" dirty="0" err="1">
+                <a:ln>
+                  <a:noFill/>
+                </a:ln>
+                <a:solidFill>
+                  <a:srgbClr val="FFFF00"/>
+                </a:solidFill>
+                <a:effectLst/>
+                <a:uLnTx/>
+                <a:uFillTx/>
                 <a:latin typeface="Mangal (Body)"/>
+                <a:ea typeface="+mn-ea"/>
                 <a:cs typeface="Mangal" panose="02040503050203030202" pitchFamily="18" charset="0"/>
               </a:rPr>
               <a:t>na</a:t>
             </a:r>
             <a:r>
-              <a:rPr lang="en-US" sz="4400" b="1" dirty="0">
-                <a:solidFill>
-                  <a:srgbClr val="66FFFF"/>
-                </a:solidFill>
+              <a:rPr kumimoji="0" lang="en-US" sz="4800" b="1" i="0" u="none" strike="noStrike" kern="1200" cap="none" spc="0" normalizeH="0" baseline="0" noProof="0" dirty="0">
+                <a:ln>
+                  <a:noFill/>
+                </a:ln>
+                <a:solidFill>
+                  <a:srgbClr val="FFFF00"/>
+                </a:solidFill>
+                <a:effectLst/>
+                <a:uLnTx/>
+                <a:uFillTx/>
                 <a:latin typeface="Mangal (Body)"/>
+                <a:ea typeface="+mn-ea"/>
                 <a:cs typeface="Mangal" panose="02040503050203030202" pitchFamily="18" charset="0"/>
               </a:rPr>
               <a:t> ta </a:t>
             </a:r>
             <a:r>
-              <a:rPr lang="en-US" sz="4400" b="1" dirty="0" err="1">
-                <a:solidFill>
-                  <a:srgbClr val="66FFFF"/>
-                </a:solidFill>
+              <a:rPr kumimoji="0" lang="en-US" sz="4800" b="1" i="0" u="none" strike="noStrike" kern="1200" cap="none" spc="0" normalizeH="0" baseline="0" noProof="0" dirty="0" err="1">
+                <a:ln>
+                  <a:noFill/>
+                </a:ln>
+                <a:solidFill>
+                  <a:srgbClr val="FFFF00"/>
+                </a:solidFill>
+                <a:effectLst/>
+                <a:uLnTx/>
+                <a:uFillTx/>
                 <a:latin typeface="Mangal (Body)"/>
+                <a:ea typeface="+mn-ea"/>
                 <a:cs typeface="Mangal" panose="02040503050203030202" pitchFamily="18" charset="0"/>
               </a:rPr>
               <a:t>bal</a:t>
             </a:r>
             <a:r>
-              <a:rPr lang="en-US" sz="4400" b="1" dirty="0">
-                <a:solidFill>
-                  <a:srgbClr val="66FFFF"/>
-                </a:solidFill>
+              <a:rPr kumimoji="0" lang="en-US" sz="4800" b="1" i="0" u="none" strike="noStrike" kern="1200" cap="none" spc="0" normalizeH="0" baseline="0" noProof="0" dirty="0">
+                <a:ln>
+                  <a:noFill/>
+                </a:ln>
+                <a:solidFill>
+                  <a:srgbClr val="FFFF00"/>
+                </a:solidFill>
+                <a:effectLst/>
+                <a:uLnTx/>
+                <a:uFillTx/>
                 <a:latin typeface="Mangal (Body)"/>
+                <a:ea typeface="+mn-ea"/>
                 <a:cs typeface="Mangal" panose="02040503050203030202" pitchFamily="18" charset="0"/>
               </a:rPr>
               <a:t>-le </a:t>
             </a:r>
             <a:r>
-              <a:rPr lang="en-US" sz="4400" b="1" dirty="0" err="1">
-                <a:solidFill>
-                  <a:srgbClr val="66FFFF"/>
-                </a:solidFill>
+              <a:rPr kumimoji="0" lang="en-US" sz="4800" b="1" i="0" u="none" strike="noStrike" kern="1200" cap="none" spc="0" normalizeH="0" baseline="0" noProof="0" dirty="0" err="1">
+                <a:ln>
+                  <a:noFill/>
+                </a:ln>
+                <a:solidFill>
+                  <a:srgbClr val="FFFF00"/>
+                </a:solidFill>
+                <a:effectLst/>
+                <a:uLnTx/>
+                <a:uFillTx/>
                 <a:latin typeface="Mangal (Body)"/>
+                <a:ea typeface="+mn-ea"/>
                 <a:cs typeface="Mangal" panose="02040503050203030202" pitchFamily="18" charset="0"/>
               </a:rPr>
               <a:t>na</a:t>
             </a:r>
             <a:r>
-              <a:rPr lang="en-US" sz="4400" b="1" dirty="0">
-                <a:solidFill>
-                  <a:srgbClr val="66FFFF"/>
-                </a:solidFill>
+              <a:rPr kumimoji="0" lang="en-US" sz="4800" b="1" i="0" u="none" strike="noStrike" kern="1200" cap="none" spc="0" normalizeH="0" baseline="0" noProof="0" dirty="0">
+                <a:ln>
+                  <a:noFill/>
+                </a:ln>
+                <a:solidFill>
+                  <a:srgbClr val="FFFF00"/>
+                </a:solidFill>
+                <a:effectLst/>
+                <a:uLnTx/>
+                <a:uFillTx/>
                 <a:latin typeface="Mangal (Body)"/>
+                <a:ea typeface="+mn-ea"/>
                 <a:cs typeface="Mangal" panose="02040503050203030202" pitchFamily="18" charset="0"/>
               </a:rPr>
               <a:t> shakti-le</a:t>
             </a:r>
           </a:p>
           <a:p>
-            <a:pPr algn="ctr"/>
-            <a:r>
-              <a:rPr lang="it-IT" sz="4400" b="1" dirty="0">
-                <a:solidFill>
-                  <a:srgbClr val="66FFFF"/>
-                </a:solidFill>
+            <a:pPr marL="0" marR="0" lvl="0" indent="0" algn="ctr" defTabSz="914400" rtl="0" eaLnBrk="1" fontAlgn="auto" latinLnBrk="0" hangingPunct="1">
+              <a:lnSpc>
+                <a:spcPct val="100000"/>
+              </a:lnSpc>
+              <a:spcBef>
+                <a:spcPts val="0"/>
+              </a:spcBef>
+              <a:spcAft>
+                <a:spcPts val="0"/>
+              </a:spcAft>
+              <a:buClrTx/>
+              <a:buSzTx/>
+              <a:buFontTx/>
+              <a:buNone/>
+              <a:tabLst/>
+              <a:defRPr/>
+            </a:pPr>
+            <a:r>
+              <a:rPr kumimoji="0" lang="it-IT" sz="4800" b="1" i="0" u="none" strike="noStrike" kern="1200" cap="none" spc="0" normalizeH="0" baseline="0" noProof="0" dirty="0">
+                <a:ln>
+                  <a:noFill/>
+                </a:ln>
+                <a:solidFill>
+                  <a:srgbClr val="FFFF00"/>
+                </a:solidFill>
+                <a:effectLst/>
+                <a:uLnTx/>
+                <a:uFillTx/>
                 <a:latin typeface="Mangal (Body)"/>
+                <a:ea typeface="+mn-ea"/>
                 <a:cs typeface="Mangal" panose="02040503050203030202" pitchFamily="18" charset="0"/>
               </a:rPr>
               <a:t>prabhu bhanchan, mero aatmaa-le) </a:t>
             </a:r>
             <a:r>
-              <a:rPr lang="it-IT" sz="4400" b="1" i="1" dirty="0">
-                <a:solidFill>
-                  <a:srgbClr val="66FFFF"/>
-                </a:solidFill>
+              <a:rPr kumimoji="0" lang="it-IT" sz="4800" b="1" i="1" u="none" strike="noStrike" kern="1200" cap="none" spc="0" normalizeH="0" baseline="0" noProof="0" dirty="0">
+                <a:ln>
+                  <a:noFill/>
+                </a:ln>
+                <a:solidFill>
+                  <a:srgbClr val="FFFF00"/>
+                </a:solidFill>
+                <a:effectLst/>
+                <a:uLnTx/>
+                <a:uFillTx/>
                 <a:latin typeface="Mangal (Body)"/>
+                <a:ea typeface="+mn-ea"/>
                 <a:cs typeface="Mangal" panose="02040503050203030202" pitchFamily="18" charset="0"/>
               </a:rPr>
               <a:t>2</a:t>
@@ -5690,4 +11466,299 @@
     </a:ext>
   </a:extLst>
 </a:theme>
+</file>
+
+<file path=ppt/theme/theme2.xml><?xml version="1.0" encoding="utf-8"?>
+<a:theme xmlns:a="http://schemas.openxmlformats.org/drawingml/2006/main" name="1_Office Theme">
+  <a:themeElements>
+    <a:clrScheme name="Office">
+      <a:dk1>
+        <a:sysClr val="windowText" lastClr="000000"/>
+      </a:dk1>
+      <a:lt1>
+        <a:sysClr val="window" lastClr="FFFFFF"/>
+      </a:lt1>
+      <a:dk2>
+        <a:srgbClr val="44546A"/>
+      </a:dk2>
+      <a:lt2>
+        <a:srgbClr val="E7E6E6"/>
+      </a:lt2>
+      <a:accent1>
+        <a:srgbClr val="4472C4"/>
+      </a:accent1>
+      <a:accent2>
+        <a:srgbClr val="ED7D31"/>
+      </a:accent2>
+      <a:accent3>
+        <a:srgbClr val="A5A5A5"/>
+      </a:accent3>
+      <a:accent4>
+        <a:srgbClr val="FFC000"/>
+      </a:accent4>
+      <a:accent5>
+        <a:srgbClr val="5B9BD5"/>
+      </a:accent5>
+      <a:accent6>
+        <a:srgbClr val="70AD47"/>
+      </a:accent6>
+      <a:hlink>
+        <a:srgbClr val="0563C1"/>
+      </a:hlink>
+      <a:folHlink>
+        <a:srgbClr val="954F72"/>
+      </a:folHlink>
+    </a:clrScheme>
+    <a:fontScheme name="Office">
+      <a:majorFont>
+        <a:latin typeface="Calibri Light" panose="020F0302020204030204"/>
+        <a:ea typeface=""/>
+        <a:cs typeface=""/>
+        <a:font script="Jpan" typeface="游ゴシック Light"/>
+        <a:font script="Hang" typeface="맑은 고딕"/>
+        <a:font script="Hans" typeface="等线 Light"/>
+        <a:font script="Hant" typeface="新細明體"/>
+        <a:font script="Arab" typeface="Times New Roman"/>
+        <a:font script="Hebr" typeface="Times New Roman"/>
+        <a:font script="Thai" typeface="Angsana New"/>
+        <a:font script="Ethi" typeface="Nyala"/>
+        <a:font script="Beng" typeface="Vrinda"/>
+        <a:font script="Gujr" typeface="Shruti"/>
+        <a:font script="Khmr" typeface="MoolBoran"/>
+        <a:font script="Knda" typeface="Tunga"/>
+        <a:font script="Guru" typeface="Raavi"/>
+        <a:font script="Cans" typeface="Euphemia"/>
+        <a:font script="Cher" typeface="Plantagenet Cherokee"/>
+        <a:font script="Yiii" typeface="Microsoft Yi Baiti"/>
+        <a:font script="Tibt" typeface="Microsoft Himalaya"/>
+        <a:font script="Thaa" typeface="MV Boli"/>
+        <a:font script="Deva" typeface="Mangal"/>
+        <a:font script="Telu" typeface="Gautami"/>
+        <a:font script="Taml" typeface="Latha"/>
+        <a:font script="Syrc" typeface="Estrangelo Edessa"/>
+        <a:font script="Orya" typeface="Kalinga"/>
+        <a:font script="Mlym" typeface="Kartika"/>
+        <a:font script="Laoo" typeface="DokChampa"/>
+        <a:font script="Sinh" typeface="Iskoola Pota"/>
+        <a:font script="Mong" typeface="Mongolian Baiti"/>
+        <a:font script="Viet" typeface="Times New Roman"/>
+        <a:font script="Uigh" typeface="Microsoft Uighur"/>
+        <a:font script="Geor" typeface="Sylfaen"/>
+        <a:font script="Armn" typeface="Arial"/>
+        <a:font script="Bugi" typeface="Leelawadee UI"/>
+        <a:font script="Bopo" typeface="Microsoft JhengHei"/>
+        <a:font script="Java" typeface="Javanese Text"/>
+        <a:font script="Lisu" typeface="Segoe UI"/>
+        <a:font script="Mymr" typeface="Myanmar Text"/>
+        <a:font script="Nkoo" typeface="Ebrima"/>
+        <a:font script="Olck" typeface="Nirmala UI"/>
+        <a:font script="Osma" typeface="Ebrima"/>
+        <a:font script="Phag" typeface="Phagspa"/>
+        <a:font script="Syrn" typeface="Estrangelo Edessa"/>
+        <a:font script="Syrj" typeface="Estrangelo Edessa"/>
+        <a:font script="Syre" typeface="Estrangelo Edessa"/>
+        <a:font script="Sora" typeface="Nirmala UI"/>
+        <a:font script="Tale" typeface="Microsoft Tai Le"/>
+        <a:font script="Talu" typeface="Microsoft New Tai Lue"/>
+        <a:font script="Tfng" typeface="Ebrima"/>
+      </a:majorFont>
+      <a:minorFont>
+        <a:latin typeface="Calibri" panose="020F0502020204030204"/>
+        <a:ea typeface=""/>
+        <a:cs typeface=""/>
+        <a:font script="Jpan" typeface="游ゴシック"/>
+        <a:font script="Hang" typeface="맑은 고딕"/>
+        <a:font script="Hans" typeface="等线"/>
+        <a:font script="Hant" typeface="新細明體"/>
+        <a:font script="Arab" typeface="Arial"/>
+        <a:font script="Hebr" typeface="Arial"/>
+        <a:font script="Thai" typeface="Cordia New"/>
+        <a:font script="Ethi" typeface="Nyala"/>
+        <a:font script="Beng" typeface="Vrinda"/>
+        <a:font script="Gujr" typeface="Shruti"/>
+        <a:font script="Khmr" typeface="DaunPenh"/>
+        <a:font script="Knda" typeface="Tunga"/>
+        <a:font script="Guru" typeface="Raavi"/>
+        <a:font script="Cans" typeface="Euphemia"/>
+        <a:font script="Cher" typeface="Plantagenet Cherokee"/>
+        <a:font script="Yiii" typeface="Microsoft Yi Baiti"/>
+        <a:font script="Tibt" typeface="Microsoft Himalaya"/>
+        <a:font script="Thaa" typeface="MV Boli"/>
+        <a:font script="Deva" typeface="Mangal"/>
+        <a:font script="Telu" typeface="Gautami"/>
+        <a:font script="Taml" typeface="Latha"/>
+        <a:font script="Syrc" typeface="Estrangelo Edessa"/>
+        <a:font script="Orya" typeface="Kalinga"/>
+        <a:font script="Mlym" typeface="Kartika"/>
+        <a:font script="Laoo" typeface="DokChampa"/>
+        <a:font script="Sinh" typeface="Iskoola Pota"/>
+        <a:font script="Mong" typeface="Mongolian Baiti"/>
+        <a:font script="Viet" typeface="Arial"/>
+        <a:font script="Uigh" typeface="Microsoft Uighur"/>
+        <a:font script="Geor" typeface="Sylfaen"/>
+        <a:font script="Armn" typeface="Arial"/>
+        <a:font script="Bugi" typeface="Leelawadee UI"/>
+        <a:font script="Bopo" typeface="Microsoft JhengHei"/>
+        <a:font script="Java" typeface="Javanese Text"/>
+        <a:font script="Lisu" typeface="Segoe UI"/>
+        <a:font script="Mymr" typeface="Myanmar Text"/>
+        <a:font script="Nkoo" typeface="Ebrima"/>
+        <a:font script="Olck" typeface="Nirmala UI"/>
+        <a:font script="Osma" typeface="Ebrima"/>
+        <a:font script="Phag" typeface="Phagspa"/>
+        <a:font script="Syrn" typeface="Estrangelo Edessa"/>
+        <a:font script="Syrj" typeface="Estrangelo Edessa"/>
+        <a:font script="Syre" typeface="Estrangelo Edessa"/>
+        <a:font script="Sora" typeface="Nirmala UI"/>
+        <a:font script="Tale" typeface="Microsoft Tai Le"/>
+        <a:font script="Talu" typeface="Microsoft New Tai Lue"/>
+        <a:font script="Tfng" typeface="Ebrima"/>
+      </a:minorFont>
+    </a:fontScheme>
+    <a:fmtScheme name="Office">
+      <a:fillStyleLst>
+        <a:solidFill>
+          <a:schemeClr val="phClr"/>
+        </a:solidFill>
+        <a:gradFill rotWithShape="1">
+          <a:gsLst>
+            <a:gs pos="0">
+              <a:schemeClr val="phClr">
+                <a:lumMod val="110000"/>
+                <a:satMod val="105000"/>
+                <a:tint val="67000"/>
+              </a:schemeClr>
+            </a:gs>
+            <a:gs pos="50000">
+              <a:schemeClr val="phClr">
+                <a:lumMod val="105000"/>
+                <a:satMod val="103000"/>
+                <a:tint val="73000"/>
+              </a:schemeClr>
+            </a:gs>
+            <a:gs pos="100000">
+              <a:schemeClr val="phClr">
+                <a:lumMod val="105000"/>
+                <a:satMod val="109000"/>
+                <a:tint val="81000"/>
+              </a:schemeClr>
+            </a:gs>
+          </a:gsLst>
+          <a:lin ang="5400000" scaled="0"/>
+        </a:gradFill>
+        <a:gradFill rotWithShape="1">
+          <a:gsLst>
+            <a:gs pos="0">
+              <a:schemeClr val="phClr">
+                <a:satMod val="103000"/>
+                <a:lumMod val="102000"/>
+                <a:tint val="94000"/>
+              </a:schemeClr>
+            </a:gs>
+            <a:gs pos="50000">
+              <a:schemeClr val="phClr">
+                <a:satMod val="110000"/>
+                <a:lumMod val="100000"/>
+                <a:shade val="100000"/>
+              </a:schemeClr>
+            </a:gs>
+            <a:gs pos="100000">
+              <a:schemeClr val="phClr">
+                <a:lumMod val="99000"/>
+                <a:satMod val="120000"/>
+                <a:shade val="78000"/>
+              </a:schemeClr>
+            </a:gs>
+          </a:gsLst>
+          <a:lin ang="5400000" scaled="0"/>
+        </a:gradFill>
+      </a:fillStyleLst>
+      <a:lnStyleLst>
+        <a:ln w="6350" cap="flat" cmpd="sng" algn="ctr">
+          <a:solidFill>
+            <a:schemeClr val="phClr"/>
+          </a:solidFill>
+          <a:prstDash val="solid"/>
+          <a:miter lim="800000"/>
+        </a:ln>
+        <a:ln w="12700" cap="flat" cmpd="sng" algn="ctr">
+          <a:solidFill>
+            <a:schemeClr val="phClr"/>
+          </a:solidFill>
+          <a:prstDash val="solid"/>
+          <a:miter lim="800000"/>
+        </a:ln>
+        <a:ln w="19050" cap="flat" cmpd="sng" algn="ctr">
+          <a:solidFill>
+            <a:schemeClr val="phClr"/>
+          </a:solidFill>
+          <a:prstDash val="solid"/>
+          <a:miter lim="800000"/>
+        </a:ln>
+      </a:lnStyleLst>
+      <a:effectStyleLst>
+        <a:effectStyle>
+          <a:effectLst/>
+        </a:effectStyle>
+        <a:effectStyle>
+          <a:effectLst/>
+        </a:effectStyle>
+        <a:effectStyle>
+          <a:effectLst>
+            <a:outerShdw blurRad="57150" dist="19050" dir="5400000" algn="ctr" rotWithShape="0">
+              <a:srgbClr val="000000">
+                <a:alpha val="63000"/>
+              </a:srgbClr>
+            </a:outerShdw>
+          </a:effectLst>
+        </a:effectStyle>
+      </a:effectStyleLst>
+      <a:bgFillStyleLst>
+        <a:solidFill>
+          <a:schemeClr val="phClr"/>
+        </a:solidFill>
+        <a:solidFill>
+          <a:schemeClr val="phClr">
+            <a:tint val="95000"/>
+            <a:satMod val="170000"/>
+          </a:schemeClr>
+        </a:solidFill>
+        <a:gradFill rotWithShape="1">
+          <a:gsLst>
+            <a:gs pos="0">
+              <a:schemeClr val="phClr">
+                <a:tint val="93000"/>
+                <a:satMod val="150000"/>
+                <a:shade val="98000"/>
+                <a:lumMod val="102000"/>
+              </a:schemeClr>
+            </a:gs>
+            <a:gs pos="50000">
+              <a:schemeClr val="phClr">
+                <a:tint val="98000"/>
+                <a:satMod val="130000"/>
+                <a:shade val="90000"/>
+                <a:lumMod val="103000"/>
+              </a:schemeClr>
+            </a:gs>
+            <a:gs pos="100000">
+              <a:schemeClr val="phClr">
+                <a:shade val="63000"/>
+                <a:satMod val="120000"/>
+              </a:schemeClr>
+            </a:gs>
+          </a:gsLst>
+          <a:lin ang="5400000" scaled="0"/>
+        </a:gradFill>
+      </a:bgFillStyleLst>
+    </a:fmtScheme>
+  </a:themeElements>
+  <a:objectDefaults/>
+  <a:extraClrSchemeLst/>
+  <a:extLst>
+    <a:ext uri="{05A4C25C-085E-4340-85A3-A5531E510DB2}">
+      <thm15:themeFamily xmlns:thm15="http://schemas.microsoft.com/office/thememl/2012/main" name="Office Theme" id="{62F939B6-93AF-4DB8-9C6B-D6C7DFDC589F}" vid="{4A3C46E8-61CC-4603-A589-7422A47A8E4A}"/>
+    </a:ext>
+  </a:extLst>
+</a:theme>
 </file>